--- a/day 5/SAC_Training Day 5.pptx
+++ b/day 5/SAC_Training Day 5.pptx
@@ -7657,7 +7657,7 @@
           <inkml:channelProperty channel="T" name="resolution" value="1" units="1/dev"/>
         </inkml:channelProperties>
       </inkml:inkSource>
-      <inkml:timestamp xml:id="ts0" timeString="2020-09-26T02:34:10.928"/>
+      <inkml:timestamp xml:id="ts0" timeString="2020-12-14T06:01:30.539"/>
     </inkml:context>
     <inkml:brush xml:id="br0">
       <inkml:brushProperty name="width" value="0.05" units="cm"/>
@@ -7665,8 +7665,313 @@
       <inkml:brushProperty name="fitToCurve" value="1"/>
     </inkml:brush>
   </inkml:definitions>
-  <inkml:trace contextRef="#ctx0" brushRef="#br0">73 123 0,'0'-24'47,"0"0"-16,25-1-31,-1 25 15,1-24-15,-1 24 16,-24-25-16,25 25 16,-1 0-16,0 0 15,1 0 1,-25 25-16,24-25 0,-24 24 16,0 1-16,0-1 15,0 0-15,-24 1 0,24-1 16,-25 1-16,1-1 0,0 1 15,-1-1-15,1 0 16,-1 1-16,1-1 0,-1-24 16,1 25-16,0-25 0,-1 24 15,50-24 17,-1 0-32,25 0 15,-25 0-15,25-24 0,-24 24 16,48 0-16,-24 0 15,0 0-15,-25-25 0,25 25 16,-25 0-16,1 0 0,-1 0 16,1 0-16</inkml:trace>
-  <inkml:trace contextRef="#ctx0" brushRef="#br0" timeOffset="1439">733 148 0,'-25'0'47,"25"24"-31,-24-24-16,0 25 0,-1-1 15,1 1 1,24-1-16,0 0 16,0 1-16,0-1 0,24 1 15,1-25 1,-1 24-16,0-24 15,1 0-15,-1 0 0,1 0 16,-1-24 0,1 24-16,-25-25 0,24 25 15,-24-24-15,0-1 16,0 1-16,-24 0 0,-1-1 16,1 1-16,-1 24 15,-24-25-15,25 25 16,0 0-16,-1 0 15,50 0 1,-1 0-16,0 0 16,1 0-16,24 0 0,-25 0 15,25 0-15,0 0 16,0 0-16,-25 0 0,25-24 16,-25 24-16,1 0 15,-1 0 1,-48 0-1,24 24 1,-25-24-16,25 25 16,0-1-1,-24 1-15,24-1 16,0 0 0,0 1-1,24-1-15,1-24 16,-1 25-1,1-25-15,-1 0 16,1 0-16,-1-25 16,0 25-1,-24-24-15,25 24 16,-25-25-16,0 1 16,-25 0-16,1-1 15,0 1-15,-1 24 16,25-25-16,-24 25 15,-1 0-15,1-24 16,48 48 62,1-24-62,-1 0-1,1 0-15,-1 25 16,25-25-16,-25 0 16,1 0-16,-1 0 0,25 0 15,-25 0-15,1 0 16,-1 0-16,1 0 0,-1 0 16,0 0-16,1 0 0,-1 0 15,-48 24 32,24 1-31,0-1-16,0 0 15,0 1-15,0-1 16,0 1-16,24-25 16,-24 24-16,25 0 0,-1-24 15,1 25-15,-1-25 16,0 0-16,1 0 0,-1 0 15,1 0-15,-1 0 16,0-25-16,1 25 0,-25-24 16,24 0-16,1-1 0,-25 1 15,0-1 1,0 1-16,-25 0 0,1 24 16,-25-25-16,0 25 15,0 0-15,1 0 0,-1 0 16,0 25-16,-24-25 0,24 24 15</inkml:trace>
+  <inkml:trace contextRef="#ctx0" brushRef="#br0">1168 209 0,'26'0'0,"-52"0"62,0 26-31,26 0-15,0 0-16,0 0 16,0 0-1,26 0-15,-26 0 0,0 0 16,0 0-16,0 0 0,0-1 16,26-25-16,-26 26 15,0 0-15,0 0 0,26-26 16</inkml:trace>
+  <inkml:trace contextRef="#ctx0" brushRef="#br0" timeOffset="319">1246 183 0,'0'-25'16,"26"25"31,-26 25-31,26 1-16,-26 0 15,0 0-15,26-26 0,-26 26 16,0 0-16,26-26 15,0 26-15,-26 0 0,25-26 16,1 0 0,0 0-16,0 0 15,0 0 1</inkml:trace>
+  <inkml:trace contextRef="#ctx0" brushRef="#br0" timeOffset="582">1427 183 0,'0'-25'16,"-26"-1"-16,52 26 78,-26 26-78,0-1 0,26-25 15,-26 26-15,0 0 0,26 0 16,-26 0-16,0 0 16,0 0-16,0 0 15,0 0 1,0 0-16,26-26 16</inkml:trace>
+  <inkml:trace contextRef="#ctx0" brushRef="#br0" timeOffset="1135">1816 54 0,'26'0'16,"-26"-26"-16,0 0 31,-26 26-16,0 0 1,0 0-16,0 0 0,0 0 16,1 26-16,-1-26 15,0 0-15,0 26 0,0-26 16,0 26-16,26 0 16,0 0-1,26-26 1,0 26-16,0-26 0,0 25 15,0-25-15,-1 0 0,27 26 16,-26-26-16,0 0 16,0 26-16,0-26 0,0 26 15,0-26-15,-26 26 0,0 0 16,0 0 0,-26 0-16,0-26 15,0 26-15,0-26 16,0 0-16,0 0 0,0 0 15,0 0-15,1-26 0</inkml:trace>
+  <inkml:trace contextRef="#ctx0" brushRef="#br0" timeOffset="2370">2 520 0,'0'-26'0,"0"1"62,26 25-15,-26 25-47,26 1 16,-26 0-1,26 0 1,-26 0-16,0 0 15,0 0 1,0 0-16,0 0 0,-26 0 16,26 0-16,0 0 0,0-1 15,0 1-15,-26 0 16,26 26 0,0 0-16,0-26 0,-26-26 15,26 26-15,0 0 16,0 0-16,0 0 15,0 0 1,26-26 0,0 0-16,0 0 15,0 0 1,-1 0-16,1 0 0,0-26 16,26 26-16,-26 0 15,0 0-15,0 0 0,0 0 16,26 0-16,-26 0 15,25 0-15,-25 26 0,26-26 16,-26 0-16,0 0 0,0 0 16,0 0-16,0 0 15,-52 0 32,26-26-31</inkml:trace>
+  <inkml:trace contextRef="#ctx0" brushRef="#br0" timeOffset="2892">1168 935 0,'26'0'31,"-26"-26"-31,-26 26 47,0 0-47,0 0 15,0 0 1,1 26-16,-1 0 16,0-26-16,0 26 15,26 0-15,-26 0 16,0 0-16,26 0 0,-26 0 15,26-1 1,0 1-16,0 0 0,0 0 16,26 0-16,-26 0 0,26-26 15,0 26-15,0-26 16,0 0-16,0 26 0,-1-26 16,27 0-16,-26 0 15,0-26-15,0 26 16,0-26-16,0 26 15,-26-26-15</inkml:trace>
+  <inkml:trace contextRef="#ctx0" brushRef="#br0" timeOffset="3648">1557 883 0,'0'-26'16,"-26"26"-16,0 0 15,0 0 1,0 0-16,26 26 16,-26-26-16,0 26 15,1 0-15,25 0 16,-26 0-16,26 0 16,-26 0-16,26 0 0,0 0 15,0 0-15,26-1 0,-26 1 16,26 0-16,-1 0 15,1 0-15,0 0 16,0-26 0,0 0-16,0 0 15,0-26-15,0 0 16,0 0 0,-26 0-1,0 0 1,0 1-16,-26 25 15,26-26-15,-26 26 16,52 0 47,0 0-48,0 0 1,0 0-1,0 0-15,-1-26 16,1 26 0,0 0-16,-26 26 31,0 0-15,0-1-16,0 1 15,-26 0-15,26 0 16,0 0-16,0 0 0,0 0 15,0 0-15,0 0 16,0 0-16</inkml:trace>
+  <inkml:trace contextRef="#ctx0" brushRef="#br0" timeOffset="6112">2231 106 0,'0'-26'78,"-26"26"-31,26 26-32,-26-26-15,0 26 16,0 0 0,26-1-16,-26 1 15,26 0-15,0 0 16,0 0-16,0 0 0,0 0 15,0 26-15,0-26 16,26 0-16,0 0 0,-26 25 16,26-25-16,0 0 0,0 0 15,-26 0 1,26-26-16,0 0 16,0 0-1,-26-26-15,0 0 16</inkml:trace>
+  <inkml:trace contextRef="#ctx0" brushRef="#br0" timeOffset="6526">2386 365 0,'26'0'47,"0"0"-47,0 0 16,0 0-1,0 0-15,26 0 0,-26 0 16,0 0-16,0 0 16,-1 0-16,1 0 0,0 0 15,-26-26 1,-26 26-1,0 0 1,1 0-16</inkml:trace>
+  <inkml:trace contextRef="#ctx0" brushRef="#br0" timeOffset="6862">2542 261 0,'0'-26'15,"0"52"32,0 0-31,0 0-1,0 0 1,0 0-16,0 0 0,0 0 16,26 0-16,-26 0 0,0-1 15,26 1-15,-26 0 16,0 0-16,26 0 0,-26 0 16,26-26-1</inkml:trace>
+  <inkml:trace contextRef="#ctx0" brushRef="#br0" timeOffset="7468">2879 235 0,'0'-26'0,"26"26"47,0 0-31,-26 26-16,26 0 16,-26 0-1,25-26-15,-25 26 0,0 0 16,0 0-16,26 0 15,-26 0-15,0 0 0,26-26 16,-26 26-16,0-1 16,0 1-16,26-26 0,0 0 15,-26-26 17,26 1-32,-26-1 15,26 0-15,-26 0 16,0 0-16,26 0 0,-26 0 15,0 0-15,26 0 0,-26 0 16,0 0-16,26 26 16,-26 26 31</inkml:trace>
+  <inkml:trace contextRef="#ctx0" brushRef="#br0" timeOffset="8002">3397 313 0,'0'26'0,"26"-26"94,0 0-79,0 0 1,0 0-16,-26-26 15,26 26-15,-26-26 16,0 0 0,0 0-1,-26 26-15,0-26 16,0 26-16,0 0 16,0 0-16,0 0 15,0 0-15,0 26 16,26 0-1,-26 0-15,26 0 16,0 0-16,26-26 0,-26 26 16,26 0-16,0 0 15,0-26-15,-26 26 16,26-26-16,0 0 16,0 26-16,0-26 0,0 0 15,0 0-15,0 0 16,-26-26-16,26 26 15</inkml:trace>
+  <inkml:trace contextRef="#ctx0" brushRef="#br0" timeOffset="8369">3656 28 0,'26'0'47,"0"0"-32,-26 26 1,26-26-16,0 26 0,0 0 15,-26 0-15,26 0 16,-26 25-16,26-25 16,-26 0-16,26 26 0,-26 0 15,0-26-15,26 0 16,-26 26-16,0-27 0,0 1 16,0 0-16,0 0 0,-26 0 15,0-26 1,0 0-16,0 0 0</inkml:trace>
+</inkml:ink>
+</file>
+
+<file path=ppt/ink/ink10.xml><?xml version="1.0" encoding="utf-8"?>
+<inkml:ink xmlns:inkml="http://www.w3.org/2003/InkML">
+  <inkml:definitions>
+    <inkml:context xml:id="ctx0">
+      <inkml:inkSource xml:id="inkSrc0">
+        <inkml:traceFormat>
+          <inkml:channel name="X" type="integer" max="1920" units="cm"/>
+          <inkml:channel name="Y" type="integer" max="1080" units="cm"/>
+          <inkml:channel name="T" type="integer" max="2.14748E9" units="dev"/>
+        </inkml:traceFormat>
+        <inkml:channelProperties>
+          <inkml:channelProperty channel="X" name="resolution" value="55.81395" units="1/cm"/>
+          <inkml:channelProperty channel="Y" name="resolution" value="55.6701" units="1/cm"/>
+          <inkml:channelProperty channel="T" name="resolution" value="1" units="1/dev"/>
+        </inkml:channelProperties>
+      </inkml:inkSource>
+      <inkml:timestamp xml:id="ts0" timeString="2020-12-14T06:02:53.242"/>
+    </inkml:context>
+    <inkml:brush xml:id="br0">
+      <inkml:brushProperty name="width" value="0.05" units="cm"/>
+      <inkml:brushProperty name="height" value="0.05" units="cm"/>
+      <inkml:brushProperty name="fitToCurve" value="1"/>
+    </inkml:brush>
+  </inkml:definitions>
+  <inkml:trace contextRef="#ctx0" brushRef="#br0">0 135 0,'26'0'15,"0"-26"1,-1 0 0,1 26-16,0-26 15,26 26-15,0-26 16,0 26-16,0-26 0,25 26 16</inkml:trace>
+</inkml:ink>
+</file>
+
+<file path=ppt/ink/ink11.xml><?xml version="1.0" encoding="utf-8"?>
+<inkml:ink xmlns:inkml="http://www.w3.org/2003/InkML">
+  <inkml:definitions>
+    <inkml:context xml:id="ctx0">
+      <inkml:inkSource xml:id="inkSrc0">
+        <inkml:traceFormat>
+          <inkml:channel name="X" type="integer" max="1920" units="cm"/>
+          <inkml:channel name="Y" type="integer" max="1080" units="cm"/>
+          <inkml:channel name="T" type="integer" max="2.14748E9" units="dev"/>
+        </inkml:traceFormat>
+        <inkml:channelProperties>
+          <inkml:channelProperty channel="X" name="resolution" value="55.81395" units="1/cm"/>
+          <inkml:channelProperty channel="Y" name="resolution" value="55.6701" units="1/cm"/>
+          <inkml:channelProperty channel="T" name="resolution" value="1" units="1/dev"/>
+        </inkml:channelProperties>
+      </inkml:inkSource>
+      <inkml:timestamp xml:id="ts0" timeString="2020-12-14T06:02:53.752"/>
+    </inkml:context>
+    <inkml:brush xml:id="br0">
+      <inkml:brushProperty name="width" value="0.05" units="cm"/>
+      <inkml:brushProperty name="height" value="0.05" units="cm"/>
+      <inkml:brushProperty name="fitToCurve" value="1"/>
+    </inkml:brush>
+  </inkml:definitions>
+  <inkml:trace contextRef="#ctx0" brushRef="#br0">0 156 0,'0'-26'16,"26"0"-1,0 26-15,0-26 16,26 0-16,-26 0 0,25 26 16,1-26-16,-26 26 0</inkml:trace>
+</inkml:ink>
+</file>
+
+<file path=ppt/ink/ink12.xml><?xml version="1.0" encoding="utf-8"?>
+<inkml:ink xmlns:inkml="http://www.w3.org/2003/InkML">
+  <inkml:definitions>
+    <inkml:context xml:id="ctx0">
+      <inkml:inkSource xml:id="inkSrc0">
+        <inkml:traceFormat>
+          <inkml:channel name="X" type="integer" max="1920" units="cm"/>
+          <inkml:channel name="Y" type="integer" max="1080" units="cm"/>
+          <inkml:channel name="T" type="integer" max="2.14748E9" units="dev"/>
+        </inkml:traceFormat>
+        <inkml:channelProperties>
+          <inkml:channelProperty channel="X" name="resolution" value="55.81395" units="1/cm"/>
+          <inkml:channelProperty channel="Y" name="resolution" value="55.6701" units="1/cm"/>
+          <inkml:channelProperty channel="T" name="resolution" value="1" units="1/dev"/>
+        </inkml:channelProperties>
+      </inkml:inkSource>
+      <inkml:timestamp xml:id="ts0" timeString="2020-12-14T06:02:54.298"/>
+    </inkml:context>
+    <inkml:brush xml:id="br0">
+      <inkml:brushProperty name="width" value="0.05" units="cm"/>
+      <inkml:brushProperty name="height" value="0.05" units="cm"/>
+      <inkml:brushProperty name="fitToCurve" value="1"/>
+    </inkml:brush>
+  </inkml:definitions>
+  <inkml:trace contextRef="#ctx0" brushRef="#br0">0 51 0,'26'0'31,"0"-25"-31,26 25 16,-26 0-16,26-26 15,0 26-15,25 0 0</inkml:trace>
+</inkml:ink>
+</file>
+
+<file path=ppt/ink/ink13.xml><?xml version="1.0" encoding="utf-8"?>
+<inkml:ink xmlns:inkml="http://www.w3.org/2003/InkML">
+  <inkml:definitions>
+    <inkml:context xml:id="ctx0">
+      <inkml:inkSource xml:id="inkSrc0">
+        <inkml:traceFormat>
+          <inkml:channel name="X" type="integer" max="1920" units="cm"/>
+          <inkml:channel name="Y" type="integer" max="1080" units="cm"/>
+          <inkml:channel name="T" type="integer" max="2.14748E9" units="dev"/>
+        </inkml:traceFormat>
+        <inkml:channelProperties>
+          <inkml:channelProperty channel="X" name="resolution" value="55.81395" units="1/cm"/>
+          <inkml:channelProperty channel="Y" name="resolution" value="55.6701" units="1/cm"/>
+          <inkml:channelProperty channel="T" name="resolution" value="1" units="1/dev"/>
+        </inkml:channelProperties>
+      </inkml:inkSource>
+      <inkml:timestamp xml:id="ts0" timeString="2020-12-14T06:02:54.754"/>
+    </inkml:context>
+    <inkml:brush xml:id="br0">
+      <inkml:brushProperty name="width" value="0.05" units="cm"/>
+      <inkml:brushProperty name="height" value="0.05" units="cm"/>
+      <inkml:brushProperty name="fitToCurve" value="1"/>
+    </inkml:brush>
+  </inkml:definitions>
+  <inkml:trace contextRef="#ctx0" brushRef="#br0">0 104 0,'26'-26'15,"0"26"1,0-26-16,0 26 0,26-26 16,-26 0-16,26 26 15</inkml:trace>
+</inkml:ink>
+</file>
+
+<file path=ppt/ink/ink14.xml><?xml version="1.0" encoding="utf-8"?>
+<inkml:ink xmlns:inkml="http://www.w3.org/2003/InkML">
+  <inkml:definitions>
+    <inkml:context xml:id="ctx0">
+      <inkml:inkSource xml:id="inkSrc0">
+        <inkml:traceFormat>
+          <inkml:channel name="X" type="integer" max="1920" units="cm"/>
+          <inkml:channel name="Y" type="integer" max="1080" units="cm"/>
+          <inkml:channel name="T" type="integer" max="2.14748E9" units="dev"/>
+        </inkml:traceFormat>
+        <inkml:channelProperties>
+          <inkml:channelProperty channel="X" name="resolution" value="55.81395" units="1/cm"/>
+          <inkml:channelProperty channel="Y" name="resolution" value="55.6701" units="1/cm"/>
+          <inkml:channelProperty channel="T" name="resolution" value="1" units="1/dev"/>
+        </inkml:channelProperties>
+      </inkml:inkSource>
+      <inkml:timestamp xml:id="ts0" timeString="2020-12-14T06:02:55.336"/>
+    </inkml:context>
+    <inkml:brush xml:id="br0">
+      <inkml:brushProperty name="width" value="0.05" units="cm"/>
+      <inkml:brushProperty name="height" value="0.05" units="cm"/>
+      <inkml:brushProperty name="fitToCurve" value="1"/>
+    </inkml:brush>
+  </inkml:definitions>
+  <inkml:trace contextRef="#ctx0" brushRef="#br0">0 0 0,'26'26'15,"0"-26"1,0 0-16,0 0 0,-1 0 16,1 0-16,26 0 0,-26 0 15</inkml:trace>
+</inkml:ink>
+</file>
+
+<file path=ppt/ink/ink15.xml><?xml version="1.0" encoding="utf-8"?>
+<inkml:ink xmlns:inkml="http://www.w3.org/2003/InkML">
+  <inkml:definitions>
+    <inkml:context xml:id="ctx0">
+      <inkml:inkSource xml:id="inkSrc0">
+        <inkml:traceFormat>
+          <inkml:channel name="X" type="integer" max="1920" units="cm"/>
+          <inkml:channel name="Y" type="integer" max="1080" units="cm"/>
+          <inkml:channel name="T" type="integer" max="2.14748E9" units="dev"/>
+        </inkml:traceFormat>
+        <inkml:channelProperties>
+          <inkml:channelProperty channel="X" name="resolution" value="55.81395" units="1/cm"/>
+          <inkml:channelProperty channel="Y" name="resolution" value="55.6701" units="1/cm"/>
+          <inkml:channelProperty channel="T" name="resolution" value="1" units="1/dev"/>
+        </inkml:channelProperties>
+      </inkml:inkSource>
+      <inkml:timestamp xml:id="ts0" timeString="2020-12-14T06:02:56.020"/>
+    </inkml:context>
+    <inkml:brush xml:id="br0">
+      <inkml:brushProperty name="width" value="0.05" units="cm"/>
+      <inkml:brushProperty name="height" value="0.05" units="cm"/>
+      <inkml:brushProperty name="fitToCurve" value="1"/>
+    </inkml:brush>
+  </inkml:definitions>
+  <inkml:trace contextRef="#ctx0" brushRef="#br0">0 130 0,'26'0'15,"0"0"1,0 0-16,-26-26 0,26 26 16,0-26-16,25 0 0,-25 0 15,26 26-15,-26-26 16</inkml:trace>
+</inkml:ink>
+</file>
+
+<file path=ppt/ink/ink16.xml><?xml version="1.0" encoding="utf-8"?>
+<inkml:ink xmlns:inkml="http://www.w3.org/2003/InkML">
+  <inkml:definitions>
+    <inkml:context xml:id="ctx0">
+      <inkml:inkSource xml:id="inkSrc0">
+        <inkml:traceFormat>
+          <inkml:channel name="X" type="integer" max="1920" units="cm"/>
+          <inkml:channel name="Y" type="integer" max="1080" units="cm"/>
+          <inkml:channel name="T" type="integer" max="2.14748E9" units="dev"/>
+        </inkml:traceFormat>
+        <inkml:channelProperties>
+          <inkml:channelProperty channel="X" name="resolution" value="55.81395" units="1/cm"/>
+          <inkml:channelProperty channel="Y" name="resolution" value="55.6701" units="1/cm"/>
+          <inkml:channelProperty channel="T" name="resolution" value="1" units="1/dev"/>
+        </inkml:channelProperties>
+      </inkml:inkSource>
+      <inkml:timestamp xml:id="ts0" timeString="2020-12-14T06:02:56.806"/>
+    </inkml:context>
+    <inkml:brush xml:id="br0">
+      <inkml:brushProperty name="width" value="0.05" units="cm"/>
+      <inkml:brushProperty name="height" value="0.05" units="cm"/>
+      <inkml:brushProperty name="fitToCurve" value="1"/>
+    </inkml:brush>
+  </inkml:definitions>
+  <inkml:trace contextRef="#ctx0" brushRef="#br0">0 104 0,'26'0'16,"-26"-26"-16,26 26 15,0-26 1,0 26-16,0-26 0,0 26 15,0 0-15,25-26 16,1 26-16</inkml:trace>
+</inkml:ink>
+</file>
+
+<file path=ppt/ink/ink17.xml><?xml version="1.0" encoding="utf-8"?>
+<inkml:ink xmlns:inkml="http://www.w3.org/2003/InkML">
+  <inkml:definitions>
+    <inkml:context xml:id="ctx0">
+      <inkml:inkSource xml:id="inkSrc0">
+        <inkml:traceFormat>
+          <inkml:channel name="X" type="integer" max="1920" units="cm"/>
+          <inkml:channel name="Y" type="integer" max="1080" units="cm"/>
+          <inkml:channel name="T" type="integer" max="2.14748E9" units="dev"/>
+        </inkml:traceFormat>
+        <inkml:channelProperties>
+          <inkml:channelProperty channel="X" name="resolution" value="55.81395" units="1/cm"/>
+          <inkml:channelProperty channel="Y" name="resolution" value="55.6701" units="1/cm"/>
+          <inkml:channelProperty channel="T" name="resolution" value="1" units="1/dev"/>
+        </inkml:channelProperties>
+      </inkml:inkSource>
+      <inkml:timestamp xml:id="ts0" timeString="2020-12-14T06:02:57.365"/>
+    </inkml:context>
+    <inkml:brush xml:id="br0">
+      <inkml:brushProperty name="width" value="0.05" units="cm"/>
+      <inkml:brushProperty name="height" value="0.05" units="cm"/>
+      <inkml:brushProperty name="fitToCurve" value="1"/>
+    </inkml:brush>
+  </inkml:definitions>
+  <inkml:trace contextRef="#ctx0" brushRef="#br0">0 156 0,'26'-26'0,"0"26"15,0-26-15,0 0 0,26 0 16,0 0-16,25 0 16</inkml:trace>
+</inkml:ink>
+</file>
+
+<file path=ppt/ink/ink18.xml><?xml version="1.0" encoding="utf-8"?>
+<inkml:ink xmlns:inkml="http://www.w3.org/2003/InkML">
+  <inkml:definitions>
+    <inkml:context xml:id="ctx0">
+      <inkml:inkSource xml:id="inkSrc0">
+        <inkml:traceFormat>
+          <inkml:channel name="X" type="integer" max="1920" units="cm"/>
+          <inkml:channel name="Y" type="integer" max="1080" units="cm"/>
+          <inkml:channel name="T" type="integer" max="2.14748E9" units="dev"/>
+        </inkml:traceFormat>
+        <inkml:channelProperties>
+          <inkml:channelProperty channel="X" name="resolution" value="55.81395" units="1/cm"/>
+          <inkml:channelProperty channel="Y" name="resolution" value="55.6701" units="1/cm"/>
+          <inkml:channelProperty channel="T" name="resolution" value="1" units="1/dev"/>
+        </inkml:channelProperties>
+      </inkml:inkSource>
+      <inkml:timestamp xml:id="ts0" timeString="2020-12-14T06:02:58.910"/>
+    </inkml:context>
+    <inkml:brush xml:id="br0">
+      <inkml:brushProperty name="width" value="0.05" units="cm"/>
+      <inkml:brushProperty name="height" value="0.05" units="cm"/>
+      <inkml:brushProperty name="fitToCurve" value="1"/>
+    </inkml:brush>
+  </inkml:definitions>
+  <inkml:trace contextRef="#ctx0" brushRef="#br0">0 132 0,'26'0'0,"-26"26"16,-26 0-16,26 0 0,0 0 16,0 0-16,26-1 15,-26 27-15,26-26 0,-26 0 16,26 0-16,0 26 0,-26-26 16,26 0-16,-26 0 15,0 0-15,26 0 0,-26-1 31</inkml:trace>
+  <inkml:trace contextRef="#ctx0" brushRef="#br0" timeOffset="353">208 210 0,'0'-26'0,"0"0"16,0 52 31,0 0-47,-26 0 15,0 0-15,26-1 16,-26 1-16,0 0 16,0 0-16,26 0 15,0 0 16,26-26-31,-26 26 16,26-26-16,0 0 16,0 26-16,0-26 0,0 26 15,-1 0-15,1-26 16,0 26-16,0-26 0,0 26 16,0-26-16,-26 26 0,26-26 15</inkml:trace>
+  <inkml:trace contextRef="#ctx0" brushRef="#br0" timeOffset="911">441 236 0,'0'-26'16,"-26"26"0,52 26 15,-26 0-31,0-1 0,26 1 16,-26 0-16,26 0 15,-26 0-15,26 0 0,-26 0 16,0 0-16,0 0 0,26 0 15,-26 0 1,-26-26 0,26-26-1,-26 0-15,0 0 16,26 0-16,-26-26 0,26 26 16,-26 0-16,26-26 15,-26 1-15,26 25 0,-26-26 16,26 0-16,0 26 15,0 0-15,26 0 0,-26 0 16,26 26-16,0 0 0,0 0 16,0 0-16,0 0 15,0 26-15,-1 0 16,-25 0-16,0 0 16,0 0-16,0 0 15,-25 0-15,-1 0 16,0 0-16,0-26 15,26 26-15,-26-26 0</inkml:trace>
+  <inkml:trace contextRef="#ctx0" brushRef="#br0" timeOffset="1121">648 80 0,'0'-26'16,"0"0"0,0 0-1,0 52 1,0 0 0,26 0-16,-26 26 0,26 0 15,-26 0-15,26-1 16,-26 27-16,26-26 0</inkml:trace>
+</inkml:ink>
+</file>
+
+<file path=ppt/ink/ink19.xml><?xml version="1.0" encoding="utf-8"?>
+<inkml:ink xmlns:inkml="http://www.w3.org/2003/InkML">
+  <inkml:definitions>
+    <inkml:context xml:id="ctx0">
+      <inkml:inkSource xml:id="inkSrc0">
+        <inkml:traceFormat>
+          <inkml:channel name="X" type="integer" max="1920" units="cm"/>
+          <inkml:channel name="Y" type="integer" max="1080" units="cm"/>
+          <inkml:channel name="T" type="integer" max="2.14748E9" units="dev"/>
+        </inkml:traceFormat>
+        <inkml:channelProperties>
+          <inkml:channelProperty channel="X" name="resolution" value="55.81395" units="1/cm"/>
+          <inkml:channelProperty channel="Y" name="resolution" value="55.6701" units="1/cm"/>
+          <inkml:channelProperty channel="T" name="resolution" value="1" units="1/dev"/>
+        </inkml:channelProperties>
+      </inkml:inkSource>
+      <inkml:timestamp xml:id="ts0" timeString="2020-12-14T06:02:34.704"/>
+    </inkml:context>
+    <inkml:brush xml:id="br0">
+      <inkml:brushProperty name="width" value="0.05" units="cm"/>
+      <inkml:brushProperty name="height" value="0.05" units="cm"/>
+      <inkml:brushProperty name="fitToCurve" value="1"/>
+    </inkml:brush>
+  </inkml:definitions>
+  <inkml:trace contextRef="#ctx0" brushRef="#br0">3759 26 0,'25'0'0,"-25"-26"15,26 26 1,-52 0 78,1 26-79,-1-26 1,26 26-16,-26-26 15,26 26-15,-26-26 16,26 26-16,0-1 0,-26 1 16,26 0-1,0 0-15,0 0 16,0 0-16,0 0 16,0 0-1,0 0-15,0 0 0,0 0 16,0 0-1,0-1-15,0 1 0,26 0 16,-26 0-16,0 0 0,0 0 16,0 0-1,0 0-15,0 0 0,0 0 16,0 0-16,0 0 16,0 0-16,0-1 0,0 1 15,0 0-15,0 0 0,0 0 16,0 26-16,0-26 15,26 0-15,-26 0 0,0 0 16,0 0-16,0-1 16,0 27-16,0-26 0,0 0 15,26 0-15,-26 26 0,0-26 16,0 0-16,0 26 16,0-27-16,0 1 0,0 26 15,0-26-15,26 0 16,-26 0-16,0 26 0,0-26 15,0 0-15,0 0 0,0-1 16,25 1-16,-25 26 16,0-26-16,0 0 0,0 0 15,0 26-15,0-26 16,26 0-16,-26 26 0,0-27 16,0 1-16,0 26 0,0-26 15,26 0-15,-26 26 16,0-26-16,0 0 0,0 0 15,0 0-15,0 25 0,0-25 16,0 0-16,0 0 16,0 26-16,0-26 0,26 0 15,-26 0-15,0 26 16,0-27-16,0 1 0,0 26 16,0-26-16,0 26 15,0-26-15,0 26 0,0-26 16,-26 25-16,26-25 0,0 26 15,0-26-15,-26 0 16,26 26-16,0-26 0,0 0 16,-26 0-16,26 26 0,0-27 15,0 1-15,-25 0 16,25 0-16,0 0 0,-26 0 16,26 0-16,-26 0 15,26 0-15,-26-26 0,26 26 16,-26-26-16,26 26 15,-26-26 1,0 0 15,26 26 32,26-26-48,0 0 1,-26 25-16,26-25 0,0 26 16,0 0-1,0 0 1,-1 0 0,-25 0-16,0 0 15,0 0-15,0 0 16,0 0-1,-25 0-15,25 0 0,-26-1 16,26 1-16,-26 0 16,26 0-16,0 0 0,0 0 15,-26 26-15,26-26 0,0 0 16,0 0-16,0 0 16,0-1-16,0 1 0,0 0 15,0 26-15,0-26 16,0 0-16,0 26 0,0-26 15,-26 26-15,26-26 0,0 25 16,-26 1-16,26 0 16,0 0-16,0 0 0,-26 0 15,26-27-15,0 27 16,0 0-16,0-26 0,0 26 16,0-26-16,0 26 0,0-26 15,26-1-15,-26 27 16,0-26-16,0 0 0,0 26 15,26-26-15,-26 0 16,0 26-16,0-26 0,0 25 16,0-25-16,0 26 0,0-26 15,0 0-15,0 26 16,0-26-16,0 26 0,0-26 16,0-1-16,0 27 15,26-26-15,-26 0 0,0 26 16,0-26-16,0 0 0,26 0 15,-26 0-15,0 25 16,0-25-16,0 0 0,0 0 16,0 0-16,0 26 0,0-26 15,0 0-15,0 26 16,0-26-16,0 25 0,0 1 16,0-26-16,0 26 15,0-26-15,0 26 0,0-26 16,0 25-16,0-25 15,0 0-15,0 0 0,26 0 16,-26 0-16,0 0 0,26 0 16,-26 0-16,0 0 15,0 0-15,25 0 0,-25 0 16,0-1 0,0 1-16,0 0 0,0 0 15,0 0-15,0 0 16,0 0-16,0 0 15,0 0 1,0 0-16,0 0 16,0 0-1,0-1-15,0 1 16,0 0 0,0 0-16,26 0 15,-26 0 1,0 0-16,0 0 15,26-26-15,-26 26 16,26-26 0,-26 26-16,26-26 15,0 0-15,0-26 16,0 26 0,0 0-16,0 0 15,0 0 1,0 0-16,-26 26 15,0-52 17</inkml:trace>
+  <inkml:trace contextRef="#ctx0" brushRef="#br0" timeOffset="1278">3525 3603 0,'0'25'109,"-26"-25"-109,0 0 16,1 26-1,-1-26 1,26 26-16,-26-26 16,0 0-16,0 0 15,26 26-15,-26-26 0,0 0 16,0 26-16,0-26 16,0 0-16,0 0 15,26 26 1,-26-26-16,52 0 62,-26-26-46</inkml:trace>
+  <inkml:trace contextRef="#ctx0" brushRef="#br0" timeOffset="1835">3137 3603 0,'25'-26'15,"-25"52"63,0-1-78,0 1 16,0 0 0,-25 0-16,25 0 0,-26 0 15,26 0 1,-26 0-16,26 0 16,-26 0-1,26 0 1,26-26 31,0 0-47,0 26 15,-1-26-15,1 0 16,0 0-16,0 0 0,26 0 16,-26 25-16,0-25 15,0 0-15,0 0 0,0 0 16,0 0-16,-26 26 0</inkml:trace>
+  <inkml:trace contextRef="#ctx0" brushRef="#br0" timeOffset="44665">26 4328 0,'0'-26'16,"26"26"0,-26-26-1,0 52 48,0 0-48,0 0-15,0 0 16,0 0-16,0 26 16,0-26-16,0 0 0,0 0 15,26 25-15,-26-25 16,0 0-16,0 0 0,26 26 16,-26-26-16,0 0 15,0 0-15,0-52 47,26 26-31,-26-26-16,0 0 0,0-26 15,0 26-15,0-26 16,0 27-16,0-27 0,-26 0 16,26 0-16,-26-26 15,26 26-15,-26 1 0,26-1 16,-26-26-16,26 52 0,0-26 15,-26 26-15,26-26 16,0 27-16,26 25 16,0 0-16,0 0 15,0 25 1,0 1-16,0 0 0,0 0 16,0 0-16,0 26 15,25-26-15,-25 26 0,0 0 16,0-1-16,0-25 0,0 26 15,0-26-15,0 26 16,0-26-16,-26 0 0,26 0 16,-26 0-16,26 0 15,-26-1-15,0 1 16,26-26-16</inkml:trace>
+  <inkml:trace contextRef="#ctx0" brushRef="#br0" timeOffset="44897">130 4432 0,'-26'-26'0,"0"26"0,26-26 16,0 0-1,26 26-15,-26-26 16,26 26-16,0 0 15,26-26-15,-26 26 0,25-26 16,1 26-16,-26-26 16,26 1-16,-26 25 0,0 0 15,0-26-15,0 26 0</inkml:trace>
+  <inkml:trace contextRef="#ctx0" brushRef="#br0" timeOffset="45324">856 4147 0,'0'-26'0,"26"26"15,-26-26 1,-26 26-16,0 0 16,0 0-16,0 26 15,0 0 1,0 0-16,0 0 0,26 0 15,-26 25-15,26-25 16,0 0-16,0 0 0,0 0 16,0 0-16,26 0 0,-26 0 15,26 0-15,0-26 16,0 26-16,0 0 0,0-26 16,0 0-16,26 0 15,-27 0-15,1 0 0,0 0 16,0-26-16</inkml:trace>
+  <inkml:trace contextRef="#ctx0" brushRef="#br0" timeOffset="45714">1270 4069 0,'0'-26'15,"0"0"1,-26 26 15,1 0-31,-1 26 16,0 0-1,0-26-15,0 26 0,0 0 16,0 0-16,26 0 16,-26 26-16,26-27 0,0 1 15,0 0-15,0 0 0,0 0 16,0 0-16,26 0 16,-26 0-16,26-26 0,0 26 15,0-26-15,0 0 16,0 0-16,0 0 0,-1 0 15,27 0-15</inkml:trace>
+  <inkml:trace contextRef="#ctx0" brushRef="#br0" timeOffset="46188">1555 4043 0,'0'-26'16,"0"0"-1,0 0-15,-25 26 16,-1 26 0,0 0-1,26 0-15,-26 0 16,26 0-16,-26 0 0,26 26 15,0-26-15,0 0 16,0-1-16,26 1 0,0-26 16,-26 26-16,26-26 0,0 26 15,-1-26-15,1 0 16,0-26-16,0 26 16,0-26-16,0 0 15,0 26-15,-26-25 0,0-1 16,0-26-16,0 26 15,0 0-15,-26 0 0,0-26 16,0 26-16,0 0 0,0 0 16,0 1-16,1 25 15,-1 0-15,0 25 16,26 1 0,0 0-16,0 0 15,0 0-15,26-26 0</inkml:trace>
+  <inkml:trace contextRef="#ctx0" brushRef="#br0" timeOffset="46619">1789 3914 0,'26'0'15,"-26"-26"16,0 52 1,26-1-17,-26 1-15,26 0 16,-26 0-16,25 0 16,-25 0-16,26 0 0,0 0 15,0 0-15,0-26 0,0 26 16,0-26-16,0 0 15,0 0-15,0-26 0,0 26 16,0-26-16,-26 0 16,25 0-16,-25 0 0,0 0 15,0 0-15,0 0 0,-25-25 16,25 25-16,-26 0 16,26 0-16,-26 26 0,0-26 15,26 0-15,-26 26 16,26 26 15,26-26-15</inkml:trace>
+  <inkml:trace contextRef="#ctx0" brushRef="#br0" timeOffset="47135">2333 3810 0,'0'-26'47,"0"52"-16,0 0-15,0 0 0,0 0-16,26 0 15,-26-1-15,26 1 0,-26 0 16,0 0-16,26 0 0,-26 0 16,0 0-1,0 0-15,0-52 31,-26 0-31,26 0 16,0 0-16,0 0 16,0 0-16,0-25 15,0 25-15,0 0 0,0 0 16,0 0-16,26 0 16,-26 0-16,26 26 15,0 0-15,-26 26 0,26 0 16,-1 0-16,-25 0 15,26 0-15,-26 0 0,26-1 16,-26 1-16,0 0 16,0 0-16,26 0 0,-26 0 15</inkml:trace>
+  <inkml:trace contextRef="#ctx0" brushRef="#br0" timeOffset="47447">2540 3473 0,'-26'-26'0,"26"0"16,0 52 0,0 0-1,0 0-15,26 0 16,-26 26-16,26-26 0,-26 25 15,26-25-15,0 26 16,0-26-16,-26 0 0,26 26 16,0-26-16,0 0 0,0 25 15,-26-25-15,26 0 16,-26 0-16,26 0 0,-26 0 16,0 0-16,25 0 15</inkml:trace>
+  <inkml:trace contextRef="#ctx0" brushRef="#br0" timeOffset="47609">2514 3758 0,'-25'0'0,"-1"0"0,0 0 15,52 0 1,25-26-16,-25 26 15,52-26-15,-26 0 0,26 26 16,-26-26-16,-1 0 0</inkml:trace>
 </inkml:ink>
 </file>
 
@@ -7686,7 +7991,7 @@
           <inkml:channelProperty channel="T" name="resolution" value="1" units="1/dev"/>
         </inkml:channelProperties>
       </inkml:inkSource>
-      <inkml:timestamp xml:id="ts0" timeString="2020-09-26T02:34:02.781"/>
+      <inkml:timestamp xml:id="ts0" timeString="2020-12-14T06:01:42.045"/>
     </inkml:context>
     <inkml:brush xml:id="br0">
       <inkml:brushProperty name="width" value="0.05" units="cm"/>
@@ -7694,26 +7999,368 @@
       <inkml:brushProperty name="fitToCurve" value="1"/>
     </inkml:brush>
   </inkml:definitions>
-  <inkml:trace contextRef="#ctx0" brushRef="#br0">31 204 0,'-25'0'16,"25"-25"-1,0 50 48,25-25-63,-25 24 15,0 1-15,0-1 16,0 1-16,0 23 16,0-23-16,-25-1 0,25 1 15,0-1-15,0 1 16,0-1-16,0 0 15,0 1-15,0-1 16,0 1-16,0-1 16,25-24-1,-1 0 1,1 0-16,-1 0 16,1 0-16,-1 0 0,25 0 15,-25 0-15,25-24 16,-24 24-16,23 0 0,1 0 15,0-25-15,0 25 16,24 0-16,-24 0 0,24 0 16,1-24-16,-1 24 0,0 0 15,0 0-15,1 0 16,23-25-16,-48 25 0,24 0 16,-24 0-16,0 0 15,0 0-15,-25 0 0,25 0 16,-24-24-16,-1 24 0,1 0 15,-25-24 1,24 24-16,0 0 109,1 0-93,-50 0 0</inkml:trace>
-  <inkml:trace contextRef="#ctx0" brushRef="#br0" timeOffset="1378">31 668 0,'0'24'78,"0"1"-62,0-1-16,0 1 16,0-1-16,0 0 15,0 1-15,0-1 16,0 1-16,0-1 16,0 25-1,0-25-15,24 1 0,-24-1 16,0 25-16,0-24 15,25-1-15,-25 25 0,0-25 16,0 1-16,0-1 0,0 1 16,0-1-16,0 0 15,0 1-15,24-1 16,-24 1-16,0-1 16,0 1-16,0-1 15,0 0-15,0 1 0,25-1 16,-25 1-1,0-1-15,24 0 32,0-24 15,1 0-16,-25-24-31,24 24 15,1 0-15,-1 0 16,1 0 0,-1 0-16,0 0 0,1 0 15,-1-24-15,1 24 16,24 0-16,-25 0 0,25 0 16,-25 0-16,25-25 0,0 25 15,-25 0-15,25 0 16,0 0-16,0 0 0,0 0 15,0 0-15,-1 0 16,1 0-16,0 0 0,-25 0 16,25 0-16,-24 0 0,-1 0 15,1 0 1,-1 0-16,0 0 16,1 0-1,-1 0 1,1 0-16,-1 0 15,1 0 1,-25 25 47,24-25-48,-48 0 32,-1 0-31,25-25-1</inkml:trace>
-  <inkml:trace contextRef="#ctx0" brushRef="#br0" timeOffset="2591">1423 1523 0,'24'0'0,"1"0"15,-1-25 1,1 25 31,-1 25-32,1-25 1,-1 0 0,0 0-16,1 0 15,-1 0-15,1 0 0,-1 0 16,1 0-16,-1 0 15,0 0-15,1 0 0,-1 0 16,1 0-16,-1 0 16,-24-25-16,24 25 15,-48 0 1,0 0 0,-1 0-16,1 0 15,-1 0 1,1 0-16,0 0 15</inkml:trace>
-  <inkml:trace contextRef="#ctx0" brushRef="#br0" timeOffset="4354">2253 326 0,'-24'0'0,"24"-24"15,0 48 32,0 0-47,0 1 0,0-1 16,0 1-16,0-1 15,0 1-15,0-1 0,0 25 16,0-25-16,0 1 16,0-1-16,0 1 15,-24-25-15,-1 0 31,25-25-15,0 1 0,0-1-16,0 1 15,0-25-15,0 25 16,-24-25-16,24 0 0,0 0 16,0 25-16,0-25 0,0 24 15,0 1-15,0 0 16,24 24-16,1 0 15,-1 24-15,0 0 16,-24 1-16,25 24 16,-1-25-16,1 0 0,-1 25 15,1-24-15,-1-1 16,-24 1-16,24-1 0,1 0 16,-1-48 15,-24 0-16,0-1-15,25 1 16,-25-1-16,0 1 0,0-25 16,0 25-16,0-1 0,0-24 15,0 25-15,0 0 16,0-1-16,0 1 16,0 48-1,0 1 1,0-1-1</inkml:trace>
-  <inkml:trace contextRef="#ctx0" brushRef="#br0" timeOffset="5002">2717 424 0,'25'0'63,"-25"24"-47,24-24-1,1 0-15,-1 0 16,1 0-1,-1 0-15,-24-24 0,24 24 16,1-25-16,-25 1 16,0-1-16,0 1 15,0 0-15,-25 24 16,1-25 0,0 25-16,-1 0 15,1 25-15,-1-1 0,25 0 16,-24-24-16,24 25 15,-25-1-15,25 1 0,0-1 16,0 1-16,25-1 16,-1 0-1,1-24-15,-1 0 0,25 0 16,-25 0-16,1 0 16,-1-24-16,25 24 0,-25-24 15,1 24-15,-1-25 16,-24 1-16,25-1 0,-1 1 15,-24-25-15,0 25 0,0-25 16,0 24-16,0-23 16,0 23-16,0 1 0,0-1 15,0 1-15,0 48 32,25 1-32,-25-1 15,24 1-15,-24-1 16,24 25-16,-24-25 0,25 25 15,-1-25-15,-24 1 16,25-1-16,-1 1 0,1-1 16</inkml:trace>
-  <inkml:trace contextRef="#ctx0" brushRef="#br0" timeOffset="5153">3084 326 0,'0'-24'31,"24"24"-31,1-25 16,23 25-1,-23 0-15,-1 0 0,1-24 16,24 24-16</inkml:trace>
-  <inkml:trace contextRef="#ctx0" brushRef="#br0" timeOffset="5597">3890 155 0,'24'-24'16,"-24"-1"0,0 1-16,0-1 15,-24 25-15,-1-24 16,1 24-16,-1 0 15,-23 24-15,23-24 16,1 0-16,24 25 16,-25-1-16,1-24 0,24 25 15,0-1-15,0 0 0,24 1 16,-24-1 0,25 1-16,-1-1 15,25 1-15,-25-1 0,1-24 16,-1 24-16,1-24 15,-1 25-15,-24-1 0,25-24 16,-25 25-16,0-1 16,-25-24-1,1 0-15,-1 0 16,1 0-16,-25 0 0,25 0 16,-25 0-16,24 0 0,1 0 15,0 0-15,24-24 16,24 24-1,25 0-15,0-25 16</inkml:trace>
-  <inkml:trace contextRef="#ctx0" brushRef="#br0" timeOffset="6274">4207 326 0,'25'0'0,"-1"0"16,0-24-16,-24-1 15,0 1 1,25 24-1,-25-25-15,-25 25 47,1 0-31,0 0-16,-1 25 16,1-25-16,-1 24 15,1 1-15,0-1 16,24 0-1,0 1 1,24-25-16,0 0 0,1 24 16,-1-24-1,1 0-15,-1 0 16,-24-24-16,24 24 16,1-25-1,-25 1 1,24 24-16,-24 24 47,0 1-32,25-25 1,-1 0-16,1 0 16,-1 0-16,0 0 15,1 0-15,-1-25 0,1 25 16,-1-24-16,-24 0 15,25 24-15,-25-25 16,0 1-16,0-1 16,0 1-16,-25-25 0,25 25 15,0-1-15,0-24 0,0 25 16,0 0-16,0-1 16,0 50-1,0-1-15,0 0 16,0 25-16,0-24 15,0-1-15,0 1 0,0 23 16,0-23-16,25-1 16,-25 1-16,24-1 0,0-24 15,-24 24-15,25-24 0</inkml:trace>
-  <inkml:trace contextRef="#ctx0" brushRef="#br0" timeOffset="6971">4720 277 0,'0'-24'0,"25"24"16,-1 0 46,0 0-46,1 0-16,-1 0 15,1 0 1,-1 0-16,1 0 0,-1 0 16,0-25-16,1 25 15,-25-24 1,0-1-16,-25 1 16,1 24-1,24-24-15,-24 24 0,-1 0 16,1 0-16,-1 0 15,25 24-15,-24 0 16,-1 1-16,25-1 0,0 1 16,0-1-16,0 1 15,0-1-15,0 0 0,25 1 16,-25-1-16,24-24 0,1 25 16,-1-25-16,1 0 15,-1 0-15,25 0 0,0 0 16,-1-25-16,-23 25 0,24-24 15,0 24-15,-25-25 16,25 1-16,-25 0 0,-24-1 16,25 1-16,-25-1 15,24 25-15,-24-24 0,0-1 16,-24 25 0,48 25 15,1-1-16,-1-24-15,-24 25 16,24-25-16,1 0 0,-1 24 16,-24 1-1,25-1-15,-25 0 16,0 1-16,-25-1 16,1 1-16,-1-1 15,1-24-15,0 0 16,-1 0-16,1 0 15,-1 0-15,1-24 0</inkml:trace>
-  <inkml:trace contextRef="#ctx0" brushRef="#br0" timeOffset="11357">2620 1303 0,'0'-24'16,"24"-1"-16,-24 1 31,25 24-15,-25-25-1,-25 25 48,1 0-48,24 25-15,-25-25 0,25 24 16,-24-24-16,24 25 0,-25-1 16,1 0-16,0 1 15,24-1-15,-25 1 0,25-1 16,0 0-16,0 1 16,0-1-16,0 1 0,25-25 15,-1 24-15,0 1 16,1-25-16,-1 0 15,25 0-15,-24 0 0,-1 0 16,0 0-16</inkml:trace>
-  <inkml:trace contextRef="#ctx0" brushRef="#br0" timeOffset="12046">2864 1474 0,'24'-25'16,"1"25"-16,-25-24 16,24 0-16,-24-1 15,0 1-15,25 24 16,-25-25-16,-25 25 15,1 0 1,24 25-16,-25-25 16,1 24-16,24 1 0,-24-25 15,24 24-15,0 0 0,24 1 16,0-25 0,1 24-16,-1-24 0,1 0 15,-1 0-15,0 0 16,1-24-16,-1 24 0,1 0 15,-25-25-15,24 25 0,-24-24 16,0 0 0,-24 24-16,24-25 0,-25 25 15,1-24-15,-1-1 16,1 25-16,0 0 16,24 25 30,24-25-30,0 0 0,1 0-16,-1 0 0,1 0 15,-1 0-15,25 0 16,-25 0-16,1-25 0,24 25 16,-25 0-16,1-24 15,-1 0-15,-24-1 16,-24 25-1,-1 0-15,1 0 16,-1 0-16,1 0 16,24 25 15,24-25-31,-24 24 0,25-24 16,-1 24-16,1-24 15,-1 25-15,0-1 0,1-24 16,-25 25-16,24-25 0,-24 24 15,0 0 1,-24 1 0,-1-25-16,1 0 15,0 0-15,-1 0 16,25-25 0,0 1-16</inkml:trace>
-  <inkml:trace contextRef="#ctx0" brushRef="#br0" timeOffset="12259">3426 1132 0,'24'0'0,"-24"-24"15,25 24 1,-1 24 0,0 0-1,1 1-15,-25-1 16,24 1-16,1-1 0,-25 1 15,24-1-15,1 0 0,-25 1 16,24-1-16,0 1 16,-24-1-16,25-24 15</inkml:trace>
-  <inkml:trace contextRef="#ctx0" brushRef="#br0" timeOffset="13155">3548 1352 0,'-25'0'16,"50"0"-1,-1 0 1,1 0-16,-1-25 0,1 25 16,23 0-16,-23 0 15,24 0-15,-1-24 0,1 24 16,-24 0-16,24 0 0,-25-24 15,0 24-15,1 0 16,-25-25-16,-25 25 31,1 0-15,24 25 0,0-1-1,-24 0-15,24 1 16,0-1-16,0 1 15,24-1 1,0 1-16,1-25 16,-1 0-1,1 0-15,-1 0 16,1 0-16,-25-25 0,24 1 16,-24-1-1,0 1-15,0-1 0,-24 1 16,24 0-16,-25-1 0,1 25 15,24-24-15,-25 24 16,50 0 15,-1 0-31,1 0 16,-1 0-16,0 0 0,1 0 16,-1 0-16,1 0 15,-1 0-15,0-25 16,1 25-1,-25-24-15,0-1 16,0 1 0,-25 24-1,25 24 1,0 1 0,0-1-16,25 25 15,-25-24-15,24 23 16,-24 1-16,25 25 0,-1-26 15,1 1-15,-1 0 0,0 24 16,1-24-16,-1 0 16,-24-25-16,0 25 0,0-24 15,0-1-15,-24-24 16,-1 0-16,-23 0 0,23 0 16,1-24-16,-25 24 0,24-25 15,25-24-15,-24 25 16,24-25-16,0 25 0,0-1 15,0-24-15,24 25 0,1 0 16,-1-1-16,1 1 16,-1 24-16,1-25 0,23 25 15,-23-24 1,-1 24-16</inkml:trace>
-  <inkml:trace contextRef="#ctx0" brushRef="#br0" timeOffset="13889">4867 1303 0,'24'0'15,"-24"-24"1,24-1-16,-24 1 16,-24 24-1,0 0-15,24-25 0,-25 25 16,1 0-16,-1-24 0,1 24 16,0 0-16,-1 24 15,1-24-15,-1 25 0,1-1 16,-1-24-16,25 25 15,0-1-15,0 0 0,0 1 16,0-1-16,25-24 0,-1 25 16,1-25-16,-1 0 15,1 24-15,-1-24 0,25 0 16,-25-24-16,1 24 16,23-25-16,-23 25 0,-25-24 15,24 24-15,-24-25 0,25 25 16,-25-24-16,0 0 15,0 48 32,0 0-47,0 1 0,24-1 16,1 1-16,-25 24 16,24-1-16,-24-23 0,24 24 15,-24-25-15,25 25 16,-25-25-16,0 1 15,0-1-15,0 1 0,-25-25 16,1 0 0,24-25-16,-24 25 0,-1-24 15,25-1-15,-24-24 16,24 25-16,-25-25 0,25 25 16,0-25-16,-24 25 0,24-1 15,24 25 16,1 0-15,-1 0-16,1 0 16,-1-24-16,0 24 15,1 0-15</inkml:trace>
-  <inkml:trace contextRef="#ctx0" brushRef="#br0" timeOffset="15618">5209 1327 0,'24'-24'0,"-24"0"16,24 24-16,-24-25 15,0 1-15,0-1 16,25 25-16,-25-24 0,-25 24 31,1 24-15,24 1-16,-24-25 16,24 24-16,0 1 15,0-1-15,0 0 16,24 1-16,-24-1 0,24 1 15,1-25 1,-1 0-16,1 0 16,-1 0-1,-24-25-15,0 1 16,-24-1 0,24 1-16,-25 0 15,1-1-15,24 1 16,-25 24-16,25-25 0,-24 25 15,0 0 1,48 0 15,0 0-15,1 0-16,-1 0 16,1-24-16,-1 24 0,1 0 15,23 0-15,-23 0 0,-1 0 16,1 0-16,-1 0 15,0 0-15,-48 0 79,24 24-79,0 1 0,-24-1 15,24 1 1,0-1-16,0 0 0,0 1 15,0-1-15,24 1 16,0-25-16,1 0 16,-1 24-16,1-24 0,-1 0 15,1 0-15,-1 0 16,-24-24-16,24 24 16,-24-25-16,0 1 0,0-1 15,-24 1-15,24 0 16,-24 24-16,-1-25 0,1 1 15,-1-1-15,1 25 0,-1-24 16,1 24 0,0 0-16,-1 0 15,1 0 1,24 24-16,24 1 31,1-25-15,-1 24-16,0-24 15,1 0 1,-1 0-16,1 0 16,-25-24-1,24 24-15,1 0 16,-1 0-16,0 0 16,1 0-1,-1 0-15,1 0 16,-1 0 15,1 0-15,-1 0-1,0-25 1,-48 25 15,0 0-15,-1 0-1,1 0-15,-1 25 16,1-25-16,-1 0 16,25 24-16,-24 1 15,24-1 1,0 0 0,0 1-1,24-25-15,1 24 16,-1-24-1,1 0-15,-25-24 16,24 24-16,1-25 16,-25 1-1,0 0-15,0-1 16,24 1-16,-24-1 16,0-24-16,0 25 0,0-25 15,0 25-15,24-25 16,-24 24-16,0 1 0,0 0 15,0 48 1,0 0 0,0 1-16,0-1 0,0 1 15,0-1-15,0 25 16,0-25-16,0 1 0,0-1 16,0 25-16,25-24 0,-25-1 15,24-24-15,-24 24 16,25-24-16,-1 0 15,1-24 1,-1 0 0,0-1-16,1 1 15,-25-1-15,24 1 16,-24-1-16,25 1 0,-25 0 16,24 24-16,-24-25 0,0 1 15,-24 24 1,-1 0-16,1 0 15,-1 24 1,25 1-16,-24-25 0,24 24 16,0 0-16,0 1 0,24-1 15,1 1-15,-1-1 16,1 1-16,-1-1 0,25 0 16,-25 1-16,1-25 15,-25 24-15,0 1 16,-25-25-16,-23 0 15,23 0-15,-24 0 16,0 0-16,1 0 0,-1 0 16</inkml:trace>
-  <inkml:trace contextRef="#ctx0" brushRef="#br0" timeOffset="17068">7016 1156 0,'24'0'32,"1"0"-32,-1 0 15,-24-24-15,0 0 31,-24-1-15,-1 25 0,1 0-1,-1 0-15,1 0 16,0 0 0,24 25-16,-25-25 0,1 24 15,-1 0 1,1-24-16,24 25 0,0-1 15,0 1-15,24-25 16,-24 24-16,25-24 16,-1 0-16,1 0 0,-1 0 15,0 0-15,1 0 16,-1-24-16,1 24 16,-25-25-16,24 25 0,-24-24 15,0-1-15,25 1 16,-25 0-16,24-1 15,0 25 1,1 25 0,-25-1-16,0 0 0,0 25 15,0 0-15,0 0 16,24-25-16,-24 25 0,0 0 16,0-24-16,25-1 15,-25 0-15,24-24 0</inkml:trace>
-  <inkml:trace contextRef="#ctx0" brushRef="#br0" timeOffset="17608">7602 1034 0,'-24'0'15,"-1"0"17,1 25-32,-1-25 15,25 24-15,-24-24 0,24 25 16,-24-1-16,-1 0 15,25 1-15,0-1 16,0 25-16,0-24 0,25-1 16,-25 0-1,24 1-15,0-25 0,1 0 16,-1 0-16,1 0 16,-1 0-16,0 0 0,1 0 15,24-25-15,-25 1 16,1 24-16,-25-24 15,0-1-15,0 1 0,0-1 16,0 1-16,-25-1 16,1 25-16,-1-24 0,1 24 15,24-24-15,-25 24 16,1 0-16,0 0 0,-1 24 16,25 0-1,25-24 1,-1 0-1,0 0-15,1 0 16,-1 0-16</inkml:trace>
-  <inkml:trace contextRef="#ctx0" brushRef="#br0" timeOffset="18143">7846 1108 0,'25'0'16,"24"0"-16,-25 0 0,0 0 15,1-25 1,-1 25-16,-24-24 15,25 24-15,-1 0 32,0 0-32,1 0 31,-1 0-31,1 0 16,-1 0-1,1 24 1,-1-24-1,-48 0 17,-1 25-17,1-25-15,24 24 16,-25-24-16,1 24 0,-1-24 16,25 25-16,-24-1 15,24 1-15,-24-1 0,24 1 16,0-1-16,0 0 15,24 1-15,0-1 0,-24 1 16,25-25-16,24 24 0,-25-24 16,1 0-16,23 0 15,-23 0-15,24 0 0,-25-24 16,1 24-16,-1-25 0,0 1 16,-24-1-16,0 1 15,-24 0-15,24-1 0,-24-24 16,-1 25-16,1-1 15,-1 1-15,1 0 0,-1 24 16,1-25-16,0 25 16,-1 0-16,1 0 0,-1 0 15,1 0-15,24 25 0</inkml:trace>
-  <inkml:trace contextRef="#ctx0" brushRef="#br0" timeOffset="18816">6869 1108 0,'0'24'0,"25"-24"16,-25-24 15,-25 24-15,1 0-16,24-25 15,-24 25-15,-1 0 0,1 0 16,-1 25-1,1-25-15,24 24 0,-25 0 16,1 1-16,0 24 0,-1-25 16,1 25-16,24 0 15,0 0-15,0 0 0,0-1 16,24 1-16,1 0 0,-1-25 16,25 25-16,0-24 15,24-1-15,0-24 16</inkml:trace>
-  <inkml:trace contextRef="#ctx0" brushRef="#br0" timeOffset="19511">8432 937 0,'25'0'0,"-1"0"15,1 0-15,-1 24 16,1 0 0,-25 1-1,24-1-15,-24 1 0,24 24 16,-24-1-16,25 1 15,-1 0-15,-24 0 0,25 0 16,-25 0-16,0-1 0,0 1 16,-25-24-16,-24-1 15,1-24-15</inkml:trace>
+  <inkml:trace contextRef="#ctx0" brushRef="#br0">105 52 0,'0'-26'31,"-26"26"16,0 0-16,26 26-31,-26 0 16,26 0-16,0 0 16,-26 0-16,26 26 0,0-27 15,0 1-15,0 26 16,0-26-16,26 0 0,-26 0 16,0 0-16,26 0 15,-26 0-15,26-26 0,0 26 16,0-26-16,0 0 15,-26-26-15</inkml:trace>
+  <inkml:trace contextRef="#ctx0" brushRef="#br0" timeOffset="474">364 233 0,'-26'0'15,"52"0"48,0 0-48,0 0-15,0 0 16,0 0-16,0 0 16,0 0-16,-1-25 0,1 25 15,0 0 1,-52 25 0,0-25-1</inkml:trace>
+  <inkml:trace contextRef="#ctx0" brushRef="#br0" timeOffset="1038">727 130 0,'26'0'47,"-26"26"-16,0 0-31,26 0 16,-26-1-16,0 1 16,26 0-1,-26 0-15,0 0 0,26-26 16,-26 26-16,25 0 16,-25 0-1,26-26-15,0 0 16,-26-26-1,26 0-15,-26 0 16,26 0-16,-26 0 16,0 0-16,26 0 15,-26 1-15,26-1 16,-26 0-16,0 0 16,26 26 30,-26 26-30</inkml:trace>
+  <inkml:trace contextRef="#ctx0" brushRef="#br0" timeOffset="1554">1219 285 0,'26'0'31,"0"0"-16,0-26-15,0 26 32,-26-26-32,0 1 15,26 25-15,-26-26 16,0 0 0,0 0-1,0 0 1,-26 26-16,26-26 15,-26 26-15,0 0 16,0 0 0,26 26-16,-26-26 0,0 0 15,26 26-15,-26 0 16,26 0-16,-25 0 16,25-1-1,25 1-15,-25 0 0,26-26 16,0 26-16,0 0 15,0-26-15,-26 26 16,26-26-16,0 0 0,0 0 16,0 0-1,-26-26 1</inkml:trace>
+  <inkml:trace contextRef="#ctx0" brushRef="#br0" timeOffset="1897">1504 0 0,'26'0'62,"-26"26"-46,26-26-16,-26 26 15,26 0-15,0 0 16,-26 0-16,26 0 16,-26 0-16,26 25 0,-26-25 15,0 0-15,0 26 16,-26-26-1,0 0-15,26 0 16,-26-26-16,0 0 0,-26 26 16</inkml:trace>
+</inkml:ink>
+</file>
+
+<file path=ppt/ink/ink20.xml><?xml version="1.0" encoding="utf-8"?>
+<inkml:ink xmlns:inkml="http://www.w3.org/2003/InkML">
+  <inkml:definitions>
+    <inkml:context xml:id="ctx0">
+      <inkml:inkSource xml:id="inkSrc0">
+        <inkml:traceFormat>
+          <inkml:channel name="X" type="integer" max="1920" units="cm"/>
+          <inkml:channel name="Y" type="integer" max="1080" units="cm"/>
+          <inkml:channel name="T" type="integer" max="2.14748E9" units="dev"/>
+        </inkml:traceFormat>
+        <inkml:channelProperties>
+          <inkml:channelProperty channel="X" name="resolution" value="55.81395" units="1/cm"/>
+          <inkml:channelProperty channel="Y" name="resolution" value="55.6701" units="1/cm"/>
+          <inkml:channelProperty channel="T" name="resolution" value="1" units="1/dev"/>
+        </inkml:channelProperties>
+      </inkml:inkSource>
+      <inkml:timestamp xml:id="ts0" timeString="2020-12-14T06:04:21.699"/>
+    </inkml:context>
+    <inkml:brush xml:id="br0">
+      <inkml:brushProperty name="width" value="0.05" units="cm"/>
+      <inkml:brushProperty name="height" value="0.05" units="cm"/>
+      <inkml:brushProperty name="fitToCurve" value="1"/>
+    </inkml:brush>
+  </inkml:definitions>
+  <inkml:trace contextRef="#ctx0" brushRef="#br0">0 149 0,'26'0'16,"0"0"31,0-26-32,0 26 1,0 0-16,0-26 0,-1 26 16,27-26-1,-26 0-15,0 26 0,0-25 16,0 25-16,0 0 15,-26-26-15,0 52 32</inkml:trace>
+  <inkml:trace contextRef="#ctx0" brushRef="#br0" timeOffset="234">130 279 0,'26'0'31,"-1"-26"-31,1 26 16,0-26-1,0 26-15,26 0 0,-26-26 16,0 26-16</inkml:trace>
+</inkml:ink>
+</file>
+
+<file path=ppt/ink/ink21.xml><?xml version="1.0" encoding="utf-8"?>
+<inkml:ink xmlns:inkml="http://www.w3.org/2003/InkML">
+  <inkml:definitions>
+    <inkml:context xml:id="ctx0">
+      <inkml:inkSource xml:id="inkSrc0">
+        <inkml:traceFormat>
+          <inkml:channel name="X" type="integer" max="1920" units="cm"/>
+          <inkml:channel name="Y" type="integer" max="1080" units="cm"/>
+          <inkml:channel name="T" type="integer" max="2.14748E9" units="dev"/>
+        </inkml:traceFormat>
+        <inkml:channelProperties>
+          <inkml:channelProperty channel="X" name="resolution" value="55.81395" units="1/cm"/>
+          <inkml:channelProperty channel="Y" name="resolution" value="55.6701" units="1/cm"/>
+          <inkml:channelProperty channel="T" name="resolution" value="1" units="1/dev"/>
+        </inkml:channelProperties>
+      </inkml:inkSource>
+      <inkml:timestamp xml:id="ts0" timeString="2020-12-14T06:04:29.575"/>
+    </inkml:context>
+    <inkml:brush xml:id="br0">
+      <inkml:brushProperty name="width" value="0.05" units="cm"/>
+      <inkml:brushProperty name="height" value="0.05" units="cm"/>
+      <inkml:brushProperty name="fitToCurve" value="1"/>
+    </inkml:brush>
+  </inkml:definitions>
+  <inkml:trace contextRef="#ctx0" brushRef="#br0">4381 208 0,'26'-26'0,"0"26"16,0-26-16,0 0 31,-26 1 0,-26 25 0,26-26-31,-26 26 16,26-26 0,-26 26-16,0 0 15,26-26 1,-26 26-16,0 0 0,0-26 16,0 26-1,0 0-15,1 0 0,-1 0 16,0 0-16,0 0 0,0 0 15,0 0-15,0 0 16,0 0-16,0 26 0,0-26 16,0 0-16,0 26 15,1-26-15,-1 0 16,0 26-16,0-26 0,0 0 16,26 26-16,-26-26 15,0 25-15,0-25 0,0 26 16,26 0-16,-26-26 15,0 26-15,0 0 16,1 0-16,-1 0 16,0-26-1,26 26-15,-26 0 16,0-26 0,26 26-16,-26-26 15,0 26-15,0 0 16,0-1-1,26 1 1,0 0 0,0 0-16,0 0 15,0 0-15,0 0 16,26 0-16,-26 0 16,26 0-16,0 0 15,0 0 1,0-26-16,0 25 15,0 1-15,0-26 16,-1 0-16,1 26 16,0-26-16,0 0 0,0 0 15,0 26-15,0-26 0,0 0 16,0 0 0,0 0-16,0 26 15,0-26-15,-1 0 16,1 0-16,0 0 15,0 0-15,0 0 16,0 0-16,0 0 16,0 0-16,0 0 0,0 0 15,0 0 1,0 0-16,-1 0 16,1 0-16,0 0 15,0-26 1,0 26-1,0 0-15,-26-26 16,26 26-16,0 0 0,-26-26 16,26 26-16,-26-26 0,26 26 15,-26-25-15,26 25 16,-26-26-16,26 0 0,-26 0 16,26 0-16,-26 0 0,25 0 15,-25 0-15,0 0 16,26 0-16,-26 0 0,0 0 15,0 1-15,26-1 16,-26 0-16,0 0 0,0 0 16,0 0-16,0 0 15,0 0-15,0 0 0,0 0 16,0 0-16,0 0 0,0 1 16,0-1-1,-26 26 1,0 0-1,1 0 1,-1 26 0</inkml:trace>
+  <inkml:trace contextRef="#ctx0" brushRef="#br0" timeOffset="1200">3889 882 0,'0'26'47,"0"0"-16,-26 0-15,26 0-16,-26 0 16,26 0-16,-26-1 0,26 1 15,0 0-15,-26 0 16,26 0-16,-26 0 0,26 0 15,0 0-15,-26 0 16,26 0-16,-26-26 0,0 26 16,26 0-16,-26 0 15,0-26-15,1 25 0,-1 1 16,0-26-16,0 26 0,0-26 16,0 26-16,0 0 15,0-26-15,0 26 0,0-26 16,0 0-16,-25 26 0,25-26 15,0 0-15,-26 0 16,26 26-16,0-26 0,-26 0 16,26 0-16,0 0 15,-26 0-15,27 0 0,-1 0 16,-26 0-16,26 0 0,-26-26 16,26 26-16,-26-26 15,0 26-15,1-26 0,-1 0 16,0 26-16,0-26 15,-26 0-15,27 0 0,-1 1 16,0 25-16,0-26 0,0 0 16,0 26-16,26-26 15,-25 0-15,25 26 0,-26-26 16,26 26-16,-26-26 16,26 0-16,-26 26 0,0-26 15,27 0-15,-27 0 0,26 0 16,-26 26-16,26-26 15,-26 1-15,26-1 0,0 0 16,0 26-16,1-26 16,25 0-16,-26 26 0,0-26 15,26 0-15,-26 26 0,26-26 16,-26 0-16,26 0 16,-26 26-16,26-26 15,0 0 1,-26 26-16,26-25 15,0 50 48,0 1-47,26-26-1</inkml:trace>
+  <inkml:trace contextRef="#ctx0" brushRef="#br0" timeOffset="1790">1660 752 0,'-26'0'32,"0"0"-17,0 0-15,0 0 16,0 0-16,0 0 15,0 0-15,-26-25 0,26 25 16,1 0-16,-1 0 0,0 0 16,-26-26-16,26 26 15,0 0-15,0 0 0,0 0 16,0 0-16,0 0 16,0 0 62,26 26-78,-25-26 15,25 25 1,-26-25 0,26 26-16,0 0 15,0 0 1,0 0-16,0 0 0,26 0 15,-26 0-15,25 0 0,-25 0 16,26 0-16,0 0 16,-26 25-16,26-25 0,0 26 31,0-52-31,0 0 16</inkml:trace>
+  <inkml:trace contextRef="#ctx0" brushRef="#br0" timeOffset="2831">1400 260 0,'26'-26'15,"-52"0"1,1 26-16,-1 0 16,0-26-16,0 26 15,-26 0-15,26-26 0,0 26 16,-26 0-16,26 0 0,0-26 16,-25 26-16,25 0 15,-26-25-15,26 25 0,0 0 16,-26-26-16,26 26 0,-26 0 15,1-26-15,25 26 16,-26 0-16,26 0 0,-26 0 16,0 0-16,0 0 15,1 0-15,-1 0 0,26 0 16,-26 0-16,26 0 0,-26 26 16,26-26-16,0 0 15,0 26-15,1-26 16,-1 25-16,0 1 15,0 0 1,26 0-16,-26-26 16,26 26-16,0 0 0,0 0 15,0 0-15,0 0 0,0 0 16,0 0-16,26 25 16,-26-25-16,26 0 0,-26 0 15,26 0-15,0 26 0,-26-26 16,25 0-16,1 0 15,-26 0-15,26 0 0,0-1 16,0 1-16,0 0 16,0 0-16,26-26 0,-26 26 15,26 0-15,-1-26 0,1 0 16,0 26-16,0-26 16,26 0-16,-26 0 0,-1 0 15,1 0-15,26 0 16,-26 0-16,-26-26 0,26 26 15,-27-26-15,27 26 0,-52-26 16,26 0-16,0 0 16,-26 0-16,26 1 0,-26-1 15,0 0-15,0 0 16,0 0-16,26 0 0,-26 0 16,0 0-16,0 0 0,0 0 15,0 0-15,0 0 16,0 1-16,0-1 15,-26 26-15,26-26 0,0 0 16,-26 0 0,26 0-16,-26 26 15,0 0 1,26-26-16,-26 26 0,0 0 16,1 0-1</inkml:trace>
+  <inkml:trace contextRef="#ctx0" brushRef="#br0" timeOffset="4046">1997 1841 0,'0'-26'15,"26"26"1,-1-26 0,1 26 15,-26-26-31,26 26 31,-26 26-31,0 0 16,26 0-1,-26 0-15,26 0 0,-26 0 16,0 0-16,26 0 0,-26 0 16,0-1-16,26 1 15,-26 0-15,0 0 16,26 0-16,0-26 15,-26 26-15,26-26 16,0 26-16,0-26 16,-1 0-1,-25-26 17,26 26-32,-26-26 15,0 0-15,0 0 0,0 0 16,0 0-16,0 1 15,0-27-15,0 26 0,0 0 16,26 0-16,-26 0 16,0 0-16,0 0 0,0 0 15,26 26-15,0 0 32,0 0-17,0 0 1,0 0-1,-52 0 32,26 26-31</inkml:trace>
+  <inkml:trace contextRef="#ctx0" brushRef="#br0" timeOffset="4782">2748 1971 0,'0'-26'0,"0"0"31,-26 26-31,0 0 16,0 26-1,1-26-15,25 26 16,-26 0-16,26-1 16,0 1-16,0 0 15,0 0-15,0 0 16,0 0-16,26-26 16,-26 26-16,25-26 15,-25 26-15,26-26 16,0-26-1,-26 0 1,26 26 0,-26-26-16,0 0 0,0 0 15,26 0-15,-26 0 16,0 1-16,0-1 16,26 26-1,-26 26 1,0-1-1,0 1-15,0 0 0,26 0 16,-26 0-16,0 0 16,26 0-16,-26 0 0,0 0 15,26-26-15,-26 26 16</inkml:trace>
+  <inkml:trace contextRef="#ctx0" brushRef="#br0" timeOffset="5436">2904 1971 0,'26'0'0,"-26"-26"31,26 26-16,-26 26 17,25 0-17,-25-1 1,0 1-16,26-26 0,-26 26 16,0 0-16,26-26 15,-26 26-15,0 0 0,0 0 16,0 0 15,0-52 16,0 0-47,26 0 16,-26 0-1,26 0-15,-26 0 16,0 0-16,26 1 15,0-1-15,0 0 16,0 26 0,-26 26-1,0 0-15,0-1 16,0 1 0,0 0-1</inkml:trace>
+  <inkml:trace contextRef="#ctx0" brushRef="#br0" timeOffset="5754">3293 1971 0,'0'-26'16,"25"52"15,1-26-31,-26 26 0,0-1 16,0 1-16,0 0 15,26-26-15,-26 26 16,0 0-16,0 0 0,0 0 15,0 0 1</inkml:trace>
+  <inkml:trace contextRef="#ctx0" brushRef="#br0" timeOffset="6006">3318 1686 0,'26'0'62</inkml:trace>
+  <inkml:trace contextRef="#ctx0" brushRef="#br0" timeOffset="7110">3681 2048 0,'0'-26'0,"0"1"31,0-1-31,0 0 31,-26 26-31,0 0 16,1 26 0,-1-26-16,0 26 15,0-1 1,26 1-16,-26-26 0,26 26 16,0 0-16,0 0 15,0 0 1,26-26-16,-26 26 15,26-26-15,0 0 32,0 0-32,-26-26 15,25 0 1,-25 0-16,0 0 16,0 0-1,26 26-15,-26-26 0,0 1 16,0-1-1,0 52 17,0-1-17,0 1 1,26-26-16,-26 26 16,26-26-1,0 0 16,-26-26 110</inkml:trace>
+  <inkml:trace contextRef="#ctx0" brushRef="#br0" timeOffset="7788">3733 2048 0,'26'0'31,"-26"26"-16,26-26-15,-26 26 0,26 0 16,-26 0 0,26 0-16,-26 0 15,26-26-15,-26 26 16,26-26-16</inkml:trace>
+  <inkml:trace contextRef="#ctx0" brushRef="#br0" timeOffset="8076">3940 1660 0,'0'26'31,"0"-1"-31,0 1 0,26 0 16,-26 0-16,0 0 0,26 26 15,-26-26-15,26 0 16,0 26-16,-26-26 0,26-1 16,-26 1-16,26 0 15,0 0-15,-26 0 16</inkml:trace>
+  <inkml:trace contextRef="#ctx0" brushRef="#br0" timeOffset="8292">3966 2022 0,'0'-25'16,"26"25"15,0 0-31,0-26 16,0 26-1,0 0-15,0 0 16,0 0-16,0 0 16</inkml:trace>
+  <inkml:trace contextRef="#ctx0" brushRef="#br0" timeOffset="8497">4226 1893 0,'0'26'31,"0"0"-31,0 0 16,25 0 0,-25-1-16,0 1 0,0 0 15,0 0-15,26-26 0,-26 26 16,0 0-16,26 0 15,-26 0-15,26-26 0,-26 26 16,26-26-16</inkml:trace>
+  <inkml:trace contextRef="#ctx0" brushRef="#br0" timeOffset="8706">4329 1737 0,'-26'0'16,"52"26"31</inkml:trace>
+  <inkml:trace contextRef="#ctx0" brushRef="#br0" timeOffset="9624">4485 1945 0,'0'26'0,"0"0"15,0-1 1,0 1-16,0 0 16,0 0-16,0 0 15,0 0-15,0 0 16,0 0-16,26 0 0,-26 0 16,26-26-1,-26 26-15,26-26 16,-1-26-16,-25 0 15,26 26 1,-26-26-16,0 0 16,0 0-16,0 0 15,-26 0-15,26 0 16,-25 0-16,25 0 0,0 1 16,-26-1-16,26 0 15,-26 26-15,26-26 0,-26 26 31,26 26-31,0 0 16,0 0-16,0-1 16,0 1-1,0 0-15,26-26 16,-26 26 0,26-26-16,0 0 15,-1 0 1,1-26-1,0 26 1,-26-26-16,26 26 16,-26-26-16,26 26 0,0-25 15,0 50 17,-26 1-17,0 0 1,26 0-16,-26 0 15,0 0 1,26-26-16,-26 26 16,0 0-1,26-26 1,-26 26-16,26-26 16,-26-26 15,26 26-31,-26-26 15,0 0 1,25 0-16,-25 0 16,0 0-16,26 0 15,-26 0 1,26 26-16,0 0 16,-26 26-1,26 0-15,0 0 16,-26 0-16,26 0 0,0 0 15,0 0 1,-26 0-16,26-26 0,-26 26 16</inkml:trace>
+</inkml:ink>
+</file>
+
+<file path=ppt/ink/ink22.xml><?xml version="1.0" encoding="utf-8"?>
+<inkml:ink xmlns:inkml="http://www.w3.org/2003/InkML">
+  <inkml:definitions>
+    <inkml:context xml:id="ctx0">
+      <inkml:inkSource xml:id="inkSrc0">
+        <inkml:traceFormat>
+          <inkml:channel name="X" type="integer" max="1920" units="cm"/>
+          <inkml:channel name="Y" type="integer" max="1080" units="cm"/>
+          <inkml:channel name="T" type="integer" max="2.14748E9" units="dev"/>
+        </inkml:traceFormat>
+        <inkml:channelProperties>
+          <inkml:channelProperty channel="X" name="resolution" value="55.81395" units="1/cm"/>
+          <inkml:channelProperty channel="Y" name="resolution" value="55.6701" units="1/cm"/>
+          <inkml:channelProperty channel="T" name="resolution" value="1" units="1/dev"/>
+        </inkml:channelProperties>
+      </inkml:inkSource>
+      <inkml:timestamp xml:id="ts0" timeString="2020-12-14T06:04:53.144"/>
+    </inkml:context>
+    <inkml:brush xml:id="br0">
+      <inkml:brushProperty name="width" value="0.05" units="cm"/>
+      <inkml:brushProperty name="height" value="0.05" units="cm"/>
+      <inkml:brushProperty name="fitToCurve" value="1"/>
+    </inkml:brush>
+  </inkml:definitions>
+  <inkml:trace contextRef="#ctx0" brushRef="#br0">207 1737 0,'-26'0'16,"52"0"46,0 0-46,0 0-1,0 26-15,0-26 0,0 0 16,0 0-16,0 0 16,-26 25-1,26-25-15,-26 26 0,0 0 16,0 0-1,0 0-15,-26 0 0,26 0 16,-26-26-16,26 26 0,0 0 16,-26 0-16,26 0 15,-26 0-15,26-1 0,-26 1 16,26 0 0,0 0-16,0 0 15,-26 0-15,26 0 16,0 0-16,0 0 15,-26 0-15,26 0 16,0 0 0,0 0-16,0-1 15,-26 1-15,26 0 0,0 0 16,0 0 0,26-26-16,-26 26 15,26-26 1,-26 26-16,26-26 15,0 0 1,0 26-16,0-26 16,0 0-16,0 0 15,-1 0-15,1 0 0,0 0 16,0 0 0,-52 0 15,0 0 0,0 26-15,1 0 15,25 0-15,0 0-1,0-1-15,0 1 16,0 0-16,0 0 15,25-26-15,-25 26 16,0 0-16,26 0 0,-26 0 16,26 0-16,-26 0 0,0 26 15,26-27-15,-26 1 16,26 0-16,-26 0 0,0 0 16,0 0-16,0 0 15,0 0-15,0 0 16,0 0-16,0 0 0,0 0 15,0-1-15,0 27 16,0-26-16,-26 0 0,26 0 16,0 0-16,-26 26 15,26-26-15,-26 0 0,26 0 16,0 0-16,-26 25 0,26-25 16,0 0-16,0 0 15,-25 0-15,25 0 0,0 0 16,0 0-16,0 26 15,0-26-15,0-1 0,0 1 16,0 0-16,0 26 0,0-26 16,0 26-16,0-26 15,0 26-15,0-1 0,0-25 16,0 26-16,0 0 16,0-26-16,-26 26 0,26 0 15,0-26-15,0 25 0,0-25 16,0 0-16,0 26 15,-26-26-15,26 0 0,-26 0 16,0 0 0,26 0-16,-26-26 0,0 26 15,0 0-15,0-26 32,26-26-17,0 0 1</inkml:trace>
+  <inkml:trace contextRef="#ctx0" brushRef="#br0" timeOffset="785">440 2592 0,'26'0'0,"-26"-26"31,26 26-31,-26-26 16,0 0 0,26 26-16,0-26 15,-26 0-15,26 26 16,-26-26-16,26 1 0,0-1 16,-26-26-16,26 26 15,0-26-15,-26 26 0,26-26 16,0 0-16,-1 1 15,-25-1-15,26-26 0,0 26 16,-26 0-16,26-25 16,-26 25-16,26 0 0,-26 0 15,0-26-15,0 26 0,0 1 16,0-27-16,0 26 16,0 0-16,0 0 0,0-25 15,0 25-15,-26 0 0,26 0 16,0 26-16,-26-26 15,26 26-15,-26 0 0,26 1 16,-26-1 0,1 26-1,25-26-15,0 0 78</inkml:trace>
+  <inkml:trace contextRef="#ctx0" brushRef="#br0" timeOffset="1553">207 311 0,'0'26'0,"-26"0"16,26 0-16,0 0 0,0 0 16,0 0-1,0 0-15,-26-1 16,26 1-16,-26-26 16,26-26 30,-26 26-46,26-25 0,0-1 16,0 0-16,0 0 16,0 0-16,0 0 15,0 0-15,0 0 0,26 0 16,-26 0-16,0 0 16,26 0-16,-26 1 0,0-1 15,26 0-15,-26 0 16,26 26-16,-26-26 15,26 26-15,0 0 16,0 0 0,0 0-16,0 26 15,0-26-15,0 26 0,25 26 32,-25-1-32,0-25 0,0 0 0,0 26 15,-26-26-15,26 26 16,-26-26-16,0 0 0,0 0 15,26-1-15,-26 1 0,0 0 16,0 0-16</inkml:trace>
+  <inkml:trace contextRef="#ctx0" brushRef="#br0" timeOffset="1799">0 415 0,'26'-26'16,"0"26"-16,0 0 16,-1-26-16,27 26 15,-26 0-15,26-26 0,0 26 16,0-26-16,0 26 0,-1 0 15,1-26-15,-26 26 16,0 0-16,0 0 0,-26-26 16</inkml:trace>
+  <inkml:trace contextRef="#ctx0" brushRef="#br0" timeOffset="2238">700 285 0,'-26'26'0,"0"-26"0,0 26 15,0 0-15,26 0 16,-26 0-1,26 0 1,26 0-16,0 0 16,0-26-16,0 25 0,0 1 15,25-26-15,-25 26 0,26-26 16,-26 0-16,26 0 16,-26 0-16,0 0 0,0-26 15</inkml:trace>
+  <inkml:trace contextRef="#ctx0" brushRef="#br0" timeOffset="2578">1088 52 0,'-26'0'16,"26"26"-1,0 0 1,0 0-16,26 0 16,-26 0-16,0-1 15,26 27-15,-26-26 0,0 0 16,26 26-16,-26-26 0,0 0 15,0 26-15,0-26 16,0-1-16,0 1 0,0 0 16,0 0-1</inkml:trace>
+  <inkml:trace contextRef="#ctx0" brushRef="#br0" timeOffset="3210">933 389 0,'26'0'16,"0"-26"-16,0 26 16,0 0-16,-1-26 15,1 26-15,0 0 0,26-26 16,-26 26-16,26 0 15,-26-26-15,26 26 0,-26 0 16,-1-26-16,1 26 0,-26-26 16,26 26-16,-26-26 15,-26 26 1,0 0 0,1 0-16,25 26 15,-26-26-15,26 26 0,0 0 16,0 0-1,0 0-15,26-26 16,-26 26-16,25 0 16,-25 0-16,26 0 0,0-26 15,-26 26-15,26 0 0,-26-1 16,26 1 0,0-26-16,-26 26 15,26-26 1,-26-26-1,26 26-15,-26-26 16,0 1-16,26-1 16,-26 0-16,0 0 15,0 0-15,0 0 16,0 0-16,0 0 16,0 0-16,0 0 15,0 0 1,0 52 46,26-26-46</inkml:trace>
+  <inkml:trace contextRef="#ctx0" brushRef="#br0" timeOffset="5531">1762 311 0,'0'26'16,"-26"-26"-16,26 26 0,-26 0 16,26 0-16,-25-26 15,25 26-15,0 0 0,0 0 16,0-1-1,25-25 1,-25 26-16,26-26 0,0 0 16,0 0-1,0 0-15,-26-26 0,26 26 16,0 0-16,-26-25 0,26 25 16,-26-26-16,26 26 15,-26-26-15,26 26 0,-26-26 16,26 0-1,-26 0-15,26 26 16,-26 26 31,0 0-47,0 0 16,0 0-16,25 0 15,-25-1-15,0 1 0,0 0 16,26 0-1,-26 0-15,26-26 16,0 26 0,0-26-16,0-26 15,0 26-15,0-26 16,-26 0 0,26 26-16,-26-26 0,26 0 15,-26 1-15,0-1 16,26 0-16,-26 0 0,0 0 15,0 0-15,0 0 0,0-26 16,0 26-16,-26 0 16,26 0-16,0-25 0,0 25 15,0 0-15,0 0 16,-26 0-16,26 0 16,-26 26-1,26-26-15,-26 26 16,26 26-1,-26-26-15,26 26 16,0 0-16,0 0 16,0 0-16,0 0 0,26 25 15,-26-25-15,26 0 16,0 0-16,0 0 0,0 0 16,0 0-16,-1 0 15,-25 0-15,26-26 0,0 26 16,0 0-16</inkml:trace>
+  <inkml:trace contextRef="#ctx0" brushRef="#br0" timeOffset="6496">1581 337 0,'26'0'15,"-26"-26"1,26 26-16,-26-26 16,26 26-16,0-26 15,-1 26 1,-25-26 15,26 26-31,0 0 31,0 0-15,-26 26 0,26-26-1,-26 26-15,26-26 16,-26 26-16,0 0 0,26-26 16,-26 26-16,0 0 15,26-26 1,-26 26-16,26-26 31,-26 26 47</inkml:trace>
+</inkml:ink>
+</file>
+
+<file path=ppt/ink/ink23.xml><?xml version="1.0" encoding="utf-8"?>
+<inkml:ink xmlns:inkml="http://www.w3.org/2003/InkML">
+  <inkml:definitions>
+    <inkml:context xml:id="ctx0">
+      <inkml:inkSource xml:id="inkSrc0">
+        <inkml:traceFormat>
+          <inkml:channel name="X" type="integer" max="1920" units="cm"/>
+          <inkml:channel name="Y" type="integer" max="1080" units="cm"/>
+          <inkml:channel name="T" type="integer" max="2.14748E9" units="dev"/>
+        </inkml:traceFormat>
+        <inkml:channelProperties>
+          <inkml:channelProperty channel="X" name="resolution" value="55.81395" units="1/cm"/>
+          <inkml:channelProperty channel="Y" name="resolution" value="55.6701" units="1/cm"/>
+          <inkml:channelProperty channel="T" name="resolution" value="1" units="1/dev"/>
+        </inkml:channelProperties>
+      </inkml:inkSource>
+      <inkml:timestamp xml:id="ts0" timeString="2020-12-14T06:05:05.800"/>
+    </inkml:context>
+    <inkml:brush xml:id="br0">
+      <inkml:brushProperty name="width" value="0.05" units="cm"/>
+      <inkml:brushProperty name="height" value="0.05" units="cm"/>
+      <inkml:brushProperty name="fitToCurve" value="1"/>
+    </inkml:brush>
+  </inkml:definitions>
+  <inkml:trace contextRef="#ctx0" brushRef="#br0">51 104 0,'-26'0'15,"1"0"1,50-26 0,1 26-1,26 0-15,-26-26 16,26 26-16,-26-26 0,26 26 15,0 0-15,-1-26 16</inkml:trace>
+</inkml:ink>
+</file>
+
+<file path=ppt/ink/ink24.xml><?xml version="1.0" encoding="utf-8"?>
+<inkml:ink xmlns:inkml="http://www.w3.org/2003/InkML">
+  <inkml:definitions>
+    <inkml:context xml:id="ctx0">
+      <inkml:inkSource xml:id="inkSrc0">
+        <inkml:traceFormat>
+          <inkml:channel name="X" type="integer" max="1920" units="cm"/>
+          <inkml:channel name="Y" type="integer" max="1080" units="cm"/>
+          <inkml:channel name="T" type="integer" max="2.14748E9" units="dev"/>
+        </inkml:traceFormat>
+        <inkml:channelProperties>
+          <inkml:channelProperty channel="X" name="resolution" value="55.81395" units="1/cm"/>
+          <inkml:channelProperty channel="Y" name="resolution" value="55.6701" units="1/cm"/>
+          <inkml:channelProperty channel="T" name="resolution" value="1" units="1/dev"/>
+        </inkml:channelProperties>
+      </inkml:inkSource>
+      <inkml:timestamp xml:id="ts0" timeString="2020-12-14T06:05:34.473"/>
+    </inkml:context>
+    <inkml:brush xml:id="br0">
+      <inkml:brushProperty name="width" value="0.05" units="cm"/>
+      <inkml:brushProperty name="height" value="0.05" units="cm"/>
+      <inkml:brushProperty name="fitToCurve" value="1"/>
+    </inkml:brush>
+  </inkml:definitions>
+  <inkml:trace contextRef="#ctx0" brushRef="#br0">37 394 0,'-26'0'32,"26"-25"15,0-1-32,0 0 1,26 26-16,-26-26 15,26 26-15,-26-26 16,26 26 0,0 0-16,-26 26 15,26-26 1,-26 26-16,0 0 16,26 0-16,-26-1 0,0 1 15,0 0-15,0 0 16,-26 0-16,26 0 0,-26 0 15,26 0-15,-26 0 16,26 0-16,-26-26 0,26 26 16,-26 0-16,52-26 47,0 0-32,0-26-15,0 26 16,0 0-16,0-26 0,25 26 15,-25 0-15,26-26 16,-26 26-16,0 0 0,0 0 16,0 0-16,0-26 15</inkml:trace>
+  <inkml:trace contextRef="#ctx0" brushRef="#br0" timeOffset="469">452 317 0,'0'-26'0,"0"0"16,0 0-1,26 26-15,-26-26 16,26 26 0,-26-26-16,26 26 0,0 0 15,-1 0-15,1 26 16,0-26 0,0 26-16,-26 0 15,0 0-15,0 0 0,0 0 16,0 0-16,-26-26 15,26 25-15,-26 1 0,0 0 16,1 0 0,25 0-16,-26-26 15,52 0 17,-1 0-32,1 0 15,0-26-15,26 26 16,-26 0-16,26-26 0,-26 26 15,0 0-15,0 0 0,25-26 16,-25 26-16,0 0 16</inkml:trace>
+  <inkml:trace contextRef="#ctx0" brushRef="#br0" timeOffset="918">1178 187 0,'0'-26'15,"-26"26"17,0 0-17,26 26-15,-26-26 16,26 26-16,-26-26 0,26 26 15,-26 0-15,26 0 16,-26-26-16,26 26 0,0 0 16,0 0-16,26-26 15,0 0 1,0 0-16,0 0 0,0 0 16,25 0-16,-25-26 15,0 26-15,0-26 0,0 26 16,0-26-16,-26 0 0,26 26 15,-26-26-15,0 0 16,-26 26-16,0-26 16,0 26-16,0 0 15,0 0-15,0 0 0,1 0 16,-1 0-16,0 0 16,0 0-16</inkml:trace>
+  <inkml:trace contextRef="#ctx0" brushRef="#br0" timeOffset="1309">1748 32 0,'0'-26'31,"-26"26"-15,26 26-1,-26-26-15,0 26 0,0-1 16,26 1 0,-26 0-16,26 0 15,0 0-15,26 0 16,0-26-16,0 0 15,0 0-15,26 0 0,-26 0 16,0 0-16,25-26 16,-25 26-16,0-26 0,-26 0 15,26 26-15,-26-26 0,0 0 16,0 1-16,-26-1 16,0 0-16,0 26 15,-25 0-15,25 0 16,-52 26-16,26-26 0</inkml:trace>
+</inkml:ink>
+</file>
+
+<file path=ppt/ink/ink25.xml><?xml version="1.0" encoding="utf-8"?>
+<inkml:ink xmlns:inkml="http://www.w3.org/2003/InkML">
+  <inkml:definitions>
+    <inkml:context xml:id="ctx0">
+      <inkml:inkSource xml:id="inkSrc0">
+        <inkml:traceFormat>
+          <inkml:channel name="X" type="integer" max="1920" units="cm"/>
+          <inkml:channel name="Y" type="integer" max="1080" units="cm"/>
+          <inkml:channel name="T" type="integer" max="2.14748E9" units="dev"/>
+        </inkml:traceFormat>
+        <inkml:channelProperties>
+          <inkml:channelProperty channel="X" name="resolution" value="55.81395" units="1/cm"/>
+          <inkml:channelProperty channel="Y" name="resolution" value="55.6701" units="1/cm"/>
+          <inkml:channelProperty channel="T" name="resolution" value="1" units="1/dev"/>
+        </inkml:channelProperties>
+      </inkml:inkSource>
+      <inkml:timestamp xml:id="ts0" timeString="2020-12-14T06:05:37.378"/>
+    </inkml:context>
+    <inkml:brush xml:id="br0">
+      <inkml:brushProperty name="width" value="0.05" units="cm"/>
+      <inkml:brushProperty name="height" value="0.05" units="cm"/>
+      <inkml:brushProperty name="fitToCurve" value="1"/>
+    </inkml:brush>
+  </inkml:definitions>
+  <inkml:trace contextRef="#ctx0" brushRef="#br0">53 544 0,'-26'0'15,"26"-25"1,-26 25 0,26-26-1,0 0 1,0 0 0,26 0-16,-26 0 15,26 26-15,-26-26 16,26 0-1,0 26 1,0-26-16,0 26 16,-26 26-16,25-26 15,-25 26-15,0 0 0,0 0 16,0 0-16,0 0 16,0 0-16,-25 0 0,25-1 15,0 1-15,-26 0 16,26 0-16,0 0 0,-26-26 15,26 26-15,-26-26 32,52 0-1,-26-26-15,26 26-16,0 0 0,-1 0 15,1-26-15,26 26 16,-26 0-16,26-26 0,-26 26 15,26 0-15,-26 0 16,0 0-16,-1 0 0,1 0 16,-52 0 15,1 0 0</inkml:trace>
+  <inkml:trace contextRef="#ctx0" brushRef="#br0" timeOffset="293">571 259 0,'0'-26'16,"-26"26"-16,26-25 15,26 25 1,0 25 15,-26 1-31,0 0 16,26 26 0,-26-26-16,0 0 0,26 0 15,-26 0-15,0 0 0,0 0 16,26 0-16,0-26 15</inkml:trace>
+  <inkml:trace contextRef="#ctx0" brushRef="#br0" timeOffset="1019">1141 0 0,'-26'0'16,"1"0"0,-1 0-1,0 0-15,0 0 16,0 0-16,0 26 15,-26-26-15,26 26 16,0-26-16,0 0 16,0 0-16,26 26 15,0 0 17,0 0-1,26 0-31,-26 0 15,26 0 1,-26-1-16,0 1 16,0 0-1,26 0-15,-26 0 16,0 0 0,26-26-1,-26-26 16,26 26-15,-26-26-16,26 0 16,0 26-1,-26-26-15,26 26 0,0 0 16,0 0-16,0 0 16,-1 0-16,1 26 15,0 0-15,0-26 16,-26 26-16,0 0 0,26 0 15,-26 0 1,0 0-16,-26 0 31,0 0-31,0-26 0,0 0 0,1 26 16,-1-26-16,0 0 0,0 0 16,0 0-16,0 0 15,0 0-15</inkml:trace>
+  <inkml:trace contextRef="#ctx0" brushRef="#br0" timeOffset="1423">1452 52 0,'0'-26'31,"-25"52"0,25 0-15,-26 0 0,26 0-16,0 0 0,0 0 15,0 0-15,0-1 16,0 1-16,26 0 0,-1 0 15,-25 0-15,26-26 0,0 0 16,0 0-16,0 0 16,0 0-16,0 0 0,0-26 15,0 0 1,-26 0-16,0 0 0,0 1 16,0-1-16,0-26 0,-26 26 15,26 0-15,-26 0 16,-26 26-16,26-26 0,0 26 15,-26 0-15,1 26 16</inkml:trace>
+</inkml:ink>
+</file>
+
+<file path=ppt/ink/ink26.xml><?xml version="1.0" encoding="utf-8"?>
+<inkml:ink xmlns:inkml="http://www.w3.org/2003/InkML">
+  <inkml:definitions>
+    <inkml:context xml:id="ctx0">
+      <inkml:inkSource xml:id="inkSrc0">
+        <inkml:traceFormat>
+          <inkml:channel name="X" type="integer" max="1920" units="cm"/>
+          <inkml:channel name="Y" type="integer" max="1080" units="cm"/>
+          <inkml:channel name="T" type="integer" max="2.14748E9" units="dev"/>
+        </inkml:traceFormat>
+        <inkml:channelProperties>
+          <inkml:channelProperty channel="X" name="resolution" value="55.81395" units="1/cm"/>
+          <inkml:channelProperty channel="Y" name="resolution" value="55.6701" units="1/cm"/>
+          <inkml:channelProperty channel="T" name="resolution" value="1" units="1/dev"/>
+        </inkml:channelProperties>
+      </inkml:inkSource>
+      <inkml:timestamp xml:id="ts0" timeString="2020-12-14T06:06:14.381"/>
+    </inkml:context>
+    <inkml:brush xml:id="br0">
+      <inkml:brushProperty name="width" value="0.05" units="cm"/>
+      <inkml:brushProperty name="height" value="0.05" units="cm"/>
+      <inkml:brushProperty name="fitToCurve" value="1"/>
+    </inkml:brush>
+  </inkml:definitions>
+  <inkml:trace contextRef="#ctx0" brushRef="#br0">25 1529 0,'0'-26'31,"26"26"-15,-26 26 78,0 0-94,26 0 15,-26 0-15,26 26 0,-26-26 16,26 25-16,-26-25 16,26 26-16,0-26 0,-26 0 15,0 26-15,26-26 0,-26 0 16,0 0 0,0 0-16</inkml:trace>
+  <inkml:trace contextRef="#ctx0" brushRef="#br0" timeOffset="252">77 1633 0,'-26'0'16,"26"-26"-16,0 0 0,-26 26 15,26-26-15,-25 0 16,25 0-16,0 0 0,0 0 15,0 0 1,25 26-16,-25-26 16,26 26-16,-26-25 0,26 25 15,-26-26-15,26 26 16,0 0-16,0 0 0,0 0 16,0 0-1</inkml:trace>
+  <inkml:trace contextRef="#ctx0" brushRef="#br0" timeOffset="480">155 1581 0,'-26'26'0,"26"0"16,26-26 15,0-26-16,0 26 1,0-26-16,0 26 16,0-26-16,0 26 15,-1 0-15,-25-26 0,26 26 16,0 0-16</inkml:trace>
+  <inkml:trace contextRef="#ctx0" brushRef="#br0" timeOffset="738">414 1399 0,'0'-25'16,"0"-1"0,0 52 15,0-1-16,26 1-15,-26 0 16,26 0-16,-26 0 16,26 26-16,-26-26 0,26 0 15,-26 26-15,0-26 0,26 0 16,-26-1-16</inkml:trace>
+  <inkml:trace contextRef="#ctx0" brushRef="#br0" timeOffset="1008">518 1399 0,'26'-25'16,"-26"-1"-1,26 26 1,-26 26-1,26-1 1,0 1-16,-26 0 16,25 0-16,-25 0 0,26 0 15,-26 0-15,0 0 16,0 0-16,0 0 16,0 0-16</inkml:trace>
+  <inkml:trace contextRef="#ctx0" brushRef="#br0" timeOffset="1417">570 1425 0,'0'-26'16,"0"1"-16,0-1 0,-26 0 16,52 26-1,-26 26 1,26-26-16,0 26 15,-1-1-15,1-25 16,0 26-16,0 0 0,0-26 16,0 26-16,0-26 15,0 26-15,0-26 0,0 26 16,0 0-16,0-26 16,-26 26-16,25-26 15,-25-26 1,0 0-1,0 0-15,0 0 0,0 0 16,-25 0-16,-1 0 0,26-25 16,-26 25-16,0-26 15,0 26-15,0 0 0,26 0 16,-26 0-16,26 0 16,26 26-1,-26 26-15,26 0 16,0 0-1,0 0-15</inkml:trace>
+  <inkml:trace contextRef="#ctx0" brushRef="#br0" timeOffset="2040">1192 1348 0,'26'-26'78,"0"26"-62,0-26-16,-1 26 16,1-26-16,0 26 0,0 0 15,0-26-15,0 26 16,0 0-1</inkml:trace>
+  <inkml:trace contextRef="#ctx0" brushRef="#br0" timeOffset="4506">1710 959 0,'-26'0'15,"26"26"17,26 0-17,0 0-15,-26 0 16,26 25-16,0-25 0,-26 0 16,26 0-16,-26 0 15,26 0-15,-26 0 0,26 0 16,-26 0-16,-26-26 31,26-26-15,-26 0-16,0-26 15,0 26-15,0 0 16,0-26-16,0 26 0,0-25 16,0 25-16,0-26 15,26 26-15,-25 0 0,25 0 16,0 0-16,25 0 0,1 0 15,0 26 1,0 0-16,26 0 0,-26 0 16,0 0-16,0 0 15,0 0-15,-26 26 0,26-26 16,-26 26-16,0 0 0,0 0 16,-26-26-16,26 26 15,-26 0-15,26 0 0,-26 0 16,0 0-1,26 0-15,0-1 16,26-25 15,0 0-31,0 0 0,0 0 16,0 0-16,-1 0 16,1 0-16,26 26 0,-26-26 15,0 26-15,0-26 0,0 26 16,-26 0-16,26-26 15,-26 26-15,0 0 0,-26 0 16,26 0-16,-26-26 16,0 26-16,0-26 0,-26 26 15,26-26-15,0 0 0,1 0 16,-1 0-16,0 0 16,0 0-16,0-26 15</inkml:trace>
+  <inkml:trace contextRef="#ctx0" brushRef="#br0" timeOffset="4896">2306 985 0,'-26'-26'16,"0"26"-16,26-26 0,-26 26 15,1 0 1,25 26 0,25 0-16,-25 0 15,26 0-15,0 0 16,-26-1-16,26 1 0,0 0 16,0 0-1,-26 0-15,26-26 0,0 0 16,0-26-1,-26 0 1,0 0-16,0 0 16,0 1-16,0-1 0,-26-26 15,26 26-15,-26 0 16,0 0-16,0 0 0,26 0 16,-26 26-1,52 0 1,0 26-16</inkml:trace>
+  <inkml:trace contextRef="#ctx0" brushRef="#br0" timeOffset="5463">2825 855 0,'26'0'15,"-26"-26"1,-26 26 0,0-26-16,0 26 15,0 0-15,0 0 16,0 0-16,0 26 15,0 0-15,26 0 16,-26 0-16,26 0 16,0 0-16,0 0 15,26 0-15,0 0 16,0-26-16,0 26 16,0-26-1,0-26-15,0 0 16,0 0-16,-26 0 15,26 0-15,-26 0 16,0-26-16,0 26 16,-26 0-16,26 0 0,-26-25 15,0 25-15,26 0 16,-26 0-16,26 0 0,-26 0 16,52 52 15,0 0-31,-26 0 0,26 26 15,0-26-15,0 25 16,-1 1-16,1-26 0,0 26 16,52 26-1,-78-52-15</inkml:trace>
+  <inkml:trace contextRef="#ctx0" brushRef="#br0" timeOffset="6104">3265 829 0,'0'-26'0,"0"0"16,0 1 0,-26 25-1,26-26-15,-26 26 0,26-26 16,-26 26-16,1 0 0,25-26 15,-26 26-15,0 0 16,0 26-16,0 0 16,26 0-16,0-1 15,0 1-15,0 0 16,0 0-16,26 0 16,0-26-1,0 26-15,0-26 16,-1 0-16,-25-26 15,26 26-15,-26-26 0,26 26 16,-26-26-16,0 0 16,0 0-16,0 1 15,0 50 17,0 1-32,26 0 15,0 0-15,0 26 0,0-26 16,26 26-16,-26-26 15,0 26-15,0-27 0,-1 1 16,1 0-16,-26 0 16,0 0-16,0 0 0,0 0 15,-26-26-15,26 26 0,-51-26 16,25 0-16,0 0 16,-26 0-16,26 0 0,-26-26 15,26 0-15,0 0 16,0 0-16,1 0 0,25 0 15,0-25-15,0 25 16,0 0-16,25 26 0,-25-26 16,26 0-16,0 26 0,0 0 15,0 0-15,26-26 16,-26 26-16,0 0 0</inkml:trace>
+  <inkml:trace contextRef="#ctx0" brushRef="#br0" timeOffset="6558">3524 726 0,'-26'0'31,"52"0"-15,-26-26-1,26 26 1,0-26-1,0 26 1,0-26 0,-26 0 15,-26 26-15,0-26-1,0 26-15,26-26 16,-26 26-16,0-26 15,1 26-15,-1 0 16,0 0-16,26 26 16,0 0-16,0 0 15,0 0-15,26 0 0,-26 0 16,26 26-16,-1-27 0,1 1 16,0 0-16,26-26 15,-26 0-15,0 0 0,26 0 16,-26 0-16,0-26 15,0 0-15,0 1 0,-1-1 16,-25 0-16,0 0 0</inkml:trace>
+  <inkml:trace contextRef="#ctx0" brushRef="#br0" timeOffset="6804">3680 363 0,'-26'-26'0,"0"0"15,26 0-15,0 52 47,26-26-47,0 0 16,-26 26-16,26 0 0,0 0 15,0 0-15,0 0 16,25 25-16,-25-25 0,0 0 16,0 26-16,0-26 0,0 0 15,0 0-15,-26 0 16,26-26-16,-26 26 15,0-52 1</inkml:trace>
+  <inkml:trace contextRef="#ctx0" brushRef="#br0" timeOffset="6930">3835 570 0,'-25'-26'0,"-1"0"16,0 26-16,26-26 0,0 0 15,26 1 1,0 25-16,-1-26 15,27 26-15,-26-26 16,0 26-16,0-26 0</inkml:trace>
+  <inkml:trace contextRef="#ctx0" brushRef="#br0" timeOffset="28098">2799 1322 0,'0'-26'16,"26"26"30,-26 26 17,26-26-63,-26 26 16,25 0-1,-25-1-15,26 1 0,0 0 16,0 26-16,-26-26 0,26 0 15,0 0-15,-26 0 16,26 0-16,-26 0 0,0 0 16,26-26-16,-26 26 0</inkml:trace>
+  <inkml:trace contextRef="#ctx0" brushRef="#br0" timeOffset="28416">2799 1685 0,'0'26'31,"26"-1"0,0-25-31,-26 26 16,25-26-16,1 0 16,0 0-16,0 0 15,0 0-15,0 0 0,0 0 16,0 0-1</inkml:trace>
+  <inkml:trace contextRef="#ctx0" brushRef="#br0" timeOffset="28746">3110 1581 0,'-26'0'109,"26"26"-93,0 0-1,-26-26-15,26 26 16,0 0 0,-26 0-1,26-1 1,0 1-16,0 0 16,0 0-16</inkml:trace>
+  <inkml:trace contextRef="#ctx0" brushRef="#br0" timeOffset="29700">2876 2177 0,'0'-26'0,"0"52"47,26 0-31,-26 0-16,26 0 15,-26 0-15,0 0 16,0 0-16,26-1 16,-26 1-16,26 0 15,-26 0 1,26-26 0,-26-26-1,-26 0 1,0 26-16,26-26 15,-26 1-15,26-1 0,-26 26 16,0-26-16,1 0 16,25 0-16,-26 0 0,26 0 15,-26 0-15,26 0 16,26 0 0,0 0-16,-1 26 0,1-26 15,0 26-15,0-25 16,0-1-16,26 26 0,-26 0 15,0-26-15,0 26 16,0 0-16,-26 26 16,0 0-16,0-1 15,0 1-15,0 0 0,-26 0 16,0 0-16,0 0 0,26 0 16,-26 26-16,0-52 15,0 26-15,26 0 0,-26-26 16,26 26-16,-26-26 0,52 0 62,0 0-46,0 0 0,0 0-16,0 0 15,-26 25-15,52-25 0,-26 0 16,0 0-16,-1 0 15,27 0 1,-26 0 0</inkml:trace>
+  <inkml:trace contextRef="#ctx0" brushRef="#br0" timeOffset="30330">3498 2125 0,'-25'0'0,"-1"0"0,0 0 16,52 0 31,0-26-32,-1 26 1,1-26-16,0 0 16,0 26-1,-26-25-15,26 25 0,0-26 16</inkml:trace>
+  <inkml:trace contextRef="#ctx0" brushRef="#br0" timeOffset="31530">3939 1711 0,'-26'0'16,"26"-26"-16,0 0 16,0 0-1,0 0 1,26 26-16,0-26 15,0 26 1,0-26-16,0 26 0,0 0 16,0 0-16,-26 26 15,26-26-15,-1 26 0,-25 0 16,26 0-16,-26 26 0,0-27 16,0 1-16,-26 26 15,26-26-15,-25 0 0,25 0 16,-26 0-16,26 0 0,-26-26 15,0 26 1,26-52 0,0 0-1,26 0-15,0 0 16,-26 0-16,26 0 0,-26-26 16,25 26-16,1 1 15,0-1-15,-26 0 16,26 26-16,0-26 0,-26 0 15,26 0-15,-26 0 16,26 0-16,-26 0 16,0 0-1,-26 52 17,0 0-17,0 0-15,0 0 16,26 0-16,-26 0 15,26 0-15,-26 0 0,26 0 16,0-1 0,26 1-16,0 0 15,0-26-15,0 0 0,26 0 16,-26 0-16,26 0 16,-26 0-16,0-26 0,25 26 15,-25 0-15,0-26 0</inkml:trace>
+  <inkml:trace contextRef="#ctx0" brushRef="#br0" timeOffset="35569">3550 2644 0,'0'-26'47,"-26"26"-47,0 26 15,1-1 1,-1-25-16,0 26 16,26 0-16,-26-26 0,26 26 15,0 0-15,0 0 16,0 0-16,0 0 15,26-26-15,0 26 16,0-26-16,-26 26 0,25-26 16,1 26-16,0-26 0,0 0 15,0 0-15,0 0 16,0 0-16,0 0 16,0-26-1,-26 0-15,26 26 16,-26-26-1,0 0 17</inkml:trace>
+  <inkml:trace contextRef="#ctx0" brushRef="#br0" timeOffset="36042">3965 2644 0,'-26'0'0,"52"0"47,-26-26-32,26 26-15,-26-26 16,26 26 0,0 0-16,0-26 15,0 26-15,0 0 32,-26-26-32</inkml:trace>
+  <inkml:trace contextRef="#ctx0" brushRef="#br0" timeOffset="37392">4457 2203 0,'0'-26'31,"26"52"16,-26 0-31,26-26-1,0 26-15,0-26 16,0 26 0,0-26-16,0 26 15,0-26 1,0 0-16,0 0 15,0 0-15,-26-26 32,0 0-17,0 0 1,0 0-16,0 0 16,-26 26-16,26-26 0,0 0 31,-26 26 0,26 26 16,26 0-16,-26 0-31,26 0 16,-26 0-16,25 0 15,1 0 1,-26 0-16,26-1 0,-26 1 16,26-26-16,-26 26 15,26 0-15,0 0 16,-26 0-16,26-26 0,-26 26 16,26 0-1,-26 0 1,0 0-1,-26-26 1,0 26-16,0-26 16,0 0-1,0 0-15,0 0 0,0 0 16,1 0-16,-1 0 0,0 0 16,0-26-1,26 0-15,0 0 16,0 0-1,26 26-15,-26-26 16,26 0-16,-26 0 0,26 26 16,-1-26-16,1 0 15,0 26 17</inkml:trace>
+  <inkml:trace contextRef="#ctx0" brushRef="#br0" timeOffset="130999">1477 233 0,'0'26'78,"0"0"-47,0 0-15,0 0 0,26 0-16,-26 0 15,0 0-15,26 0 16,-26-1-16,0 1 16,26 0-16,-26 0 0,0 0 15,0 0-15,26 0 16,-26 0-16,0 0 15,25-26 1,-25-26 0,0 0-1,-25 0 1,25 0-16,-26 0 0,26 0 16,-26 0-16,26 0 0,-26 1 15,26-1-15,0 0 16,0 0-16,-26 0 0,26 0 15,0 0-15,0 0 16,-26 0-16,26 0 0,0 0 16,0 0-16,0 0 15,0 1 1,0-1-16,26 26 16,-26-26-1,26 26-15,0 0 16,0 0-1,0 0-15,-1-26 16,1 26-16,0 0 0,0 0 16,0 0-16,0 0 15,0-26-15,0 26 16,-52 26 15</inkml:trace>
+  <inkml:trace contextRef="#ctx0" brushRef="#br0" timeOffset="131274">1477 492 0,'26'0'0,"-26"-26"15,26 26-15,-26-25 16,26 25-16,0 0 16,-1 0-1,1 0-15,0 0 16,0 0 0,0 0-1,-26-26 1,26 26-16</inkml:trace>
+  <inkml:trace contextRef="#ctx0" brushRef="#br0" timeOffset="132103">1866 52 0,'0'-26'16,"0"52"15,0 0-15,26-26-16,-26 26 15,25-1-15,1 1 16,0 0-16,-26 0 0,26 0 15,0 0-15,0 0 16,0 0-16,0-26 16,-26 26-16,26-26 15,0 0-15,0 0 16,-26-26 0,0 0-1,0 0-15,0 0 0,0 0 16,0 0-16,0 0 15,0 0-15,-26 26 0,26-25 16,0-1-16,-26 0 0,26 0 16,0 0-1,0 52 32,0 0-31,26 0-16,-26 0 15,0-1-15,0 1 0,0 0 16,26 26-16,-26-26 16,0 78-1,26-52-15,-26-26 0,0 25 16,25-25-16,-25 0 16,0 0-16,26 0 0,-26 0 15,26-26-15,-26 26 16,0 0-16,26-26 0,-26 26 15,26-26-15,-26 26 32,0-52-1</inkml:trace>
+</inkml:ink>
+</file>
+
+<file path=ppt/ink/ink27.xml><?xml version="1.0" encoding="utf-8"?>
+<inkml:ink xmlns:inkml="http://www.w3.org/2003/InkML">
+  <inkml:definitions>
+    <inkml:context xml:id="ctx0">
+      <inkml:inkSource xml:id="inkSrc0">
+        <inkml:traceFormat>
+          <inkml:channel name="X" type="integer" max="1920" units="cm"/>
+          <inkml:channel name="Y" type="integer" max="1080" units="cm"/>
+          <inkml:channel name="T" type="integer" max="2.14748E9" units="dev"/>
+        </inkml:traceFormat>
+        <inkml:channelProperties>
+          <inkml:channelProperty channel="X" name="resolution" value="55.81395" units="1/cm"/>
+          <inkml:channelProperty channel="Y" name="resolution" value="55.6701" units="1/cm"/>
+          <inkml:channelProperty channel="T" name="resolution" value="1" units="1/dev"/>
+        </inkml:channelProperties>
+      </inkml:inkSource>
+      <inkml:timestamp xml:id="ts0" timeString="2020-12-14T06:08:39.303"/>
+    </inkml:context>
+    <inkml:brush xml:id="br0">
+      <inkml:brushProperty name="width" value="0.05" units="cm"/>
+      <inkml:brushProperty name="height" value="0.05" units="cm"/>
+      <inkml:brushProperty name="fitToCurve" value="1"/>
+    </inkml:brush>
+  </inkml:definitions>
+  <inkml:trace contextRef="#ctx0" brushRef="#br0">156 78 0,'0'-26'31,"0"0"-15,0 0 15,26 26-15,-26 26 46,0 0-46,0 0 0,0 0-16,0-1 0,0 1 15,25 0-15,-25 0 0,0 0 16,0 0-16,0 0 16,0 0-16,0 0 0,0 0 15,0 0-15,0 0 16</inkml:trace>
+  <inkml:trace contextRef="#ctx0" brushRef="#br0" timeOffset="354">26 311 0,'-26'0'16,"26"26"15,26-26 0,0 26-15,0 0 0,0-26-16,0 26 15,0 0 1,0-26-16,-26 25 16,25-25-1,1 0 1</inkml:trace>
+  <inkml:trace contextRef="#ctx0" brushRef="#br0" timeOffset="755">415 259 0,'-26'0'47,"26"26"-31,-26-26-1,26 26 1,-26-26-16,26 26 15,-26-26 1,26 26-16,-26 0 16,0 0-1,0 0-15,0-1 32</inkml:trace>
+</inkml:ink>
+</file>
+
+<file path=ppt/ink/ink28.xml><?xml version="1.0" encoding="utf-8"?>
+<inkml:ink xmlns:inkml="http://www.w3.org/2003/InkML">
+  <inkml:definitions>
+    <inkml:context xml:id="ctx0">
+      <inkml:inkSource xml:id="inkSrc0">
+        <inkml:traceFormat>
+          <inkml:channel name="X" type="integer" max="1920" units="cm"/>
+          <inkml:channel name="Y" type="integer" max="1080" units="cm"/>
+          <inkml:channel name="T" type="integer" max="2.14748E9" units="dev"/>
+        </inkml:traceFormat>
+        <inkml:channelProperties>
+          <inkml:channelProperty channel="X" name="resolution" value="55.81395" units="1/cm"/>
+          <inkml:channelProperty channel="Y" name="resolution" value="55.6701" units="1/cm"/>
+          <inkml:channelProperty channel="T" name="resolution" value="1" units="1/dev"/>
+        </inkml:channelProperties>
+      </inkml:inkSource>
+      <inkml:timestamp xml:id="ts0" timeString="2020-12-14T06:09:09.946"/>
+    </inkml:context>
+    <inkml:brush xml:id="br0">
+      <inkml:brushProperty name="width" value="0.05" units="cm"/>
+      <inkml:brushProperty name="height" value="0.05" units="cm"/>
+      <inkml:brushProperty name="fitToCurve" value="1"/>
+    </inkml:brush>
+  </inkml:definitions>
+  <inkml:trace contextRef="#ctx0" brushRef="#br0">104 55 0,'0'26'78,"26"-26"-47,-1 0-15,1 0 0,0 0-16,0-26 15,0 26-15,0 0 0,0 0 16,0-26-16,0 26 0,0 0 16,0 0-16,0 0 15,-26-26-15,-26 26 16,0 0-1,26 26 1,-26-26-16,0 0 16,26 26-1,-26-26 79,0 0-78</inkml:trace>
+  <inkml:trace contextRef="#ctx0" brushRef="#br0" timeOffset="455">0 158 0,'26'0'62,"0"0"-46,0 0 0,0 0-16,0 0 0,-1-26 15,27 26-15,-26 0 16,0 0-16,0-25 0,0 25 15,0 0-15,0 0 16,0-26-16,-52 26 78</inkml:trace>
+</inkml:ink>
+</file>
+
+<file path=ppt/ink/ink29.xml><?xml version="1.0" encoding="utf-8"?>
+<inkml:ink xmlns:inkml="http://www.w3.org/2003/InkML">
+  <inkml:definitions>
+    <inkml:context xml:id="ctx0">
+      <inkml:inkSource xml:id="inkSrc0">
+        <inkml:traceFormat>
+          <inkml:channel name="X" type="integer" max="1920" units="cm"/>
+          <inkml:channel name="Y" type="integer" max="1080" units="cm"/>
+          <inkml:channel name="T" type="integer" max="2.14748E9" units="dev"/>
+        </inkml:traceFormat>
+        <inkml:channelProperties>
+          <inkml:channelProperty channel="X" name="resolution" value="55.81395" units="1/cm"/>
+          <inkml:channelProperty channel="Y" name="resolution" value="55.6701" units="1/cm"/>
+          <inkml:channelProperty channel="T" name="resolution" value="1" units="1/dev"/>
+        </inkml:channelProperties>
+      </inkml:inkSource>
+      <inkml:timestamp xml:id="ts0" timeString="2020-12-14T06:06:56.117"/>
+    </inkml:context>
+    <inkml:brush xml:id="br0">
+      <inkml:brushProperty name="width" value="0.05" units="cm"/>
+      <inkml:brushProperty name="height" value="0.05" units="cm"/>
+      <inkml:brushProperty name="fitToCurve" value="1"/>
+    </inkml:brush>
+  </inkml:definitions>
+  <inkml:trace contextRef="#ctx0" brushRef="#br0">85 493 0,'-25'0'0,"-1"25"78,26 1-62,-26-26-16,26 26 16,0 0-16,0 0 15,0 0-15,0 26 16,26-26-1,-26 0-15,0 0 0,26 0 16,-1-1-16,1-25 16,0 0-16,0 0 31,0 0-31,-26-25 16,0-1-1,0 0-15,0 0 16,0 0-16,-26 0 15,26 0 1,0 0-16,26 0 31,0 26-31,0-26 16,0 26-16,0 0 16,0 0-1,0 0-15,-26 26 16,26-26-16,-26 26 0,0 0 15,25 0 1,-25 0-16,0 0 16,26 0-16,-26 0 15,0 0 1</inkml:trace>
+  <inkml:trace contextRef="#ctx0" brushRef="#br0" timeOffset="955">552 467 0,'26'0'62,"-26"-26"-62,26 26 16,-26-26-16,26 26 15,-26-26-15,26 26 0,0-26 16,-1 26-16,1-26 16,0 26-16,0-26 0,0 26 15,0-26-15,-52 52 47,0-26-31</inkml:trace>
+  <inkml:trace contextRef="#ctx0" brushRef="#br0" timeOffset="4298">993 130 0,'-26'0'0,"26"-26"16,26 26 15,-1-26-16,1 26 1,0-26 0,0 26-16,0-26 15,0 26-15,0 0 16,0-26-16,0 26 16,0 0-1,-26 26 1,0 0-1,0 0 1,0 0-16,0 0 16,0 0-16,0 0 15,0-1-15,0 1 16,0 0-16,0 0 16,0 0-1,0 0-15,0 0 16,0 0-1,26-26 32,0 0-47,0 0 16,-1 0-16,1-26 16,0 26-16,0-26 0,0 26 15,0-26-15,0 26 0,0-26 16,0 26-16</inkml:trace>
+  <inkml:trace contextRef="#ctx0" brushRef="#br0" timeOffset="4562">1148 259 0,'26'0'16,"-26"-26"-1,26 26-15,-26-26 0,26 26 16,0-25-16,0 25 15,0-26-15,0 26 0,-26-26 16</inkml:trace>
+  <inkml:trace contextRef="#ctx0" brushRef="#br0" timeOffset="143155">604 1244 0,'-26'0'31,"26"26"1,26-26-32,-26 26 15,0 0 1,0 0-16,26 0 16,-26 0-16,0 0 0,26 25 15,0 1-15,-26 0 16,25 0-16,1 0 0,0 26 15,0-27-15,0 1 0,-26 0 16,26 0-16,-26 0 16,26 0-16,-26-1 0,26-25 15,-26 0-15,0 0 16,0 0-16,0 0 0,0 0 16,26-26-16,-26 26 0,0 0 31,0-52-16,26 26 1,-26-26-16,26 26 0,0-26 16,-1 26-16,27-26 15,0 26-15,0-26 16,26 26-16,25-26 0,-25 0 16,52 0-16,-27 26 0,27-26 15,0 1-15,25-27 16,-25 26-16,-1 0 0,1 0 15,0 0-15,-1-26 16,-25 26-16,-26 26 0,-1-26 16,1 0-16,-26 1 0,-26 25 15,0-26-15,0 26 16,-26-26 0,-26 26-1,0 26 1</inkml:trace>
+  <inkml:trace contextRef="#ctx0" brushRef="#br0" timeOffset="144924">889 2229 0,'26'0'47,"0"0"-16,0-26 0,-26 0-15,26 26-1,-26-26 1,0 0 0,0 0-1,25 26-15,-25-25 32,26 25-17,0 0 1,0-26-1,0 26 1,-26-26 0,26 26-1,0 0 17,0 0-17,-26-26 1,26 26-1,0 0 1,0 0 0,0 0-1,0 0 1,-1 0 15,1 0 0,-26-26 32,26 26-63,-26-26 16,0 0-1,26 26 1,-26-26-16,26 26 15,-26-26 1,26 26 0,0-26-1,0 26 17,-26-26-1,26 26-16,-26-26 17,26 26-1,-26-25 0,26 25-15,0 0-1,-1 0 1,1 0 15,0 0 32,-26-26-16,26 26-32</inkml:trace>
+  <inkml:trace contextRef="#ctx0" brushRef="#br0" timeOffset="145986">1615 1322 0,'0'26'31,"0"0"-15,0 0-1,0 0-15,0 0 16,26-26-16,-26 25 0,0 1 15,25 0-15,-25 0 0,26 26 16,-26-26-16,26 0 16,-26 0-16,26 0 0,-26 0 15,26 0-15,-26 25 16,26 1 0,0-26-16,-26 0 0,26 0 15,-26 0-15,26-26 16,-26 26-16,26 0 15,-26 0 1,0 0 0,26-26-1</inkml:trace>
+  <inkml:trace contextRef="#ctx0" brushRef="#br0" timeOffset="148111">1744 1737 0,'26'0'0,"0"0"31,0 0 0,-52 0 16,26 26-31,-26-26-16,0-26 31,26 0-15,0 0 15,26 26-15,-26-26-16,26 26 15,-26 26 16,26-26-31,-26 26 16,0 0 0,-26-26-1,0 0 1,0 0 15,26-26 0,-26 26-31,26-26 16,0 0-16,26 26 16,-26-26-1,26 26-15,-26 26 32,0 0-17,0 0-15,0 0 16,-26-26 15,0 0-15,0 0 15,26-26-15,26 26 15,0 0-16,0-26-15,0 26 16,0 26 0,-26 0 15,0 0-31</inkml:trace>
+  <inkml:trace contextRef="#ctx0" brushRef="#br0" timeOffset="149515">2029 1192 0,'0'-26'31,"-26"26"-31,0 0 31,26-25-15,26 25 46,-26 25-62,26 1 31,-26 0-15,26 0-16,-26 0 16,26 0-16,-26 0 15,26 0-15,-26 0 0,0 26 16,26-26-16,-26-1 0,26 1 16,-26 0-16,26 26 15,-26-26-15,0 0 0,26 0 16,-26 0-16,26 0 15,-26 0-15,26 0 16,-26-1-16,0 1 0,25-26 16,-25 26-16,0 0 15,26-26-15,-26 26 0,26 0 16,-26 0 0,0 0-16,26-26 15,-26 26-15,0 0 31</inkml:trace>
+  <inkml:trace contextRef="#ctx0" brushRef="#br0" timeOffset="151974">2314 2203 0,'-26'0'47,"26"26"-16,0 0-15,0 0-16,0 0 15,0 0 1,0 0-16,0 0 16,26-26-16</inkml:trace>
+  <inkml:trace contextRef="#ctx0" brushRef="#br0" timeOffset="152370">2263 2203 0,'25'0'62,"1"0"-62,0 0 16,-26 26-16,26-26 0,0 0 15,-26 26-15,26-26 16,0 0-16,-26 26 0,26-26 16,0 0-1,-26-26 17,0 0-17,0 0-15,0 0 16,0 0-1,0 0 1,0 52 47</inkml:trace>
+  <inkml:trace contextRef="#ctx0" brushRef="#br0" timeOffset="154110">1796 1711 0,'26'0'94,"-26"-26"-63,26 26-15,-26-26-1,26 26 1,-26-26 0,26 0-1,0 26 16,-26-26-31,26 26 32,-26-26-17,25 26-15,1 0 32,-26-26-17,26 26 1,0 0 15,0-26 0,0 26-15,0-26 0,0 26 30,-52 0 48,26-25 16,0 50-1</inkml:trace>
+  <inkml:trace contextRef="#ctx0" brushRef="#br0" timeOffset="154872">2133 1426 0,'0'-26'47,"26"26"-31,0 0-1,-26 26 1,26-26-16,-26 26 15,26-26 1,-26 25 0,-26-25-1,0 0-15,0 26 16,0-26 0,0 0-1,26-26 1,0 1-1,0-1 17,26 26-17,0 0 17,-26 26-32,26-1 15,-26 1 1,-26 0 15,0-26-15,0 0-16,0 0 15,0 0 1,0-26 0,26 0-1,0 1 1,26-1-1,0 26 1,0 0 0,-26 26 15,0-1-15</inkml:trace>
+  <inkml:trace contextRef="#ctx0" brushRef="#br0" timeOffset="155916">2444 855 0,'0'26'62,"0"0"-46,0 0-16,0 0 15,0 0-15,0 0 16,26 0-16,-26 0 0,0 0 16,26 26-16,-26-27 0,26 1 15,-26 26-15,26-26 16,-26 0-16,0 26 0,26-26 15,-26 0-15,0 0 0,26 0 16,-26-1-16,0 1 16,25 0-16,-25 0 0,26 0 15,-26 0-15,0 0 16,0 0-16,26-26 0,-26 26 16,0 0-16,0 0 15,0 0 1,26-26-16,-26 25 31,26-25 16,-26 26-47,0-52 47</inkml:trace>
+  <inkml:trace contextRef="#ctx0" brushRef="#br0" timeOffset="156643">2859 2048 0,'0'26'78,"0"-1"-78,0 1 16,0 0 0,0 0-16,0 0 31,0-52 0,-26 26-31,26-26 16,-26 0-16,26 0 15,0 1-15,-26-1 16,26 0 0,0 0-1,26 26 1,0 0-1,0 0 1,0 26 0,25 0 15,-25-26-15,0 0-1,-26-26 1,26 26-16,-26-26 15,0 0 1,0 0-16,0 0 16,0 0-1,-26 26-15,26-26 0,-26 26 16,26-26-16,-26 26 31</inkml:trace>
+  <inkml:trace contextRef="#ctx0" brushRef="#br0" timeOffset="157536">2159 1452 0,'26'0'16,"-26"-26"-16,26 0 15,0 0 1,0 0 15,-1 26-31,-25-26 16,26 26-16,0-26 15,0 26 1,-26-26-16,26 26 0,0-26 16,0 26-1,-26-26 1,26 0 15,0 26 0</inkml:trace>
+  <inkml:trace contextRef="#ctx0" brushRef="#br0" timeOffset="158215">2444 1115 0,'26'0'47,"0"0"-31,0 0-1,0 0-15,-26 26 16,0-1 15,-26-25-31,26 26 16,-26-26-16,0 0 16,26 26-16,-26-26 15,0 0 1,26-26 31,26 0-47,0 26 15,-26-25 1,26 25-16,0 0 16,0 25-1,-26 1 1,26-26-16,-26 26 0,0 0 15,0 0 1,0 0-16,-26-26 16,26 26-1,-26-26-15,0 0 16,26-26 0,-26 26-16,26-26 15,0 0-15,0 0 16,0 0-1,0 0-15,26 26 16,-26-25-16,26 25 0,0 0 16,-26 25-1</inkml:trace>
+  <inkml:trace contextRef="#ctx0" brushRef="#br0" timeOffset="160259">1485 1192 0,'26'0'0,"-26"26"15,26-26 1,-26 26 0,26 0-1,-26 0 17,0-52-1,0 0-16,-26 0 1,26 0 0,0 0-1,0 1-15,0-1 16,0 0-16,-26 26 0,26-26 16,0 0-16,0 0 15,0 0 1,26 26-1,0 0 1,-26-26-16,26 26 16,0-26-1,0 26 1,-1 0 0,1-26-16,0 26 0,0 0 15,0-26-15,0 26 0,0 0 16,0 0-16,26-26 15,-26 26-15,25 0 0,-25-26 16,26 26-16,-26 0 16,26-25-16,-26 25 0,0 0 15,0-26-15,0 26 0,0 0 16,-1 0 0,1-26 15,0 26-16,0 0 1,0-26 15,-26 52 32,0 0-32,0 0-31,0-1 16,26-25-16,-26 26 15,26 0 1,-26 0 0</inkml:trace>
+  <inkml:trace contextRef="#ctx0" brushRef="#br0" timeOffset="161070">1666 648 0,'26'0'15,"0"0"16,0 26-15,-26 0 0,26 0-16,-26 0 15,0 0 1,0 0 0,0-1-16,0 1 31,-26-26-31,26-26 31,0 1-15,0-1-16,0 0 15,-26 0 1,26 0-16,0 0 16,-26 0-16,26 0 0,0 0 15,-26 26 1,26-26-16,0 0 15,0 0 17,26 26-32,0 0 15,-26-25 1,26 25-16,0 0 16,0-26-16,0 26 0,0 0 15,0 0 1,0 0-16,0 0 15,-26 26 1</inkml:trace>
+  <inkml:trace contextRef="#ctx0" brushRef="#br0" timeOffset="161303">1744 778 0,'26'-26'16,"0"0"0,0 26-1,-26-26-15,26 26 0,0 0 16,0 0-1</inkml:trace>
 </inkml:ink>
 </file>
 
@@ -7733,7 +8380,7 @@
           <inkml:channelProperty channel="T" name="resolution" value="1" units="1/dev"/>
         </inkml:channelProperties>
       </inkml:inkSource>
-      <inkml:timestamp xml:id="ts0" timeString="2020-09-26T02:33:53.895"/>
+      <inkml:timestamp xml:id="ts0" timeString="2020-12-14T06:01:52.587"/>
     </inkml:context>
     <inkml:brush xml:id="br0">
       <inkml:brushProperty name="width" value="0.05" units="cm"/>
@@ -7741,45 +8388,353 @@
       <inkml:brushProperty name="fitToCurve" value="1"/>
     </inkml:brush>
   </inkml:definitions>
-  <inkml:trace contextRef="#ctx0" brushRef="#br0">2862 1881 0,'24'-24'0,"1"-1"16,-1 25 0,-24-24-16,24-1 15,-24 1 1,0-1 0,-24 25-1,0-24 1,-1 24-16,1 0 15,-1 24-15,1-24 16,0 25-16,-25-25 0,24 24 16,1 1-16,-1-1 0,1 25 15,0-25-15,-1 25 16,25 0-16,0 0 0,-24-25 16,24 25-16,0 0 15,0 0-15,24-25 0,1 1 16,-1-1-16,0 1 0,1-1 15,24-24-15,0 0 16,-25 0-16,0 0 0,25-24 16,-24-1-16,-1 25 15,0-24-15,-24-1 0,25 1 16,-25-1-16,0 1 0,0 0 16,0-1-16,-25 1 15,25-1-15,0 1 16,0 0-1,25 24-15,-1 0 0,1-25 16,-1 25-16,1 0 0,-1 0 16,0 0-16,1 0 15,-1 0-15,1 0 0,-1 25 16,1-1-16,-25 0 16,0 1-16,0-1 0,0 25 15,0-25-15,0 25 0,0 0 16,-25-24-16,25-1 15,0 0-15,0 1 0,0-1 16</inkml:trace>
-  <inkml:trace contextRef="#ctx0" brushRef="#br0" timeOffset="665">3375 1979 0,'0'-25'0,"0"1"16,24 24 15,-24 24-16,0 1-15,0-1 16,0 1-16,0-1 16,0 0-16,0 25 0,25-24 15,-25 23-15,0-23 16,0-1-16,0 1 0,24-25 16,-24 24-16,0-48 31,0-1-16,-24 1-15,24-1 16,0-23-16,-25-1 0,25 0 16,0 0-16,0 0 15,0 0-15,0 1 0,25-1 16,-25 24-16,24 1 0,0-1 16,1 25-16,-1 0 15,1 25-15,-1-25 16,-24 24-16,24 1 0,-24 24 15,0-25-15,0 0 16,0 1-16,0-1 0,-24 1 16,0-1-16,-1 1 15,1-25-15,-1 24 0,1-24 16,0 0-16,-1 0 16,25-24-1,25 24-15,-1 0 16,0 0-16,1 24 15,-1 0-15,1 1 0,-1-25 16,-24 24-16,24 1 0,-24-1 16,25 0-16,-25 1 15,24-1-15</inkml:trace>
-  <inkml:trace contextRef="#ctx0" brushRef="#br0" timeOffset="1785">3839 1930 0,'0'-25'0,"0"1"0,0 0 16,0 48 15,0 0-15,-25 1-16,25-1 0,-24 1 15,24 24-15,0-25 0,0 0 16,0 25-16,0-24 16,24-1-16,-24 0 0,25 1 15,-25-1-15,24-24 0,1 0 16,-1 0-16,0 0 16,1 0-16,-25-24 0,0-1 15,24 1-15,-24 0 16,0-1-16,-24-24 0,24 25 15,-25-25-15,1 25 0,24-1 16,-24 1-16,-1 24 16,25-25-16,-24 25 0,48 25 31,1-25-15,-1 24-16,0-24 15,1 0-15,-1 0 16,1-24-16,-1 24 0,25 0 15,-25-25-15,25 25 16,-24-24-16,-1 24 0,1 0 16,-1-24-16,0 24 15,-24-25-15,-24 25 47,0 25-47,-1-1 16,1 0-16,-1 1 0,1-1 15,24 1-15,-25-1 16,25 1-16,0-1 16,25-24-16,-1 0 15,1 24-15,24-24 0,-25 0 16,25-24-16,-25 24 16,25 0-16,-25-24 0,1 24 15,-1 0-15,-24-25 0,-24 25 31,24 25-31,-25-25 16,25 24-16,-24-24 0,24 24 16,-24-24-16,24 25 15,-25-25-15,1 24 0,24 1 32,0-50 30,24 25-62,1-24 16,-1-1-1,0 25-15,1-24 0,-1 24 16,1-24-16,-1-1 16,1 1-16,-1-1 0,0 1 15,1-1-15,-25 1 0,0 0 16,0-1-1,-25 25 1,1 0 0,24 25-16,0-1 15,0 0 1,24 1 0,-24-1-16,25 1 0,-25-1 15,24-24-15,-24 25 16,25-1-16,-25 0 0,0 1 15,0-1-15,0 1 16,-25-25 0,25 24-16,-24-24 0,-1 0 15,1 0-15,0 0 16</inkml:trace>
-  <inkml:trace contextRef="#ctx0" brushRef="#br0" timeOffset="2428">5035 1808 0,'-24'-25'0,"0"1"16,24-1 0,-25 25-16,25-24 15,0 48 1,0 1-1,0-1-15,25 1 0,-25-1 16,0 25-16,24 0 0,-24 0 16,24 0-16,-24-1 15,25 1-15,-25 0 0,0 0 16,24-25-16,-24 25 16,0-24-16,0 23 0,-24-23 15,-1-1-15,1-24 16,0-24-1,24-1 1,-25-23-16,25 23 0,-24-24 16,24 0-16,0-24 15,0 0-15,0 24 0,0-24 16,24 24-16,1 0 16,-1 25-16,0-1 0,25 1 15,-24 24-15,-1 0 0,25 0 16,-25 24-16,1 1 15,-1-1-15,-24 1 0,0-1 16,0 0-16,0 25 16,-24-24-16,-1-1 0,1 1 15,0-25-15,-1 24 0,1-24 16,48 0 0</inkml:trace>
-  <inkml:trace contextRef="#ctx0" brushRef="#br0" timeOffset="3088">5255 1905 0,'25'-24'0,"-25"0"0,0-1 16,24 25-16,-24-24 0,0-1 15,25 25 1,-1 0-16,0 0 0,25 0 16,-24 0-16,-1 25 15,0-25-15,1 24 16,-25 1-16,0 23 0,0-23 15,0-1-15,0 1 16,-25-1-16,25 1 0,-24-25 16,24 24-16,-24-24 0,-1 0 15,50-24 1,-25-1 0,24-24-16,0 25 15,1-1-15,-1-23 0,1 23 16,-1 1-16,1-1 0,-1 1 15,0 24-15,1 0 16,-1 0-16,1 0 0,-1 0 16,-24 24 31,0 1-32,0-1 1,0 1-16,0-1 0,0 0 15,0 1-15,0-1 16,0 25-16,0-24 0,25-1 16,-1-24-16,0 24 15,1-24-15,-1 0 0,1 0 16,-1 0-16,1-24 16,-1 24-16,0-24 0,-24-1 15,25-24-15,-25 25 0,0-1 16,-25 1-16,1 0 15,0-1-15,-1 1 0,1-1 16,-1 1-16,1 24 16,-1 0-16,1 0 0,0 0 15,24 24-15,24 1 16,0-1 0,1-24-16,-1 0 15,25 0-15,-24 0 0,23 0 16,1 0-16</inkml:trace>
-  <inkml:trace contextRef="#ctx0" brushRef="#br0" timeOffset="3647">6183 1759 0,'25'-25'0,"-1"25"16,1-24-16,-25-25 0,0 25 15,24-1-15,-24 1 0,0-25 16,0 25-16,0-1 16,0 1-16,0 48 31,0 1-31,-24-1 0,24 0 15,0 50-15,0-25 0,24 24 16,0 0-16,-24-24 16,25 24-16,-1 1 0,1-1 15,-25-24-15,0-25 16,0 25-16,0-25 0,-25 1 16,1-1-16,-1-24 0,1 0 15,-25 0-15,25-24 16,-25-1-16,24-24 0,1 25 15,24-25-15,0 0 16,0 1-16,0 23 0,24-24 16,1 25-16,-1-1 0,1 1 15,-1 24-15,1-24 16,-1-1-16,0 25 16,1 0-1,-1-24-15,1 24 16,-1 0-16,1 0 0,-1 0 15,0-25 1,1 25-16,-25-24 16,0-1-1,0 50 32,24-1-47,1 1 16,-25-1-16,0 1 15,24-1-15,1 0 0,-25 1 16,0-1-16,24 1 0,-24-1 16</inkml:trace>
-  <inkml:trace contextRef="#ctx0" brushRef="#br0" timeOffset="3899">6452 1808 0,'24'0'63,"1"0"-48,-1 0-15,1 0 16,-1 0-16,1 0 16,-1 0-16,0 0 15,1 0-15</inkml:trace>
-  <inkml:trace contextRef="#ctx0" brushRef="#br0" timeOffset="4265">6476 1515 0,'-24'0'0,"0"0"16,24 24-1,-25-24-15,25 24 31,25-24-15,-25 25-16,24-25 16,-24 24-1</inkml:trace>
-  <inkml:trace contextRef="#ctx0" brushRef="#br0" timeOffset="4583">6843 1563 0,'-25'0'0,"1"0"16,-1 0-16,1 0 31,48 0-16,-24 25-15,25-1 16,-25 1-16,24-1 16,1 25-16,-1-25 0,1 25 15,-25 0-15,24-24 0,0 23 16,1-23-16,-1-1 16,1 1-16,-25-1 0,24 0 15,1-24 1</inkml:trace>
-  <inkml:trace contextRef="#ctx0" brushRef="#br0" timeOffset="4727">6989 1930 0,'-24'0'0,"24"-25"15,-25 1-15,1 0 16,24-1-16,0 1 16,24 24-1,1 0-15,-1 0 16,25 0-16,-24 0 0,23 0 15,-23-25-15</inkml:trace>
-  <inkml:trace contextRef="#ctx0" brushRef="#br0" timeOffset="6292">9456 1466 0,'0'24'109,"0"1"-109,0-1 16,0 0-16,0 25 0,0 0 15,0 0-15,0-25 0,0 25 16,0-24-16,0 24 16,0-25-16,0 0 0,0 1 15,24-25 1</inkml:trace>
-  <inkml:trace contextRef="#ctx0" brushRef="#br0" timeOffset="6605">9676 1490 0,'0'-24'0,"0"-1"16,24 25-16,-24-24 16,0 48 46,0 1-62,0-1 0,0 1 16,0 23-16,0-23 15,25 24-15,-25 0 0,0-25 16,24 25-16,-24-25 0,0 1 16,25-1-16,-25 1 15,0-1-15,0 0 16,0-48-1</inkml:trace>
-  <inkml:trace contextRef="#ctx0" brushRef="#br0" timeOffset="7306">10189 1466 0,'-25'0'32,"1"0"-17,-1 0 1,1 24 0,24 1-16,-24-1 0,24 0 15,-25 1-15,25-1 16,0 1-16,0 24 0,0-25 15,0 0-15,0 1 16,0-1-16,25 1 0,-1-25 16,0 24-16,1-24 0,-1-24 15,1 24 1,-1-25-16,1 1 0,-1-1 16,-24 1-16,24-25 15,-24 25-15,0-25 0,0 24 16,-24-23-16,24 23 0,-24 1 15,-1-1-15,1 25 16,-1 0-16,1 0 0,-1 0 16,1 0-16,0 0 15,-1 25-15,50-1 16,-1-24 0,0 25-16</inkml:trace>
-  <inkml:trace contextRef="#ctx0" brushRef="#br0" timeOffset="7679">10726 1466 0,'24'0'0,"-24"-25"15,-24 25 1,0 0-16,-1 0 15,1 0-15,-1 25 16,25-1-16,-24-24 0,24 49 16,0-25-16,0 1 15,24-1-15,1 25 0,-25-24 16,49-1-16,-25 0 16,0 1-16,25-25 0,-24 24 15,24-24-15,-25 0 16,25-24-16,-25-1 0,1 1 15,-1 0-15,-24-1 0,0-24 16,-24 25-16,-1-25 16,1 25-16,-1-1 0,1 1 15,-25-1-15,25 1 16,-25 24-16,0 0 0,0 0 16,25 0-16</inkml:trace>
-  <inkml:trace contextRef="#ctx0" brushRef="#br0" timeOffset="38788">7600 1783 0,'0'-24'47,"-25"24"-16,50 0 1,-1 0-17,1 0 1,-1 0-16,25 0 0,-25 0 16,25 0-16,0 0 0,-24-25 15,23 25-15,1 0 16,-24 0-16,23 0 0,-23 0 15,24-24-15,-25 24 0,25 0 16,-25 0-16,1 0 16,24 0-16,-25 0 0,1 0 15,23 0-15,-23 0 16,24 0-16,-25 0 0,25 0 16,-25 0-16,1 0 0,-1 0 15,1 0-15,-1 0 16,1 0-16,-1 0 15,0 0 1,1 0-16,-1 0 16,1 0-16,-1 0 15,0-24 1,1 24 0,-25-25-1</inkml:trace>
-  <inkml:trace contextRef="#ctx0" brushRef="#br0" timeOffset="39196">8650 1588 0,'0'24'78,"24"-24"-62,1 0-16,-1 0 15,1 0-15,24 0 0,-25 0 16,0 25-16,1-25 15,-1 0-15,1 0 16,-25 24 0,0 1-1,-25-25-15,1 24 0,-1-24 16,1 24-16,0 1 16,-1-1-16,1 1 0,-1-1 15,1 1-15</inkml:trace>
-  <inkml:trace contextRef="#ctx0" brushRef="#br0" timeOffset="44320">224 440 0,'-24'0'31,"24"24"-31,-25-24 16,1 25-16,-1-25 0,1 24 16,0 1-16,24-1 15,-25 1-15,1 23 0,-1-23 16,25 24-16,0 0 0,0-25 15,0 25-15,0-25 16,25 1-16,-1-1 0,25 0 16,-25 1-16,25-25 15,-24 0-15,24 0 0,-25-25 16,25 1-16,-25 0 0,1-1 16,-1 1-16,-24-1 15,0 1-15,0 0 0,0-25 16,0 24-16,-24 1 15,-1-1-15,1 1 0,-25 0 16,25-1-16,-25 25 16,0 0-16,24 0 0,1 0 15,0 0-15,-1 0 0,1 25 16,24-1 0,24 0-16,1-24 15</inkml:trace>
-  <inkml:trace contextRef="#ctx0" brushRef="#br0" timeOffset="44860">395 367 0,'0'-25'16,"0"1"-16,0-1 15,24 25 1,-24 25 0,0-1-16,25 1 0,-25 24 15,24-1-15,-24 1 16,25 0-16,-25 24 0,24-24 16,1 24-16,-25-24 0,24 25 15,-24-26-15,24 1 16,1-24-16,-25 24 0,24-25 15,-24 0-15,25 1 16,-25-1-16,0-48 16,-25-1-1,25 1 1,-24 0-16,-1-1 0,1 1 16,0-1-16,-1-24 15,25 1-15,0-1 0,0 24 16,0-24-16,0 1 0,25 23 15,-1-24-15,0 25 16,25 24-16,-24-24 0,24 24 16,-25 0-16,0 24 15,-24 0-15,0 1 16,0-1-16,0 1 0,-24-1 16,0 0-16,-1 1 15,1-1-15,-1-24 0,1 0 16,-1 25-16,25-50 31</inkml:trace>
-  <inkml:trace contextRef="#ctx0" brushRef="#br0" timeOffset="45227">932 635 0,'25'0'0,"-25"25"31,24-25 16,1 0-47,-1 0 16,1 0 0,-1-25-16,0 25 0,1-24 15,-1 24-15,1-24 0,-25-1 16,0 1-1,-25 24-15,1-25 16,-1 25-16,1 0 16,0 0-16,-1 0 0,1 0 15,-1 0-15,1 25 16,-1-1-16,25 1 0,0-1 16,0 0-16,0 1 0,0-1 15,25 25-15,-1-25 16,1-24-16,-1 25 0,25-25 15,-25 0-15</inkml:trace>
-  <inkml:trace contextRef="#ctx0" brushRef="#br0" timeOffset="45561">1372 562 0,'-24'-24'0,"-1"-1"0,1 25 16,-1-24-16,1 24 0,24-25 15,24 50 1,1-25 0,-1 24-16,25 1 0,0-1 15,-25 1-15,25-1 16,-24 0-16,-1 1 0,0-1 16,-24 1-16,0-1 15,0 1-15,-24-25 16,0 0-1,24-25-15,-25 25 16,25-24-16,0-1 0,-24-24 16,24 25-16,0-25 15,24 25-15,-24-25 0,25 24 16,-1 1-16,-24-25 0,24 25 16,1 24-16,-1-25 15</inkml:trace>
-  <inkml:trace contextRef="#ctx0" brushRef="#br0" timeOffset="45772">1812 220 0,'0'-24'31,"0"-1"-31,0 50 32,0-1-17,0 1-15,0-1 0,24 25 16,-24 0-16,24 0 15,1-1-15,-25 1 0,24 0 16,1 0-16,-25-25 16,0 25-16,24-24 0,-24-1 15,0 0-15</inkml:trace>
-  <inkml:trace contextRef="#ctx0" brushRef="#br0" timeOffset="46324">1836 587 0,'-24'-25'16,"24"1"0,24 24-1,0 0-15,1-25 0,24 25 16,0 0-16,-1 0 16,1-24-16,25 24 0,-26 0 15,1-25-15,-24 25 16,23-24-16,-23 24 0,-1-24 15,-24-1 1,-24 25 0,-1 0-16,25-24 15,-24 24-15,0 0 0,-1 0 16,1 0-16,-1 24 0,1 1 16,24-1-1,0 0-15,0 1 16,0-1-16,0 1 0,0-1 15,24 1-15,1-1 16,-1-24-16,1 24 0,-1-24 16,0 25-16,1-25 0,-1 0 15,1 0-15,-1-25 16,-24 1-16,25 0 16,-25-1-16,0 1 15,0-1-15,0 1 16,0-1-1,24 25-15,0 25 16,1-1-16,-25 1 16,24-1-16,-24 1 15,25-1-15,-25 0 0,0 1 16,0-1-16,24-24 0,-24 25 16,-24-50-1</inkml:trace>
-  <inkml:trace contextRef="#ctx0" brushRef="#br0" timeOffset="46930">2593 318 0,'0'-25'0,"-24"25"0,-1-24 16,1 24-16,24-24 15,24 48 16,-24 0-31,25 1 16,-1-1-16,1 25 0,-25 0 16,24 0-16,0 0 0,1 0 15,-1-1-15,-24 1 16,25-24-16,-25-1 0,24 25 16,-24-25-16</inkml:trace>
-  <inkml:trace contextRef="#ctx0" brushRef="#br0" timeOffset="47277">2618 661 0,'0'-25'0,"-25"1"15,1 0-15,24-1 16,0 1-16,24 24 16,1 0-1,-1 0-15,0 0 0,1 0 16,24 0-16,-25 0 0,1 0 15,-1 0-15,0 0 16,1 0-16,-1 0 16,-24-25-1,0 1 1,25 24 15,-1 24-15,0 1-16,-24-1 15,25 25-15,-25-25 0,24 1 16,-24 24-16,25-25 16,-25 1-16,24-1 0,-24 0 15,25 1-15</inkml:trace>
-  <inkml:trace contextRef="#ctx0" brushRef="#br0" timeOffset="47434">2959 245 0,'-24'-25'0,"0"25"15,24 25 1,0-1 0,24 0-16</inkml:trace>
-  <inkml:trace contextRef="#ctx0" brushRef="#br0" timeOffset="48269">3057 440 0,'0'24'15,"25"-24"-15,-1 0 32,0 0-17,-24 25 1,25-25-16,-25 24 0,24 1 15,-24-1-15,25 1 16,-1-1-16,-24 0 0,0 1 16,25-1-16,-25 1 15,0-50 17,0 1-17,0-1-15,24 1 16,-24 0-16,0-1 0,24 1 15,-24-1-15,0 1 16,25-1-16,-1 25 16,1 0-1,-1 25 1,1-25-16,-1 24 0,0-24 16,1 25-16,-1-25 15,1 24-15,24-24 0,-25 0 16,0 0-16,1 0 15,-1 0-15,1-24 0,-1 24 16,-24-25-16,24 1 0,1 24 16,-25-25-16,0 1 15,24 0-15,-24-1 0,0 1 16,-24 24 0,-1 0-16,1 0 15,0 0-15,-1 0 16,25 24-16,-24-24 15,24 25 1,24-25 0,1 24-1,-1-24-15,0 0 16,-24 24 0,25-24-16,-1 25 0,1-1 15,-25 1-15,24-1 16,1 1-16,-1 23 15,-24 1-15,24-24 0,1 23 16,-1 1-16,1 0 16,-1 0-16,-24-25 0,25 1 15,-25-1-15,0 1 16,-25-25-16,1 0 16,-1-25-16,1 25 0,-1-24 15,1-25-15,24 25 16,-24-1-16,24-24 0,0 25 15,0-1-15,0 1 0,24 0 16,0 24-16,1-25 16,-1 25-16,1-24 0,-1 24 15</inkml:trace>
-  <inkml:trace contextRef="#ctx0" brushRef="#br0" timeOffset="48802">4425 220 0,'-25'0'0,"1"-24"16,0-1-16,-1 1 16,1 24-1,48 0 1,-24 24-16,25 1 15,-1 24-15,-24-25 16,24 25-16,1 0 0,-1 24 16,1-24-16,-1 24 15,1-24-15,-1 0 0,0 0 16,-24-1-16,25 1 0,-25-24 16,0 24-16,0-25 15,-25-24 1,1 0-16,0-24 15,-1-1-15,1-24 16,-1 0-16,25 25 0,-24-49 16,24 24-16,0 0 15,0 0-15,24 0 0,1 25 16,-1-25-16,1 25 16,-1 24-16,25 0 0,-25 0 15,1 24-15,-1-24 0,1 25 16,-1-1-16,0 0 15,-24 1-15,0-1 0,-24 1 16,0-1-16,-1 1 16,1-25-16,-1 24 15,25-48 1,25 24 0,-1-25-16</inkml:trace>
-  <inkml:trace contextRef="#ctx0" brushRef="#br0" timeOffset="49757">4816 464 0,'24'0'15,"-24"-24"-15,24 0 0,1 24 16,-25-25-16,24 25 16,-24-24-16,25-1 15,-1 25 1,1 0-16,-1 25 16,0-25-16,-24 24 15,25 1-15,-25-1 16,0 0-16,24 1 0,-24-1 15,0 1-15,0-1 0,25 1 16,-25-1 0,24-24-16,-24-24 31,0-1-31,0 1 16,0-1-16,0 1 15,0-1-15,0 1 0,0 0 16,25-1-16,-1 1 0,0 24 15,1-25-15,24 1 16,-25 24-16,1 0 0,-1 0 16,0 0-16,1 0 0,-25 24 31,0 1-15,-25-25-16,1 0 15,0 0 1,24 24-1,-25 1 1,25-1-16,-24 0 16,24 1-16,0-1 15,0 1-15,24-1 0,-24 1 16,25-1-16,-1-24 0,0 24 16,1-24-16,24 0 15,-25 0-15,25 0 0,-25 0 16,1-24-16,-1 0 15,1 24-15,-1-25 0,-24 1 16,0-1-16,0 1 0,0-25 16,-24 25-16,-1-1 15,-24 1-15,25-1 0,0 1 16,-1-1-16,1 25 0,-1-24 16,25 48 15,25-24-16,-25 25-15,24-25 0,1 0 16,23 0-16,-23 0 16,-1 0-16,25 0 15,-25 0-15,1-25 0,-1 25 16,25-24-16,-24 0 16,-1-1-16,0-24 15,-24 25-15,0 0 16,0-1-16,0 1 0,-24-1 15,24 1-15,-24 24 0,-1 0 16,1 0 0,24 24-16,0 1 15,0 24-15,24-1 0,-24 1 16,25 24-16,-1-24 16,0 25-16,25-1 0,-24-24 15,-1 24-15,25-24 16,-49 0-16,24-1 0,-24-23 15,0-1-15,0 1 16,0-1-16,-48-24 16</inkml:trace>
-  <inkml:trace contextRef="#ctx0" brushRef="#br0" timeOffset="50086">5817 513 0,'0'-24'0,"24"-1"16,1 25-16,-1 0 15,1 0 1,-1 0-16,1 0 0,23 0 16,-23 0-16,-1 0 0,1 0 15,24 0-15,-25 0 16,0 0-16,1-24 0,-1 24 16,-24-24-1,0-1-15,0 1 16,0-1-16,0 1 15,25 24 1,-25 24 0,0 1-1,24-1-15,-24 1 0,0-1 16,24 25-16,-24-25 0,25 1 16,-25-1-16,24 1 15,-24-1-15,25-24 0,-1 0 16</inkml:trace>
-  <inkml:trace contextRef="#ctx0" brushRef="#br0" timeOffset="50242">6354 220 0,'-24'-49'0,"-25"25"16,25-25-16,-1 25 0,1 24 15,24-25-15,24 25 31,-24 25-31,25-25 16,-1 0-16</inkml:trace>
-  <inkml:trace contextRef="#ctx0" brushRef="#br0" timeOffset="50464">6452 98 0,'0'-24'0,"24"24"0,-24-25 15,25 25-15,-25-24 0,24 24 16,-24-25-1,0 50-15,25-25 16,-25 24-16,0 1 16,24 23-16,-24 1 0,25-24 15,-1 24-15,-24 24 16,24-24-16,1 0 0,-1-1 16,1 1-16,-1 0 0,25-24 15,-25-1-15,1 0 16,-1 1-16,1-25 0</inkml:trace>
-  <inkml:trace contextRef="#ctx0" brushRef="#br0" timeOffset="50622">6623 245 0,'-24'0'0,"-1"24"0,1-24 15,24 24-15,0 1 16,24-25-16,25 24 0,-25-24 15,25 0-15,25 0 16,-26 0-16,26 0 0</inkml:trace>
-  <inkml:trace contextRef="#ctx0" brushRef="#br0" timeOffset="51844">1665 1295 0,'0'-25'0,"0"1"0,24 24 15,-24 24 32,0 1-31,0-1-16,0 1 15,25-1 1,-25 0-16,0 1 16,0-1-1,0 1-15,0-1 0,24 1 16,-24-1-16,0 0 0,0 25 15,25-24-15,-25-1 16,24 25-16,-24-25 0,25 25 16,-25-24-16,0-1 15,24 1-15,-24-1 0,0 0 16,0 1-16,0-1 0,0 1 16,24-1-1,-24 1-15,0-1 16,25-24-16,-25 24 15,24-24 1,1 0 0,-25 25-1,24-25-15,1 0 16,-1-25 0,0 25-16,1 0 15,-1 0-15,1 0 0,-1-24 16,25 24-16,-25 0 15,1 0-15,24 0 0,-25 0 16,1-24-16,-1 24 0,0 0 16,1-25-1,-25 50 32,-25-25-31,25 24-16</inkml:trace>
-  <inkml:trace contextRef="#ctx0" brushRef="#br0" timeOffset="54696">1958 2174 0,'-24'0'15,"24"-24"48,0 48-1,0 0-46,0 1-16,0-1 15,0 1-15,24-1 0,-24 1 16,0 23-16,25-23 16,-25-1-16,0 25 0,24-24 15,-24-1-15,0 25 16,0-25-16,24 1 0,-24 23 16,0-23-16,0 24 0,0-25 15,0 25-15,0 0 16,0-25-16,25 25 0,-25-24 15,24 23-15,-24-23 16,25-1-16,-1 1 0,1-1 16,-1 25-16,-24-25 0,24 1 15,-24-1-15,25 1 16,-25-1-16,24 1 0,-24-1 16,0 25-16,25-25 15,-25 1-15,0-1 0,0 0 16,0 1-16,0 24 0,0-25 15,0 1-15,0-1 16,0 0-16,0 1 16,0-1-1,0 1-15,0-1 0,0 1 16,0-1-16,0 0 16,24 1-1,-24-1-15,0 1 0,0-1 16,0 0-16,0 1 15,0-1-15,0 1 16,0-1-16,0 1 16,0-1-1,0 0-15,0 1 0,0-1 16,0 1 0,0-1-16,0 1 0,0-1 15,0 0-15,0 1 16,0-1-16,-24-24 15,24 25-15,0-1 16,0 1-16,0-1 16,0 0-1,0 1-15,0-1 16,0 1 0,0-1-1,0 1 1,0-1-16,0 0 15,24 1 1,-24-1 0,25 1-16,-25-1 15,0 0 1,0 1 0,24-25-16,-24 24 31,24-24 0,-24 25-15,0-1 15,0 1-31,0-1 31,25-24-15,-1 0-1,-24 24-15,25-24 16,-25 25 15,0-1 1,0 1 14,-25-25-30,25 24-16,25-24 63,-1-24-48,0 24 1,1 0-16,-25-25 15,24 25-15,1 0 0,-1 0 16,1 0-16,-1 0 0,0-24 16,25 24-16,-24 0 15,-1-25-15,25 25 0,-25-24 16,1 24-16,-1 0 16,1 0-1,-1 0 16,0 0 1,1-24-17,-1 24 63,1 0-62,-1 0 0,1 0 15,-50 0 0</inkml:trace>
-  <inkml:trace contextRef="#ctx0" brushRef="#br0" timeOffset="55278">3350 4616 0,'-24'0'62,"-1"0"-62,1 0 16,24 25-1,-24-1-15,-1-24 0,25 25 16,0-1-16,-24 0 0,24 1 16,0-1-1,24 1-15,1-1 0,-1-24 16,0 0-1,25 0-15,-24 0 0,24 0 16,-25 0-16,25-24 0,-25-1 16,1 25-16,-1-24 15,0-1-15,-24 1 0,0 0 16,0-1-16,0-24 16,-24 25-16,0-1 0,-1 1 15,1 24-15,-25-24 0,25 24 16,-1-25-16,1 25 15,-1 0-15,1 25 0,24-1 16,0 0-16,0 1 16,24-25-1,1 0-15</inkml:trace>
-  <inkml:trace contextRef="#ctx0" brushRef="#br0" timeOffset="55782">3643 4421 0,'0'-24'16,"0"-1"0,25 25-16,-1 0 31,-24 25-15,25-1-16,-25 0 0,24 25 15,-24-24-15,24 24 16,1-1-16,-1 1 0,1 0 15,-1 0-15,1 24 0,-1-24 16,-24-25-16,24 25 16,-24-24-16,0-1 0,0-48 31,0-1-15,0 1-16,-24-1 0,0 1 15,24 0-15,-25-25 16,1 24-16,24-24 0,-25 25 15,25-25-15,0 25 16,25-25-16,-1 25 0,-24-1 16,25 1-16,-1-1 0,25 25 15,-25 0-15,1 0 16,-1 0-16,1 0 0,-1 25 16,-24-1-16,24-24 15,-24 25-15,0-1 0,0 0 16,0 1-16,-24-25 0,0 24 15,-1-24-15,1 25 16,-1-25-16,1 0 0,-25 0 16,25 0-16,-1 0 15,25-25-15</inkml:trace>
-  <inkml:trace contextRef="#ctx0" brushRef="#br0" timeOffset="56371">4498 4567 0,'-24'0'15,"48"0"32,1 0-16,-1 0-31,0 0 16,1 0 0,-1 0-16,1 0 15,-25-24-15,24 24 16,-24-24-16,25 24 16,-25-25-16,0 1 0,0-1 15,-25 1 1,1 0-16,-1 24 15,1 0-15,-25 0 0,25 0 16,-1 0-16,1 24 16,-1-24-16,25 24 0,-24 25 15,24-24-15,24-1 16,1 25-16,-1-25 0,1 1 16,-1 24-16,25-25 0,0-24 15,-25 24-15,25-24 16,0 0-16,-25 0 0,1 0 15,24-24-15,-25 24 16,0-24-16,-24-1 0</inkml:trace>
-  <inkml:trace contextRef="#ctx0" brushRef="#br0" timeOffset="56641">4987 4372 0,'0'-24'0,"24"-1"16,0 25 0,-24 25-16,25-1 15,-25 1-15,24-1 16,1 0-16,-1 1 0,1-1 16,23 1-16,-23-1 15,24 0-15,-25 1 0,25-25 16,-25 24-16,1-24 0,-1 25 15,-24-50 1,-24 25 0,-1-24-16,1 24 15</inkml:trace>
-  <inkml:trace contextRef="#ctx0" brushRef="#br0" timeOffset="56838">5280 4421 0,'24'-24'0,"-24"-1"31,-24 25-31,-1 0 16,1 25 0,-1-25-16,25 24 0,-24 0 15,0 1-15,-1 24 0,25-25 16,-24 25-16,24 0 16,-25-25-16,25 25 0,0 0 15,0-25-15,-24 1 16,24-1-16,0 1 0</inkml:trace>
+  <inkml:trace contextRef="#ctx0" brushRef="#br0">52 53 0,'0'-26'31,"-26"26"-15,26 26 15,-26-26-15,26 26-16,0-1 15,0 1 1,0 0-16,0 0 16,0 0-16,0 0 15,0 0-15,26 0 16,-26 0-16,26 0 15,0 0 1,0 0 0,0-26-1</inkml:trace>
+  <inkml:trace contextRef="#ctx0" brushRef="#br0" timeOffset="444">467 27 0,'0'-26'0,"26"26"32,0 0-1,-26 26-31,26-26 15,-26 26-15,0 0 0,26-1 16,-26 1-16,26 0 16,-26 0-16,25 0 15,-25 0-15,0 0 16,0 0-16,-25 0 16,-1-26-16,26 26 0,-26-26 15,0 26-15,0-26 16,0 0-16</inkml:trace>
+</inkml:ink>
+</file>
+
+<file path=ppt/ink/ink30.xml><?xml version="1.0" encoding="utf-8"?>
+<inkml:ink xmlns:inkml="http://www.w3.org/2003/InkML">
+  <inkml:definitions>
+    <inkml:context xml:id="ctx0">
+      <inkml:inkSource xml:id="inkSrc0">
+        <inkml:traceFormat>
+          <inkml:channel name="X" type="integer" max="1920" units="cm"/>
+          <inkml:channel name="Y" type="integer" max="1080" units="cm"/>
+          <inkml:channel name="T" type="integer" max="2.14748E9" units="dev"/>
+        </inkml:traceFormat>
+        <inkml:channelProperties>
+          <inkml:channelProperty channel="X" name="resolution" value="55.81395" units="1/cm"/>
+          <inkml:channelProperty channel="Y" name="resolution" value="55.6701" units="1/cm"/>
+          <inkml:channelProperty channel="T" name="resolution" value="1" units="1/dev"/>
+        </inkml:channelProperties>
+      </inkml:inkSource>
+      <inkml:timestamp xml:id="ts0" timeString="2020-12-14T06:08:32.320"/>
+    </inkml:context>
+    <inkml:brush xml:id="br0">
+      <inkml:brushProperty name="width" value="0.05" units="cm"/>
+      <inkml:brushProperty name="height" value="0.05" units="cm"/>
+      <inkml:brushProperty name="fitToCurve" value="1"/>
+    </inkml:brush>
+  </inkml:definitions>
+  <inkml:trace contextRef="#ctx0" brushRef="#br0">233 728 0,'26'0'31,"0"0"-15,0 0-16,0-26 15,0 26-15,0-26 16,0 26-16,-1-26 0,27 26 15,0-26-15,-26 0 16,26 26-16,0-26 0,-26 26 16,26-26-16,-27 26 0,27-26 15,-26 26-15,0 0 16,0-25-16,0 25 0,0 0 31</inkml:trace>
+  <inkml:trace contextRef="#ctx0" brushRef="#br0" timeOffset="646">0 261 0,'26'0'16,"0"-26"-16,0 26 16,0-26-1,-1 26-15,27-26 0,-26 26 16,26-25-16,0-1 0,0 26 15,0-26-15,25 0 16,-25 0-16,0 26 0,0-26 16,0 26-16,-26-26 15,0 26-15</inkml:trace>
+  <inkml:trace contextRef="#ctx0" brushRef="#br0" timeOffset="73705">3836 857 0,'26'0'16,"-26"-26"15,0 1 0,0-1 0,26 26-15,0 0-16,-1 0 16,1 0-1,0 0-15,0 0 16,-26 26-1,26-26-15,-26 25 16,-26-25 0,0 0-1,0 0-15,26 26 16,-26-26-16,1 0 16,-1 0-16,0 0 15,0-26 1,26 1 15,0-1-15,0 0-1,26 26-15,0 0 16,0 0 0,-1 0-1,1 0 1,-26 26-16,0 0 31,-26-1-15,1-25-1,-1 0 1,0 0-16,0 0 16,26-25 30,26-1-30,0 26 0,0 0-16,-1 0 15,1 0 1,0 26 0,-26-1-1</inkml:trace>
+  <inkml:trace contextRef="#ctx0" brushRef="#br0" timeOffset="74917">3654 417 0,'0'26'31,"26"-26"-15,-26 26-16,26 0 16,-26-1-1,26 1 1,-26 0 0,26-26-1,-26-26 32,0 0-31,-26 26-16,26-25 15,-26 25-15,26-26 16,-26 0 0,26 0-16,0 0 15,0 0 1,0 0-1,0 0-15,26 26 16,-26-26 0,26 26-16,0 0 15,0 0-15,-26-26 16,26 26-16,0 0 0,0 0 16,0 26-16,0-26 15,-26 26 1,25 0-16,-25 0 31,-25-26-31,25 26 0,-26-26 16,0 26-1,0-26 1,0 26-16,0-26 16,52 0 62,0 0-63,0-26 1,0 26-16,0 0 16,-1 0-16,1 0 15,0 0 1,0 26-1,0 0 1,-26 0-16,0-1 31,0 1-31,-26 0 32,0-26-32,26 26 15,-26-26-15,0 0 0,26 26 16,-25-26-16,-1 0 15,0 0-15,0 0 16,0 0-16,26-26 16,-26 26-1,0 0 1</inkml:trace>
+  <inkml:trace contextRef="#ctx0" brushRef="#br0" timeOffset="76873">1685 2179 0,'25'0'31,"-25"26"-15,26 0 0,-26 0-1,0 0 1,0 0 0,26 0-16,-26 0 15,0 0 1,0-1-1,0-50 48,0-1-47,0 0-1,-26 0-15,26 0 16,0 0-16,0 0 15,0 0-15,0 0 16,0 0-16,26 0 16,-26 0-1,26 26-15,0-25 32,0 25-17,-26 25 1,26-25-16,-26 26 15,26-26-15,-26 26 0,26 0 16,0 0 0,-26 0-16,26 0 15,-26 0 1,26 0 0,-26 0-1,26-26-15,-26 26 16</inkml:trace>
+  <inkml:trace contextRef="#ctx0" brushRef="#br0" timeOffset="77168">1788 2309 0,'26'0'47,"-26"-26"-31,26 26-1,0-26 1,0 26-1,0-26 1,0 26-16,0-26 16,0 26 15</inkml:trace>
+</inkml:ink>
+</file>
+
+<file path=ppt/ink/ink31.xml><?xml version="1.0" encoding="utf-8"?>
+<inkml:ink xmlns:inkml="http://www.w3.org/2003/InkML">
+  <inkml:definitions>
+    <inkml:context xml:id="ctx0">
+      <inkml:inkSource xml:id="inkSrc0">
+        <inkml:traceFormat>
+          <inkml:channel name="X" type="integer" max="1920" units="cm"/>
+          <inkml:channel name="Y" type="integer" max="1080" units="cm"/>
+          <inkml:channel name="T" type="integer" max="2.14748E9" units="dev"/>
+        </inkml:traceFormat>
+        <inkml:channelProperties>
+          <inkml:channelProperty channel="X" name="resolution" value="55.81395" units="1/cm"/>
+          <inkml:channelProperty channel="Y" name="resolution" value="55.6701" units="1/cm"/>
+          <inkml:channelProperty channel="T" name="resolution" value="1" units="1/dev"/>
+        </inkml:channelProperties>
+      </inkml:inkSource>
+      <inkml:timestamp xml:id="ts0" timeString="2020-12-14T06:05:05.188"/>
+    </inkml:context>
+    <inkml:brush xml:id="br0">
+      <inkml:brushProperty name="width" value="0.05" units="cm"/>
+      <inkml:brushProperty name="height" value="0.05" units="cm"/>
+      <inkml:brushProperty name="fitToCurve" value="1"/>
+    </inkml:brush>
+  </inkml:definitions>
+  <inkml:trace contextRef="#ctx0" brushRef="#br0">1814 907 0,'0'26'31,"-26"-26"-15,52 0 47,0 0-63,26-26 15,-27 26-15,1 0 16,26-26-16,-26 26 0,26 0 15,0 0-15,-26-26 16,26 26-16,-27 0 0</inkml:trace>
+  <inkml:trace contextRef="#ctx0" brushRef="#br0" timeOffset="2218">2462 622 0,'0'26'47,"0"-1"-47,0 1 16,0 0-16,0 0 15,0 0-15,0 26 16,0-26-16,0 0 0,26 0 16,-26 0-16,0 0 0,0 0 15,0-1-15,0 1 16</inkml:trace>
+  <inkml:trace contextRef="#ctx0" brushRef="#br0" timeOffset="2833">2384 673 0,'-26'-51'15,"26"25"-15,0 0 0,-26 0 16,26 0-16,0 0 0,0 0 16,26-26-16,-26 26 15,26 0-15,0 26 0,0-25 16,0-1-16,0 26 0,0-26 16,25 26-16,-25 0 15,26 0-15,-26 26 0,0-26 16,0 26-16,0-1 15,0 1-15,-26 0 0,0 0 16,0 0-16,0 0 16,0 0-16,-26 0 15,0 0-15,0 0 16,0-26-16,26 26 16,-26-26-16,0 26 0,0-26 15,52 0 16,0 0-15,0 0 0,0 0-16,0 0 0,0 0 15,0 0-15,26 0 0,-26 0 16,-1 25-16,27 1 16,-26-26-16,-26 26 0,26 0 15,-26 0-15,0 0 16,0 0-16,0 0 0,0 0 15,-26 0-15,0 0 0,0-26 16,0 26-16,1-26 16,-27 26-16,26-26 0,0 0 15,0 0-15,0-26 16,0 26-16,0 0 0,0 0 16,26-26-16,0 0 31</inkml:trace>
+  <inkml:trace contextRef="#ctx0" brushRef="#br0" timeOffset="3275">3110 622 0,'0'-26'31,"0"52"16,0 0-47,0-1 16,26 1-16,-26 0 0,26 0 15,-26 0-15,25 0 16,-25 0-16,26-26 0,0 26 16,0-26-1,0 0-15,0 0 16,0-26-16,-26 0 16,26 0-16,-26 0 0,0 0 15,0 0-15,0 0 0,0 1 16,0-27-16,0 26 15,0 0-15,0 0 0,-26 0 16,0 26 0,26 26-1</inkml:trace>
+  <inkml:trace contextRef="#ctx0" brushRef="#br0" timeOffset="3954">3887 596 0,'0'-26'16,"0"0"-1,0 0 17,26 26-32,-26-26 0,0 0 15,-26 26-15,0-26 16,0 26 0,1 0-16,-1 0 15,0 0-15,0 26 16,0 0-16,0 0 15,0 0-15,26 0 16,0 0-16,-26 0 0,26 0 16,0-1-16,26 1 0,0 0 15,-26 0 1,26-26-16,0 0 16,0 0-16,0 0 0,0 0 15,-1-26 1,1 26-16,0-26 0,0 0 15,0 1 1,-26-1-16,0 0 0,0 0 16,0 0-16,0 0 15,0-26-15,-26 26 0,26 0 16,-26-26-16,26 27 0,-26-27 16,26 26-16,0 0 15,-26 0-15,26 52 31,26-26-31,-26 26 16,0 26-16,26-26 0,-26-1 16,26 27-16,-26-26 15,26 26-15,-26-26 0,26 26 16,-26-26-16,0 0 0,26 0 16,-26-1-16,0 1 15,0 0-15,26-26 0</inkml:trace>
+  <inkml:trace contextRef="#ctx0" brushRef="#br0" timeOffset="4674">4302 518 0,'0'-26'0,"0"0"15,0 0 1,26 0-16,-26 0 16,0 0-16,-26 26 15,0-25-15,26-1 16,-26 26-16,0 0 16,0 0-16,26 26 15,-26-26-15,26 25 16,-26 1-16,26 0 0,0 0 15,0 26-15,0-26 0,0 0 16,0 0-16,26-26 16,-26 26-16,26-26 0,0 26 15,0-26-15,0-26 16,0 26-16,-26-26 16,26 26-16,0-26 0,-26 0 15,26 0 1,-26 0-16,0 0 15,-26 26-15,26-26 16,-26 26-16,26 26 16,0 0-16,0 0 15,0 0-15,0 0 16,0 26-16,26 0 0,-26-1 16,26 1-16,-26 0 0,26 0 15,0 0-15,-26-26 16,25 26-16,-25-1 0,0-25 15,0 0-15,0 0 16,0 0-16,-25-26 0,-1 26 16,0-26-16,0 0 0,0-26 15,0 26 1,0-26-16,0 0 0,26 0 16,-26 0-16,26-25 15,0 25-15,0 0 0,0 0 16,0 0-16,0 0 15,26 0-15,0 26 16,0-26-16,0 26 16,0 0-16,0 0 15,-26-26-15,26 26 16</inkml:trace>
+  <inkml:trace contextRef="#ctx0" brushRef="#br0" timeOffset="5226">4613 518 0,'-26'0'15,"26"-26"1,26 26 31,0 0-32,0 0-15,0 0 16,0 0 0,0 0-16,-1-26 0,1 26 15,0-26-15,-26 0 16,26 0-16,-26 0 15,-26 1 1,0-1 0,0 26-16,26-26 0,-25 26 15,-1 0-15,0 0 16,0 0-16,0 26 0,0 0 16,26-1-16,0 1 15,0 0 1,0 0-16,0 0 0,26 0 15,-26 0-15,26 0 0,0 0 16,0-26-16,-26 26 16,26 0-16,-1-26 0,1 0 15,0 26-15,0-26 16,0 0-16,0 0 0,0-26 16,0 26-16,0 0 15,0-26-15,0 26 0,-26-26 16,26 0-16,0 0 0,-26 0 15</inkml:trace>
+  <inkml:trace contextRef="#ctx0" brushRef="#br0" timeOffset="5588">5002 51 0,'-26'-25'0,"26"-1"16,-26 26-16,26 26 31,26-1-15,-26 1-1,26 0-15,-26 0 0,26-26 16,-26 26-16,26 0 0,-26 0 16,26 0-16,-26 0 15,25 26-15,1-26 0,-26-1 16,0 27-16,26-26 15,-26 0-15,26 0 0,-26 0 16,26 0-16,-26 0 0,26-26 16,0 0-16,0 26 15,0-26-15,0-26 16,0 26-16,0-26 16,-1 0-16,1 26 0,0-26 15,0 0-15,-26-26 0,0 26 16</inkml:trace>
+  <inkml:trace contextRef="#ctx0" brushRef="#br0" timeOffset="5789">4976 233 0,'-26'0'15,"0"0"-15,0 0 16,52 0-1,0 0-15,0 0 0,0-26 16,0 26-16,26 0 16,-27-26-16,1 26 0,26 0 15,-26-26-15,0 26 16</inkml:trace>
+  <inkml:trace contextRef="#ctx0" brushRef="#br0" timeOffset="7845">2462 1736 0,'26'0'0,"-26"-26"16,26 26-16,0 26 47,-26 0-47,0 0 15,0 0-15,0 0 0,25 26 16,-25-26-16,0 25 0,0-25 16,26 0-16,-26 0 15,26 26-15,-26-26 0,26 0 16</inkml:trace>
+  <inkml:trace contextRef="#ctx0" brushRef="#br0" timeOffset="8091">2540 1762 0,'-26'-26'0,"0"0"16,0 26-16,26-26 15,0 0-15,0 0 0,0 1 16,0-1-16,26 26 0,0-26 16,0 0-16,-1 0 15,27 0-15,-26 0 0,26 26 16,0-26-16,0 26 16,-26 0-16,25 0 0,1 0 15,-26 0-15,0 26 0,0-26 16,-26 26-16</inkml:trace>
+  <inkml:trace contextRef="#ctx0" brushRef="#br0" timeOffset="8291">2669 1866 0,'26'-26'31,"0"26"-15,0 0-16,0-26 16,0 26-16,0-26 0,0 26 15,25-26-15,-25 26 16,0 0-16</inkml:trace>
+  <inkml:trace contextRef="#ctx0" brushRef="#br0" timeOffset="8715">3239 1762 0,'-26'0'16,"0"0"-1,26 26-15,-25-26 16,-1 26-16,26 0 15,0 0 1,-26 0-16,26 0 0,0-1 16,0 1-16,26 0 15,-26 0-15,26 0 0,-26 0 16,25 0-16,1-26 0,0 26 16,0-26-16,0 0 15,0-26-15,0 26 16,0-26-16,0 0 15,-26 0-15,26 0 0,-26 0 16,0 0-16,0 1 0,0-27 16,-26 26-16,26 0 15,-26 0-15,0 0 0,0 26 16,26-26-16,-26 26 0,0 0 16,0 0-16,0 0 15,26 26-15</inkml:trace>
+  <inkml:trace contextRef="#ctx0" brushRef="#br0" timeOffset="9123">3524 1736 0,'-26'0'15,"1"0"-15,-1 0 32,52 0-17,-1 26 1,-25 0-16,26 0 16,0-26-16,0 26 0,-26 0 15,26 0-15,0 0 16,0-26-16,-26 25 0,26-25 15,-26 26-15,-26-52 32,26 1-17,-26 25-15,26-26 16,0 0-16,-26 0 0,26 0 16,0-26-16,26 26 0,-26 0 15,26 0-15,0 26 16,0-26-16,0 26 0,0 0 15,0 0 1</inkml:trace>
+  <inkml:trace contextRef="#ctx0" brushRef="#br0" timeOffset="9605">3939 1762 0,'0'26'0,"-26"-26"31,26-26-15,26 26-1,0 0 1,0 0-1,0 26 1,0-26-16,0 0 16,-26-26-16,26 26 15,0-26-15,-1 0 16,-25 0-16,0 0 16,0 0-1,-25 26-15,-1 0 16,26-25-16,-26 25 15,0 0-15,0 0 0,0 25 16,0-25-16,0 26 16,26 0-16,-26-26 0,26 26 15,0 0-15,0 0 0,0 0 16,0 26-16,26-26 16,0 0-16,0 0 15,26-1-15,-26-25 0,0 26 16,0-26-16,-1 0 15,27 0-15</inkml:trace>
+  <inkml:trace contextRef="#ctx0" brushRef="#br0" timeOffset="9952">4613 1581 0,'-26'-26'15,"0"26"1,0-26-16,0 26 16,0 0-16,0 0 15,1 0-15,-1 26 16,0 0-16,0-26 15,26 26-15,-26-1 0,26 1 16,0 0-16,0 0 16,0 0-16,0 0 0,0 0 15,26 0-15,0 0 16,0-26-16,0 26 0,-1-26 16,27 0-16,0 0 15,-26 0-15,26 0 0</inkml:trace>
+  <inkml:trace contextRef="#ctx0" brushRef="#br0" timeOffset="10804">5028 1529 0,'0'-26'0,"0"0"16,-26 26-1,26-26-15,-26 26 16,0 0 0,0 0-16,0 0 15,0 0-15,26 26 16,-26-26-16,0 26 0,26 0 16,-26 0-16,26 0 15,-26 0-15,26-1 0,0 1 16,0 0-1,0 0-15,26 0 0,0 0 16,0-26-16,0 0 16,0 0-16,0 0 15,0 0-15,0-26 16,0 0 0,-26 0-16,26 0 15,-26 0-15,0 1 16,0-1-1,0 52 17,0-1-17,0 1-15,26 0 16,-26 0 0,26-26-16,-26 26 0,25-26 15,1 0-15,-26 26 16,26-26-16,0 0 0,0-26 15,0 26-15,0-26 0,0 0 16,-26 0-16,26 0 16,0 1-16,-26-1 0,26 0 15,-26-26-15,26 26 16,-26 0-16,0 0 0,0 0 16,0 0-16,-26 26 0,0 0 15,0 0 1,0 0-16,26 26 0,-26 0 15,0-26-15,26 26 0,0 0 16,0 0 0,26-26-16,0 0 15,0 26-15,0-26 16,0 0-16,0 0 0,-1 0 16,1 0-16,0 26 15,0-26-15,0 26 0,0-26 16,-26 26-16,0-1 0,0 1 15,0 0-15,-26 0 16,26 0-16,-26-26 16,26 26-16,-26-26 0,0 0 15,0 0 1,1-26-16,-1 0 16</inkml:trace>
+  <inkml:trace contextRef="#ctx0" brushRef="#br0" timeOffset="11134">5494 1244 0,'0'-26'0,"0"0"31,26 52 0,0 0-15,0-26 0,0 26-16,-26 0 0,26 25 15,-26-25-15,26 26 0,0-26 16,-26 26-16,26-26 16,-1 0-16,1 26 0,-26-27 15,26 1-15,0 0 0,0 0 16,0-26-1,0 0-15,0 0 16,0-26-16,0 26 16,0-26-16</inkml:trace>
+  <inkml:trace contextRef="#ctx0" brushRef="#br0" timeOffset="11319">5650 1399 0,'-26'0'15,"-26"0"-15,26 0 0,0 0 16,52 0 0,0-26-16,0 26 15,0-26-15,26 26 16,-1-26-16,1 26 16,-26-25-16,0 25 0,0 0 0,0-26 15</inkml:trace>
+  <inkml:trace contextRef="#ctx0" brushRef="#br0" timeOffset="289003">103 2436 0,'-26'0'94,"0"26"-63,0-26-16,26 26-15,-25-26 16,50 0 15,-25 26-31,26-26 16,0 0 0,-26 26-16,26-26 0,0 0 15,0 26 1,0-26-16,0 0 15,-26 25 1</inkml:trace>
+  <inkml:trace contextRef="#ctx0" brushRef="#br0" timeOffset="289303">129 2462 0,'0'26'31,"26"-26"-31,0 0 16,0 0-16,0 0 15,0 0 1,0 0-16,0 0 0,-26-26 16,25 26-16,1 0 0,0 0 15,0 0 1</inkml:trace>
+  <inkml:trace contextRef="#ctx0" brushRef="#br0" timeOffset="290113">829 2436 0,'-26'0'15,"26"-26"1,-26 26 0,26 26-1,-26-26-15,0 0 16,26 26-16,-26 0 16,0-26-1,26 26-15,0 0 16,0 0-1,0-1 1,26-25 0,0 0-1,0 0 1,0 0-16,0-25 16,0-1-16,-26 0 15,26 26-15,-26-26 16,0 0-16,26 0 15,-26 0-15,0 0 16,0 0-16,0 0 0,-26 0 16,26 0-16,0 1 0,0-1 15,0 0-15,0 0 16,0 0-16,0 52 31,0 0-15,0 26-1,0-27-15,0 1 16,0 0-16,0 0 0,0 26 16,0-26-16,26 0 0,-26 0 15,0 0 1,26 0-16,-26 0 0,26-1 16,-26 1-1,25-26 16</inkml:trace>
+  <inkml:trace contextRef="#ctx0" brushRef="#br0" timeOffset="290401">1062 2384 0,'0'26'63,"0"0"-47,0 0-1,0 0-15,0 0 16,0 0-1,0 0 1,0-1 0</inkml:trace>
+  <inkml:trace contextRef="#ctx0" brushRef="#br0" timeOffset="290593">1062 2229 0,'0'26'78</inkml:trace>
+  <inkml:trace contextRef="#ctx0" brushRef="#br0" timeOffset="291092">1166 2384 0,'26'0'0,"-26"-26"16,26 26-16,0 0 15,-26 26 1,0 0 0,0 0-1,0 0 1,0 0-16,0 0 15,0 0 1,26-26 0,-52 0 31,0-26-32,26 0 1,0 0-1,0 0-15,0 0 16,26 0-16,-26 0 16,0 0-16,26 0 0,-26 0 15,25 26-15,1 0 16,-26 26 0,0 0-1,0 0-15,0 0 16</inkml:trace>
+  <inkml:trace contextRef="#ctx0" brushRef="#br0" timeOffset="291614">1399 2462 0,'26'0'79,"0"0"-64,0 0 1,0 0-1,-26-26-15,26 26 16,-26-26 0,26 0-16,-26 0 15,0 0 1,-26 26 0,26-26-16,-26 26 15,0 0 1,0 26-1,0 0 1,0 0 0,26 0-1,0 0 1,0 0-16,26-26 16,-26 26-16,26-26 15,0 26-15,0-26 16,0 0-1,0 0-15,0 0 16</inkml:trace>
+  <inkml:trace contextRef="#ctx0" brushRef="#br0" timeOffset="292243">1788 2358 0,'0'-26'0,"0"0"15,0 0 17,-26 26-17,26 26-15,-26-26 16,0 26-1,0 0-15,26 0 16,-26 0 0,26 0-1,0 0-15,26-26 0,-26 26 16,26-26-16,-26 26 16,26-26-16,-26 26 15,26-26-15,0 0 16,0-26-16,0 26 15,-26-26-15,26 26 0,-26-26 16,26 26-16,-26-26 16,25 0-16,-25 0 15,0 0-15,0 0 0,0 0 16,0 0-16,0 1 16,0-1-16,0 0 0,0 0 15,0 0 1,0 0-16,0 52 31,0 0-15,0 0-16,0 0 15,0 0-15,0-1 16,0 1-16,0 26 0,0-26 16,26 0-16,-26 0 15,0 0-15,0 0 0,0 0 16,26 0-16,-26 0 15</inkml:trace>
+  <inkml:trace contextRef="#ctx0" brushRef="#br0" timeOffset="292609">1969 2410 0,'-26'0'31,"52"0"1,0 0-32,0-26 15,0 26-15,0 0 0,-26-26 16,26 26-16,0 0 16,-26-26-16,26 26 0,-26-26 15,0 0 16,0 52 1,0 0-17,0 0-15,0 0 16,0 0 0,0 0-16,0 0 0,0 0 15,0 0-15,0 0 16</inkml:trace>
+  <inkml:trace contextRef="#ctx0" brushRef="#br0" timeOffset="292795">2177 2151 0,'0'26'47</inkml:trace>
+  <inkml:trace contextRef="#ctx0" brushRef="#br0" timeOffset="293739">2384 2332 0,'0'26'47,"0"0"-32,0 0 1,-26 0-16,26 0 0,-26 0 16,26 0-1,0 0-15,0 0 16,0-1-1,26-25-15,0 0 16,0 0 0,0 0-1,-26-25-15,26 25 0,-26-26 16,0 0-16,26 0 16,-26 0-1,0 0-15,0 0 0,-26 0 16,26 0-16,-26 26 15,26-26-15,-26 0 0,0 26 16,26 26 15,0 0 1,26-26-32,0 0 15,0 0 1,0 0-16,0 0 15,0 0-15,-1 0 16,1 0 0,-26 26-1,0 0-15,26-26 16,-26 26-16,0 0 16,0 0-1,26-26 16,-26-26-31,26 0 32,0 26-17,0 0 1,-26-26 0,26 26-16,-26-26 15,26 26-15,-26-26 16,26 26-16,-26-26 0,26 26 15,0 0 1,-26 26 15,0 0-15,0 0-16,0 0 16,0 0-1,0 0-15,0 0 16,0 0-1,0 0 1</inkml:trace>
+</inkml:ink>
+</file>
+
+<file path=ppt/ink/ink32.xml><?xml version="1.0" encoding="utf-8"?>
+<inkml:ink xmlns:inkml="http://www.w3.org/2003/InkML">
+  <inkml:definitions>
+    <inkml:context xml:id="ctx0">
+      <inkml:inkSource xml:id="inkSrc0">
+        <inkml:traceFormat>
+          <inkml:channel name="X" type="integer" max="1920" units="cm"/>
+          <inkml:channel name="Y" type="integer" max="1080" units="cm"/>
+          <inkml:channel name="T" type="integer" max="2.14748E9" units="dev"/>
+        </inkml:traceFormat>
+        <inkml:channelProperties>
+          <inkml:channelProperty channel="X" name="resolution" value="55.81395" units="1/cm"/>
+          <inkml:channelProperty channel="Y" name="resolution" value="55.6701" units="1/cm"/>
+          <inkml:channelProperty channel="T" name="resolution" value="1" units="1/dev"/>
+        </inkml:channelProperties>
+      </inkml:inkSource>
+      <inkml:timestamp xml:id="ts0" timeString="2020-12-14T06:10:18.023"/>
+    </inkml:context>
+    <inkml:brush xml:id="br0">
+      <inkml:brushProperty name="width" value="0.05" units="cm"/>
+      <inkml:brushProperty name="height" value="0.05" units="cm"/>
+      <inkml:brushProperty name="fitToCurve" value="1"/>
+    </inkml:brush>
+  </inkml:definitions>
+  <inkml:trace contextRef="#ctx0" brushRef="#br0">962 1306 0,'-26'0'62,"0"0"-30,52 0 30,0-26-46,0 26-1,0 0-15,0-26 16,0 26-16,0 0 16,0 0-16,0-26 0,0 26 15,0 0 1,-26-26-16,-26 26 31,0 0-15,0 0-1,0 26-15,0-26 16,0 0-16,0 26 0,0-26 16,0 0-16,26 26 15,-26-26-15,0 0 16,52 0 31,-26-26-47,26 26 15,0 0 1,0-26-16,0 26 0,0 0 16,0 0-1,0-26-15,0 26 0,0 0 16,0 0-16,-1 0 16,1 0-1,-52 0 1,1 0-1,-1 0-15,0 26 16,0-26-16,-26 0 0,26 26 16,0-26-16,0 0 15,0 26-15,0-26 0,0 0 16,1 0 0,50 0-1,1-26 1,0 26-1,0 0-15,-26-26 16,26 26-16,0 0 16,0 0-16,-26-26 0,26 26 15,0 0-15,0 0 16,-52 0 31,0 0-32,0 0-15,26 26 16,-26-26-16,0 0 0,0 26 16,0-26-16,0 0 15,0 26 1,52-26 0,-26-26-16,26 26 15,0 0 1,0-26-16,0 26 15,0 0-15,0 0 16,-26-26-16,26 26 0,0 0 16,-52 0 15,26 26-15,-26-26-16,0 0 15,0 0-15,0 26 0,0-26 16,0 0-16,0 0 15,26 26-15,-26-26 16,52 0 15,-26-26-31,26 26 0,0 0 16,0 0-16,0-26 0,0 26 16,0 0-1,0 0 1,-26-26-16,-26 26 15,0 0 1,0 26 0,0-26-16,0 26 15,52-26 79,-52 0 0,52 26 406,0-26-469,-52 0 47,0 0-62,0 0-1,0 0 17,52 0 15</inkml:trace>
+  <inkml:trace contextRef="#ctx0" brushRef="#br0" timeOffset="1632">574 113 0,'25'0'46,"-25"-25"-30,26 25 0,0 0-16,0-26 0,0 26 15,0 0-15,0 0 0,-26-26 16,26 26-16,0 0 16,0 0-16,0 0 15,-26-26 1,-26 26-1,0 0-15,0 0 16,0 26 0,0-26-16,0 0 0,0 26 15,0-26 1,0 0-16,0 0 0,1 26 16,-1-26-1,0 0-15,26 25 16,26-25 15,0-25-31,-1 25 16,1-26-16,0 26 0,0 0 15,0-26-15,0 0 16,0 26-16,0 0 16,0-26-1,-26 52 16,-26-26-31,0 26 16,0-26-16,0 26 16,0-26-16,0 26 15,0-26-15,0 25 16,52-25 15,-26-25-15,26 25-16,0 0 15,0-26-15,0 26 16,0 0 0,-26-26-16,26 26 15,-52 0 63,26 26 47,0 0-93</inkml:trace>
+  <inkml:trace contextRef="#ctx0" brushRef="#br0" timeOffset="9799">522 1720 0,'26'0'15,"-26"-26"1,26 26 0,-26 26-1,0 0-15,0 0 16,0 0 0,0 0-16,0 26 0,0-26 15,0 0-15,0 0 16,0 0-16,0 0 0,0-1 15,0 1-15,0 0 16,25-26 0</inkml:trace>
+  <inkml:trace contextRef="#ctx0" brushRef="#br0" timeOffset="10374">988 1772 0,'-26'0'0,"26"26"15,-26-26 1,26 26-16,-26-26 16,26 26-16,-25-26 15,25 26-15,0 0 16,0 0-16,0 0 0,0 0 15,0 0 1,0-1-16,25-25 0,1 26 16,0-26-16,0 0 0,0 0 15,0-26-15,0 26 16,0-25-16,0-1 0,0 0 16,-26 0-16,0 0 15,-26 0-15,26 0 16,-26 26-16,0-26 0,0 0 15,0 0-15,0 26 16,-26-26-16,26 26 0,1 0 16,25-26-16,-26 26 0,26-26 31,26 26-15,-1 0-16,1-25 15,0-1-15,0 26 0,26-26 16,-26 0-16,0 26 0,0-26 15,0 26-15,0 0 16,-26 26 0,-26 0-1,0 0-15,26 0 0,-26-1 16,26 1-16,-26 0 0,26 0 16,0 0-1,0 0-15</inkml:trace>
+  <inkml:trace contextRef="#ctx0" brushRef="#br0" timeOffset="10806">1429 1643 0,'0'-26'0,"0"0"16,-26 26 0,0 0-1,0 26-15,26 0 16,0 0 0,0-1-16,0 1 0,0 0 15,0 0 1,26-26-16,0 26 0,0-26 15,0 0-15,0 0 16,0 0-16,0 0 16,-1-26-16,1 26 0,-26-26 15,26 26-15,0-26 16,-26 0-16,0 1 16,0-1-16,-26 26 15,0-26 1,0 26-16,1 0 15,-1 26-15,0-26 16,26 26-16,-26-26 0</inkml:trace>
+  <inkml:trace contextRef="#ctx0" brushRef="#br0" timeOffset="11196">1869 1539 0,'-25'0'0,"25"26"15,-26-26-15,0 26 0,0 0 16,0 0-1,0 0-15,26-1 16,-26 1-16,26 0 0,0 0 16,26-26-1,0 0-15,0 0 16,26 0-16,-26-26 0,-1 0 16,27 26-16,-26-26 15,0 1-15,0-1 0,0 0 16,-26 0-16,0-26 15,0 26-15,-26 26 0,0-26 16,0 26-16,0 0 16,-26 0-16,1 0 0,-1 26 15,0 26-15,-26-26 0</inkml:trace>
+  <inkml:trace contextRef="#ctx0" brushRef="#br0" timeOffset="12175">2129 1254 0,'-26'-26'16,"0"26"-1,26-26-15,-26 26 0,0-26 16,0 26-16,-26 0 0,0-26 16,1 26-16,-1 0 15,0 0-15,-26 0 0,0 0 16,-103 0-1,77 0-15,26 0 0,-25 26 16,-1-26-16,0 26 0,27 0 16,-27 26-16,26-26 15,1 0-15,-1 25 0,0 1 16,0-26-16,26 26 16,1 0-16,-1 0 0,0-26 15,0 25-15,26 1 0,0 0 16,0-26-16,26 26 15,0 0-15,0 0 0,0-1 16,26-25-16,0 26 16,0 0-16,0-26 0,26 26 15,0-26-15,0 0 0,-1 0 16,27-1-16,0 1 16,0 0-16,-1-26 0,1 0 15,26 0-15,-1 0 0,-25 0 16,26-26-16,0 0 15,25 1-15,-25-1 0,0 0 16,25-26-16,-25 0 16,-1 0-16,1-26 0,-26 27 15,26-27-15,-53 0 0,27 0 16,-26 1-16,-26-1 16,0 26-16,-26-26 0,0 26 15,-26 1-15,0-1 16,-26 26-16,-26 0 0,-25 0 15,-53 0-15,1 26 0,-27 0 16,-25 0-16,0 0 16,-27 26-16</inkml:trace>
+</inkml:ink>
+</file>
+
+<file path=ppt/ink/ink33.xml><?xml version="1.0" encoding="utf-8"?>
+<inkml:ink xmlns:inkml="http://www.w3.org/2003/InkML">
+  <inkml:definitions>
+    <inkml:context xml:id="ctx0">
+      <inkml:inkSource xml:id="inkSrc0">
+        <inkml:traceFormat>
+          <inkml:channel name="X" type="integer" max="1920" units="cm"/>
+          <inkml:channel name="Y" type="integer" max="1080" units="cm"/>
+          <inkml:channel name="T" type="integer" max="2.14748E9" units="dev"/>
+        </inkml:traceFormat>
+        <inkml:channelProperties>
+          <inkml:channelProperty channel="X" name="resolution" value="55.81395" units="1/cm"/>
+          <inkml:channelProperty channel="Y" name="resolution" value="55.6701" units="1/cm"/>
+          <inkml:channelProperty channel="T" name="resolution" value="1" units="1/dev"/>
+        </inkml:channelProperties>
+      </inkml:inkSource>
+      <inkml:timestamp xml:id="ts0" timeString="2020-12-14T06:17:04.671"/>
+    </inkml:context>
+    <inkml:brush xml:id="br0">
+      <inkml:brushProperty name="width" value="0.05" units="cm"/>
+      <inkml:brushProperty name="height" value="0.05" units="cm"/>
+      <inkml:brushProperty name="fitToCurve" value="1"/>
+    </inkml:brush>
+  </inkml:definitions>
+  <inkml:trace contextRef="#ctx0" brushRef="#br0">415 288 0,'26'-26'0,"0"26"16,-26-26-1,0 0 32,0 0-31,-26 0-1,26 0 1,-26 26-16,0 0 0,0 0 16,-26 0-16,26 26 15,-26-26-15,0 26 0,27-26 16,-27 26-16,26 0 0,0 0 15,0 0-15,0 0 16,26-1-16,0 1 0,26 0 16,0 0-16,0 0 15,26 0-15,-26 0 0,25-26 16,1 26-16,-26 0 0,26 0 16,0-26-16,-26 26 15,26-26-15,-26 26 0,-1-1 16,1-25-16,0 26 0,-26 0 15,0 0-15,0 0 16,-26 0-16,0-26 0,1 26 16,-27 0-16,26 0 15,-26-26-15,0 0 0,0 26 16,0-26-16,26 0 0,1 0 16,-1-26-16,0 26 15,0-26-15,26 0 16,-26 26-16,26-26 15</inkml:trace>
+  <inkml:trace contextRef="#ctx0" brushRef="#br0" timeOffset="780">1037 599 0,'0'-26'0,"0"0"15,0 0 1,0 0 0,0 0-16,-26 26 0,26-26 15,-26 26-15,26-26 16,-26 26-16,0 0 0,0 0 15,0 0-15,-26 52 16,27-26 0,-1 0-16,26 0 0,0 26 15,-26-26-15,26 25 16,0-25-16,0 26 0,26-26 16,-26 0-16,26 0 0,-1 0 15,1-26 1,0 0-16,0 0 15,0-26 1,-26 0-16,26 0 0,-26 0 16,26 0-16,-26 0 0,0-26 15,0 27-15,26-1 16,-26 0-16,0 52 31,0 0-31,0-1 16,26 1-16,-26 0 15,26 0-15,-26 0 0,26 0 16,0 0-16,-26 0 0,25 0 16,1-26-16,0 0 0,0 0 15,0-26 1,0 0-16,-26 0 16,26 0-16,-26-26 15,0 0-15,0 1 0,0-1 16,-26 0-16,0-26 0,26 26 15,-26-25-15,26 25 16,-26 0-16,26 26 0,0 0 16,0 0-16,0 52 15,0 0-15,0 0 16,26 26-16,-26 0 0,26-1 16,-26 1-16,0 0 15,26 0-15,-26 0 0,26 0 16,-26-1-16,0 1 15,26-26-15,-26 0 0,0 0 16,26 0-16,0-26 16</inkml:trace>
+  <inkml:trace contextRef="#ctx0" brushRef="#br0" timeOffset="1206">1607 573 0,'-26'0'47,"52"0"-16,-26-26-16,26 26-15,0-26 16,0 26-16,-26-26 16,26 0-16,-26 0 15,0 0 1,0 0-16,-26 26 16,26-26-16,-26 26 0,0 0 15,0 26-15,26 0 16,-26 0-16,0 0 0,26 0 15,0 26-15,-26-26 16,26 26-16,0-27 0,0 1 16,26 0-16,-26 0 0,26 0 15,0 0-15,0-26 16,0 26-16,0-26 0,26 0 16,-26-26-16,25 26 0</inkml:trace>
+  <inkml:trace contextRef="#ctx0" brushRef="#br0" timeOffset="1555">2099 391 0,'0'-26'0,"0"0"16,0 1-16,0-1 0,0 0 16,0 0-16,-25 26 0,25-26 15,-26 26-15,0 0 16,0 0-16,0 26 15,0-26-15,26 26 16,-26 0-16,26 0 0,0-1 16,0 1-1,26 0-15,0 0 0,-26 0 16,26 0-16,0 0 0,26 0 16,-27 0-16,1-26 15,0 26-15,0 0 0,0-26 16,-26 26-16,26-26 15,-26 25-15,-26 1 16,0 0-16,0-26 0,-26 26 16,27-26-16,-27 26 15,26-26-15,0 0 0,0 0 16</inkml:trace>
+  <inkml:trace contextRef="#ctx0" brushRef="#br0" timeOffset="1860">2670 54 0,'0'-26'16,"0"1"-16,0-1 15,0 52 16,-26-26-31,26 25 0,0 27 16,0-26-16,0 26 16,-26 26-16,26-26 0,-26 25 15,26 1-15,-26 0 16,26 0-16,-26-27 0,26 27 16,0-26-16,0 0 0,0-26 15,0 26-15,26-26 16,0-26-16</inkml:trace>
+  <inkml:trace contextRef="#ctx0" brushRef="#br0" timeOffset="2437">3033 469 0,'0'-26'16,"-26"0"-1,0 0-15,0 26 16,26 26-1,0 0 1,0 0-16,0 0 0,26 26 16,-26-26-16,26 0 0,-26 25 15,0 1-15,26-26 16,-26 0-16,0 0 16,0 0-16,25 0 15,-50-26 1,-1-26-16,0 0 15,26-26-15,-26 0 16,0 1-16,26-1 0,-26-26 16,0-26-16,26 27 15,0 25-15,0-26 0,26 26 16,0 0-16,0 26 0,0 26 16,0 0-16,0 0 15,25 26-15,-25 0 0,26 0 16,-26 0-16,0 26 15,0-26-15,0 0 0,-26 26 16,0-27-16,0 1 0,-26 26 16,0-26-16,0 0 15,0-26-15,-26 26 0,26 0 16,0-26-16,-25 26 16,25-26-16,0 26 15,52 0 1,-26 0-16,26-26 15,0 25-15,-1 1 0,27 0 16,-26 0-16,0-26 16,0 26-16,0 0 0,0-26 15,0 26-15,0 0 16,0-26-16</inkml:trace>
+  <inkml:trace contextRef="#ctx0" brushRef="#br0" timeOffset="2827">3499 573 0,'-26'0'15,"0"0"-15,0 0 16,0-26-16,52 26 31,0-26-31,0 26 16,0 0-16,0 0 0,0 0 15,26-26-15,-26 26 16,0 0-16,-1 0 0,1-26 16,-26 0-16,0 0 15,0 0 1,-26 0-16,1 26 16,-1-26-16,0 26 15,0 0-15,0 0 16,0 0-16,0 26 0,0 0 15,0 0-15,26 0 16,0 26-16,-26-26 0,26 26 16,0-26-16,26 0 15,-26 25-15,26-25 0,0-26 16,0 26-16,26-26 0,-26 26 16,26-26-16</inkml:trace>
+  <inkml:trace contextRef="#ctx0" brushRef="#br0" timeOffset="3186">3836 469 0,'0'-26'0,"0"-26"15,0 26-15,0 0 0,0 1 16,26 25 0,-26 25-1,0 1-15,26 0 0,0 26 16,-26-26-16,26 0 15,0 26-15,-26-26 0,25 0 16,1 0-16,0-26 0,-26 25 16,26-25-16,-26 26 15,26-26-15,0-26 16,-26 1-16,0-1 16,0 0-16,26-26 0,-26 0 15,0 0-15,0 0 0,0 1 16,0 25-16,-26-26 15,26 26-15,26 52 32,-26 0-17,26-26-15,0 26 16</inkml:trace>
+  <inkml:trace contextRef="#ctx0" brushRef="#br0" timeOffset="3433">4795 158 0,'-26'0'15,"26"-26"-15,0 0 16,-26 26-16,26-26 31,26 26-31,0 0 0,0 0 16,0 0-16,0 0 15,0 26-15,0-26 16</inkml:trace>
+  <inkml:trace contextRef="#ctx0" brushRef="#br0" timeOffset="3607">4769 262 0,'-26'26'0,"0"0"15,0-26-15,26 25 16,-26-25-16,26 26 0,26-26 31,0 0-15,0 0-16,0 0 16,0 0-16,0 0 15,0 0-15,0 0 16,0 0-16</inkml:trace>
+</inkml:ink>
+</file>
+
+<file path=ppt/ink/ink34.xml><?xml version="1.0" encoding="utf-8"?>
+<inkml:ink xmlns:inkml="http://www.w3.org/2003/InkML">
+  <inkml:definitions>
+    <inkml:context xml:id="ctx0">
+      <inkml:inkSource xml:id="inkSrc0">
+        <inkml:traceFormat>
+          <inkml:channel name="X" type="integer" max="1920" units="cm"/>
+          <inkml:channel name="Y" type="integer" max="1080" units="cm"/>
+          <inkml:channel name="T" type="integer" max="2.14748E9" units="dev"/>
+        </inkml:traceFormat>
+        <inkml:channelProperties>
+          <inkml:channelProperty channel="X" name="resolution" value="55.81395" units="1/cm"/>
+          <inkml:channelProperty channel="Y" name="resolution" value="55.6701" units="1/cm"/>
+          <inkml:channelProperty channel="T" name="resolution" value="1" units="1/dev"/>
+        </inkml:channelProperties>
+      </inkml:inkSource>
+      <inkml:timestamp xml:id="ts0" timeString="2020-12-14T06:17:09.153"/>
+    </inkml:context>
+    <inkml:brush xml:id="br0">
+      <inkml:brushProperty name="width" value="0.05" units="cm"/>
+      <inkml:brushProperty name="height" value="0.05" units="cm"/>
+      <inkml:brushProperty name="fitToCurve" value="1"/>
+    </inkml:brush>
+  </inkml:definitions>
+  <inkml:trace contextRef="#ctx0" brushRef="#br0">393 259 0,'0'-26'16,"-26"26"-1,26-26-15,0 0 16,-26 26-16,26-25 16,-26 25-1,0 0-15,-26 0 16,26 0-16,1 0 16,-1 25-16,0 1 0,0 0 0,0 0 15,0 0-15,0 26 16,26 0-16,-26 0 0,26-26 15,0 25-15,26 1 16,0-26-16,0 26 0,0-26 16,0 0-16,26-26 15,-27 26-15,27-26 0,0 0 16,0-26-16,0 26 0,0-26 16,-26-26-16,25 26 15,-25-26-15,-26 0 0,26 1 16,-26-1-16,0 0 15,-26 0-15,0 0 0,0 0 16,1 27-16,-1-1 0,0 0 16,0 0-16,0 26 15,0 0-15,26 26 0,-26-26 16,0 26-16,26 0 16,0-1-16,-26 27 15,26-26-15,26 0 0,-26 0 16,26 0-16</inkml:trace>
+  <inkml:trace contextRef="#ctx0" brushRef="#br0" timeOffset="288">367 544 0,'-26'0'16,"52"0"31,0 0-47,-26 26 15,26-26-15,0 26 0,-26 0 16,26-26-16,25 26 16,-25 26-16,0-26 0,0 0 15,0 0-15,0-1 16,0 1-16,0 0 0,0 0 15,0 0-15,0-26 16</inkml:trace>
+  <inkml:trace contextRef="#ctx0" brushRef="#br0" timeOffset="546">911 156 0,'-26'-26'0,"26"0"16,0 52 15,26-26-15,-26 26-16,26-1 0,-26 27 15,26-26-15,-26 26 16,26 0-16,-26 0 0,26 0 15,-26-27-15,26 27 16,-26-26-16,0 0 0,26 0 16</inkml:trace>
+  <inkml:trace contextRef="#ctx0" brushRef="#br0" timeOffset="1207">885 415 0,'-26'-26'0,"0"26"16,26-26-16,26 26 16,0-26-1,0 26-15,26-26 0,-26 26 16,26 0-16,-26-26 0,26 26 16,-1-26-16,-25 26 15,26 0-15,-26-26 0,0 0 31,0 26-31,-26-26 16,-26 26 0,26 26-1,0 0 1,0 0-16,0 0 16,0 0-16,0 0 15,0 0-15,26 0 0,0 0 16,0 0-1,0-26-15,0 0 0,0 0 16,-1 0-16,1 0 16,0-26-16,0 26 0,0-26 15,-26 0-15,26 0 0,-26 0 16,26 0-16,-26 0 16,0 0-16,0 0 0,-26 0 15,26 52 1,0 0-1,0 0-15,0 26 0,0-26 16,0 26-16,26 26 16,-26-27-16,26 1 0,-26 0 15,26 0-15,-26-26 16,0 26-16,0-26 0,0 25 16,0-25-16,0 0 0,0 0 15,-26-26 1,26 26-16,-26-26 0,0 0 15,0 0 1,0-26-16,0 26 0,0-26 16,0 0-16,1 26 0,-1-26 15,0 0-15,0 26 16,26-25-16,-26-1 0</inkml:trace>
+  <inkml:trace contextRef="#ctx0" brushRef="#br0" timeOffset="1650">2052 156 0,'-26'0'0,"26"-26"16,0 0-1,26 26 17,0 0-32,-26 26 15,25-26-15,1 26 0,0-1 16,0 1-16,26 0 16,-26 0-16,0 0 0,0 0 15,0 26-15,0-26 0,0 0 16,-26 0-16,26-26 15,-26 26-15</inkml:trace>
+  <inkml:trace contextRef="#ctx0" brushRef="#br0" timeOffset="1914">2337 26 0,'0'-26'15,"-26"26"-15,0 26 32,26 0-32,-26 0 15,26 0 1,0 26-16,0-27 0,-26 1 16,26 26-16,-26-26 0,26 26 15,0-26-15,-26 26 16,26-26-16,0 0 0,0-1 15,0 1-15,0 0 16,0 0-16</inkml:trace>
+</inkml:ink>
+</file>
+
+<file path=ppt/ink/ink35.xml><?xml version="1.0" encoding="utf-8"?>
+<inkml:ink xmlns:inkml="http://www.w3.org/2003/InkML">
+  <inkml:definitions>
+    <inkml:context xml:id="ctx0">
+      <inkml:inkSource xml:id="inkSrc0">
+        <inkml:traceFormat>
+          <inkml:channel name="X" type="integer" max="1920" units="cm"/>
+          <inkml:channel name="Y" type="integer" max="1080" units="cm"/>
+          <inkml:channel name="T" type="integer" max="2.14748E9" units="dev"/>
+        </inkml:traceFormat>
+        <inkml:channelProperties>
+          <inkml:channelProperty channel="X" name="resolution" value="55.81395" units="1/cm"/>
+          <inkml:channelProperty channel="Y" name="resolution" value="55.6701" units="1/cm"/>
+          <inkml:channelProperty channel="T" name="resolution" value="1" units="1/dev"/>
+        </inkml:channelProperties>
+      </inkml:inkSource>
+      <inkml:timestamp xml:id="ts0" timeString="2020-12-14T06:17:11.610"/>
+    </inkml:context>
+    <inkml:brush xml:id="br0">
+      <inkml:brushProperty name="width" value="0.05" units="cm"/>
+      <inkml:brushProperty name="height" value="0.05" units="cm"/>
+      <inkml:brushProperty name="fitToCurve" value="1"/>
+    </inkml:brush>
+  </inkml:definitions>
+  <inkml:trace contextRef="#ctx0" brushRef="#br0">52 233 0,'0'-26'15,"0"0"-15,-26 26 0,26-26 16,0 0-16,0 0 0,-26 0 16,26 52 15,0 0-15,0 0-16,0 26 0,26 0 15,-26 0-15,0 0 0,26 25 16,-26-25-16,26 26 15,-26 0-15,0-27 0,26 27 16,-26-26-16,0 0 16,0-26-16,25 26 0,-25-26 15,0-1-15,0 1 0,26 0 16</inkml:trace>
+  <inkml:trace contextRef="#ctx0" brushRef="#br0" timeOffset="358">129 648 0,'-25'-52'16,"25"26"-16,0 0 0,0 0 16,-26-26-16,26 26 0,0 0 15,0 0 1,26 26-16,-26-25 0,25 25 15,1 0-15,0 0 16,0-26-16,26 26 0,-26 0 16,26 26-16,-26-1 15,0-25-15,25 26 0,-51 0 16,26 26-16,-26-26 0,0 0 16,-26 26-16,1-26 15,-1 0-15,0 0 0,-26-26 16,26 25-16,-26-25 0,26 0 15,0 0-15,0 0 16,0-25-16,1-1 0,-1 0 16,26 0-16,0 0 15,0 0-15</inkml:trace>
+  <inkml:trace contextRef="#ctx0" brushRef="#br0" timeOffset="873">466 363 0,'0'-26'0,"26"0"15,0 26-15,-26-26 0,52 26 16,-26 0-16,0 26 15,26-26-15,-26 26 0,0 25 16,0-25-16,25 0 0,-51 26 16,26-26-16,0 0 15,-26 26-15,0-26 0,0 0 16,0 0 0,-26-26-16,0 0 15,0 0-15,26-26 16,-25 0-16,25 0 15,0 0-15,0-26 0,25 26 16,-25-26-16,26 0 16,0 27-16,0-1 0,0 0 15,0 0-15,0 26 0,0 0 16,0 0-16,0 0 16,0 26-16,0 0 15,-26 0 1,0-1-16,25-25 0,-25 26 15,0 0-15,26 0 0,-26 0 16,26 0-16,0 0 16,-26 0-16,26 0 0,-26 0 15,26-26 1</inkml:trace>
+  <inkml:trace contextRef="#ctx0" brushRef="#br0" timeOffset="1042">1037 26 0,'-26'0'0,"0"-26"16,52 26 31</inkml:trace>
+  <inkml:trace contextRef="#ctx0" brushRef="#br0" timeOffset="1402">1581 233 0,'26'0'15,"0"0"-15,0 0 16,0 0-16,-26-26 0,25 26 16,-25-26-16,-25 0 15,-1 26-15,0 0 16,0-26-16,0 26 16,-26 0-16,26 0 0,0 26 15,0-26-15,0 26 0,0 0 16,26 0-16,-25 0 15,25 26-15,0-26 0,0 25 16,0-25-16,0 26 0,0-26 16,0 0-16,25 0 15,1 0-15,0-26 0,0 0 16,26 0-16,0 0 16,0 0-16,25-26 0,-25 0 15,0 0-15</inkml:trace>
+  <inkml:trace contextRef="#ctx0" brushRef="#br0" timeOffset="1792">2022 337 0,'0'-26'16,"25"26"0,1 0 15,0 0-16,0 26 1,0-26 0,0 0-16,0 0 0,0 0 15,0 0 1,-26-26-16,26 26 0,-26-26 16,26 26-16,-26-26 0,0 0 15,0 0-15,0 0 16,0 0-16,-26 0 15,26 0-15,-26 0 16,-26 26-16,26 0 0,-26 0 16,0 0-16,26 26 0,-25 0 15,25 0-15,0 26 16,0-26-16,26 26 0,0 0 16,26-26-16,26-1 15,-26 27-15,25-52 0,27 26 16,-26-26-16</inkml:trace>
+</inkml:ink>
+</file>
+
+<file path=ppt/ink/ink36.xml><?xml version="1.0" encoding="utf-8"?>
+<inkml:ink xmlns:inkml="http://www.w3.org/2003/InkML">
+  <inkml:definitions>
+    <inkml:context xml:id="ctx0">
+      <inkml:inkSource xml:id="inkSrc0">
+        <inkml:traceFormat>
+          <inkml:channel name="X" type="integer" max="1920" units="cm"/>
+          <inkml:channel name="Y" type="integer" max="1080" units="cm"/>
+          <inkml:channel name="T" type="integer" max="2.14748E9" units="dev"/>
+        </inkml:traceFormat>
+        <inkml:channelProperties>
+          <inkml:channelProperty channel="X" name="resolution" value="55.81395" units="1/cm"/>
+          <inkml:channelProperty channel="Y" name="resolution" value="55.6701" units="1/cm"/>
+          <inkml:channelProperty channel="T" name="resolution" value="1" units="1/dev"/>
+        </inkml:channelProperties>
+      </inkml:inkSource>
+      <inkml:timestamp xml:id="ts0" timeString="2020-12-14T06:17:16.076"/>
+    </inkml:context>
+    <inkml:brush xml:id="br0">
+      <inkml:brushProperty name="width" value="0.05" units="cm"/>
+      <inkml:brushProperty name="height" value="0.05" units="cm"/>
+      <inkml:brushProperty name="fitToCurve" value="1"/>
+    </inkml:brush>
+  </inkml:definitions>
+  <inkml:trace contextRef="#ctx0" brushRef="#br0">23 311 0,'-26'0'15,"52"0"1,0 0 0,0 0-1,0 0-15,0 0 0,26 0 16,0-26-16,0 26 0,-1 0 16,-25-26-16,26 26 15,0 0-15,-26 0 0,26 0 16,-26-25-16,-52 25 47,0 0-47</inkml:trace>
+  <inkml:trace contextRef="#ctx0" brushRef="#br0" timeOffset="389">308 26 0,'-25'0'16,"25"-26"-1,0 52 16,0 0-31,0 0 16,25 26 0,-25-26-16,26 0 0,-26 26 15,26-1-15,-26-25 0,26 26 16,-26 0-16,26-26 16,-26 26-16,26-26 0,-26 0 15,0 25-15,26-25 16,-26 0-16,0 0 15,26-26 1,-26-26 15</inkml:trace>
+</inkml:ink>
+</file>
+
+<file path=ppt/ink/ink37.xml><?xml version="1.0" encoding="utf-8"?>
+<inkml:ink xmlns:inkml="http://www.w3.org/2003/InkML">
+  <inkml:definitions>
+    <inkml:context xml:id="ctx0">
+      <inkml:inkSource xml:id="inkSrc0">
+        <inkml:traceFormat>
+          <inkml:channel name="X" type="integer" max="1920" units="cm"/>
+          <inkml:channel name="Y" type="integer" max="1080" units="cm"/>
+          <inkml:channel name="T" type="integer" max="2.14748E9" units="dev"/>
+        </inkml:traceFormat>
+        <inkml:channelProperties>
+          <inkml:channelProperty channel="X" name="resolution" value="55.81395" units="1/cm"/>
+          <inkml:channelProperty channel="Y" name="resolution" value="55.6701" units="1/cm"/>
+          <inkml:channelProperty channel="T" name="resolution" value="1" units="1/dev"/>
+        </inkml:channelProperties>
+      </inkml:inkSource>
+      <inkml:timestamp xml:id="ts0" timeString="2020-12-14T06:17:46.143"/>
+    </inkml:context>
+    <inkml:brush xml:id="br0">
+      <inkml:brushProperty name="width" value="0.05" units="cm"/>
+      <inkml:brushProperty name="height" value="0.05" units="cm"/>
+      <inkml:brushProperty name="fitToCurve" value="1"/>
+    </inkml:brush>
+  </inkml:definitions>
+  <inkml:trace contextRef="#ctx0" brushRef="#br0">118 340 0,'0'26'31,"26"-26"-31,-26 26 16,26 0-1,-26 0-15,0 0 16,26 0 0,-26 0-16,0 0 15,0 0 1,0-1 0,0 1-1</inkml:trace>
+  <inkml:trace contextRef="#ctx0" brushRef="#br0" timeOffset="541">170 107 0,'-26'0'15,"0"0"17,26 26-17,-26-26-15,26 26 16,-26 0-16,0 0 15,26 0 1,-25-1-16,25 1 16,-26-26-1,52 0 32,-26-26-47,25 26 16,-25-25-16,0-1 0,26 0 15,0 0 1,-26 0-16,26 0 0,-26 0 16,26 0-16,-26 0 15,26 26-15,0-26 0,0 26 16,0 0 0,-26 26-16,26 0 15,-26 0-15,0 0 0,26-26 16,-26 52-16,26-52 15,-26 26-15,0 0 0,25 0 16,-25-1-16</inkml:trace>
+</inkml:ink>
+</file>
+
+<file path=ppt/ink/ink38.xml><?xml version="1.0" encoding="utf-8"?>
+<inkml:ink xmlns:inkml="http://www.w3.org/2003/InkML">
+  <inkml:definitions>
+    <inkml:context xml:id="ctx0">
+      <inkml:inkSource xml:id="inkSrc0">
+        <inkml:traceFormat>
+          <inkml:channel name="X" type="integer" max="1920" units="cm"/>
+          <inkml:channel name="Y" type="integer" max="1080" units="cm"/>
+          <inkml:channel name="T" type="integer" max="2.14748E9" units="dev"/>
+        </inkml:traceFormat>
+        <inkml:channelProperties>
+          <inkml:channelProperty channel="X" name="resolution" value="55.81395" units="1/cm"/>
+          <inkml:channelProperty channel="Y" name="resolution" value="55.6701" units="1/cm"/>
+          <inkml:channelProperty channel="T" name="resolution" value="1" units="1/dev"/>
+        </inkml:channelProperties>
+      </inkml:inkSource>
+      <inkml:timestamp xml:id="ts0" timeString="2020-12-14T06:17:47.702"/>
+    </inkml:context>
+    <inkml:brush xml:id="br0">
+      <inkml:brushProperty name="width" value="0.05" units="cm"/>
+      <inkml:brushProperty name="height" value="0.05" units="cm"/>
+      <inkml:brushProperty name="fitToCurve" value="1"/>
+    </inkml:brush>
+  </inkml:definitions>
+  <inkml:trace contextRef="#ctx0" brushRef="#br0">181 211 0,'0'-26'16,"0"0"-1,0 0 16,26 52 1,-26 0-17,0 0-15,0-1 16,0 1-16,0 0 0,26 0 16,-26 26-16,0-26 15,26 26-15,-26-26 0,0 26 16,26-27-16,-26 1 15,0 0-15,0 0 0,0 0 16,0 0-16</inkml:trace>
+  <inkml:trace contextRef="#ctx0" brushRef="#br0" timeOffset="533">207 55 0,'0'26'47,"-26"0"-31,0 0-1,0 0 1,0-26-16,26 26 0,-25-26 16,25 26-16,-26-26 0,0 0 15,26 25 1,-26-25-1,52 0 17,0 0-17,-26-25 1,26 25-16,-1-26 0,-25 0 16,26 0-16,0 0 15,-26 0-15,26 0 16,-26 0-16,26 26 15,-26-26-15,26 26 16,0 0 0,-26 26-16,26-26 0,0 26 15,0 0-15,0 0 16,25 0-16,-25 26 0</inkml:trace>
+</inkml:ink>
+</file>
+
+<file path=ppt/ink/ink39.xml><?xml version="1.0" encoding="utf-8"?>
+<inkml:ink xmlns:inkml="http://www.w3.org/2003/InkML">
+  <inkml:definitions>
+    <inkml:context xml:id="ctx0">
+      <inkml:inkSource xml:id="inkSrc0">
+        <inkml:traceFormat>
+          <inkml:channel name="X" type="integer" max="1920" units="cm"/>
+          <inkml:channel name="Y" type="integer" max="1080" units="cm"/>
+          <inkml:channel name="T" type="integer" max="2.14748E9" units="dev"/>
+        </inkml:traceFormat>
+        <inkml:channelProperties>
+          <inkml:channelProperty channel="X" name="resolution" value="55.81395" units="1/cm"/>
+          <inkml:channelProperty channel="Y" name="resolution" value="55.6701" units="1/cm"/>
+          <inkml:channelProperty channel="T" name="resolution" value="1" units="1/dev"/>
+        </inkml:channelProperties>
+      </inkml:inkSource>
+      <inkml:timestamp xml:id="ts0" timeString="2020-12-14T06:18:11.160"/>
+    </inkml:context>
+    <inkml:brush xml:id="br0">
+      <inkml:brushProperty name="width" value="0.05" units="cm"/>
+      <inkml:brushProperty name="height" value="0.05" units="cm"/>
+      <inkml:brushProperty name="fitToCurve" value="1"/>
+    </inkml:brush>
+  </inkml:definitions>
+  <inkml:trace contextRef="#ctx0" brushRef="#br0">285 129 0,'26'-26'16,"-1"26"-1,1-26-15,0 26 16,-26-26-16,26 26 16,-26-26-16,26 26 15,-26-25 1,-26 25 0,0 0-16,0 0 0,0 25 15,1-25-15,-27 26 16,26-26-16,-26 26 0,0 0 15,26 0-15,0-26 16,0 26-16,0 0 0,1 0 16,25 0-16,0 0 0,0 0 15,25 0 1,1-1-16,0-25 16,0 26-16,26-26 15,-26 0-15,0 0 0,26 26 16,-26-26-16,0 0 0,-1 0 15,1 0-15,0 0 16,0 0-16,-26-26 16,0 0-1,-26 26 1,0 0 0,0 0-16,1 0 15,-1 26-15,0 0 0,0-26 16,0 26-16,0 26 0,0-26 15,26 0-15,0 0 16,0 0-16,0 0 0,26 0 16,0-1-16,0 1 15,0 0-15,0-26 0,25 26 16,-25-26-16,26 0 0,-26 0 16,26 0-16,-26 0 15,0 0-15,26 0 0,-26 0 16,-26-26-16,25 26 15</inkml:trace>
+  <inkml:trace contextRef="#ctx0" brushRef="#br0" timeOffset="293">829 285 0,'-26'0'15,"0"-26"-15,52 26 47,-26 26-31,26-26-16,0 26 0,-26-1 16,26-25-16,0 26 0,0 0 15,0 0-15,-1 0 16,1 0-16,-26 0 15,0 0 1</inkml:trace>
+  <inkml:trace contextRef="#ctx0" brushRef="#br0" timeOffset="563">1062 207 0,'-26'26'31,"26"0"-31,-26 0 16,0 0-16,26-1 0,-25 1 15,-1 0-15,26 0 16,-26 0-16,0 0 0,0 0 15,26 0-15,-26 0 16,26 0-16,-26 0 0,26 0 16,0-1-1,0 1-15,26-26 16</inkml:trace>
+  <inkml:trace contextRef="#ctx0" brushRef="#br0" timeOffset="1180">1270 25 0,'0'26'31,"-26"-26"-31,26 26 16,0 0-16,-26 0 15,26 26-15,0-26 0,0 26 16,0-26-16,26 25 16,-26-25-16,0 26 0,26 0 15,-26 0-15,0-26 0,25 26 16,-25-1-16,0-25 16,0 26-16,0-26 0,0 0 15,0 26-15,0-26 0,-25 0 16,25 0-1,0-52 17,0 0-17,0 0-15,0-26 0,0 26 16,25-26-16,-25 0 16,0 1-16,0-1 0,0 26 15,26-26-15,-26 26 16,0 0-16,26 0 0,-26 0 15,26 26-15,-26-26 0,26 1 16,0 25 0,0 0-1,0 0-15,0 0 16,0 25-16,0-25 16,-26 26-16,26 0 15,-26 0-15,0 0 16,-26 0-16,0 0 15,0-26-15,0 26 16,0 0-16,0-26 0,0 0 16,0 26-16,0-26 0,0 0 15</inkml:trace>
 </inkml:ink>
 </file>
 
@@ -7799,7 +8754,7 @@
           <inkml:channelProperty channel="T" name="resolution" value="1" units="1/dev"/>
         </inkml:channelProperties>
       </inkml:inkSource>
-      <inkml:timestamp xml:id="ts0" timeString="2020-09-26T02:34:55.960"/>
+      <inkml:timestamp xml:id="ts0" timeString="2020-12-14T06:01:25.090"/>
     </inkml:context>
     <inkml:brush xml:id="br0">
       <inkml:brushProperty name="width" value="0.05" units="cm"/>
@@ -7807,7 +8762,194 @@
       <inkml:brushProperty name="fitToCurve" value="1"/>
     </inkml:brush>
   </inkml:definitions>
-  <inkml:trace contextRef="#ctx0" brushRef="#br0">73 52 0,'-24'0'15,"24"-24"-15,-25 24 125,50 0-62,-1 0-32,1 0-31,-1 0 16,0 0-16,1 0 0,-1 0 15,1 0 1,-1 0-16,0 0 0,1 0 16,-1 0-1,1 0-15,-1-25 16,-24 50 15,-24-25-15,-1 0-16,1 0 15,-1 0 1,1 0-16,0 0 0,-1 0 16,1 0-1,-1 0-15,1 0 0,0 0 16,-1 0-16,1 0 15,-1 0-15,1 0 16,48 24 15,1-24-31,-1 0 16,1 0-16,-1 0 16,0 0-16,1 0 15,-1-24-15,1 24 0,-1 0 16,0 0-16,1 0 15,-1 0 1,-48 0 31,-1 24-31</inkml:trace>
+  <inkml:trace contextRef="#ctx0" brushRef="#br0">1587 1143 0,'26'-26'16,"-26"0"15,-26 26 0,1 0-15,-1 26-1,0-26 1,26 26-16,-26-26 0,0 26 16,26 0-16,-26-26 15,26 26-15,-26 0 0,26 0 16,-26 0-16,26 0 16,0 0-16,0 0 0,0-1 15,0 1-15,0 0 16,26 0-16,0 0 15,0-26-15,0 0 0,0 0 16,0 0-16,0 0 16,-1 0-16,1 0 0,-26-26 15,26 26-15,-26-26 0,26 26 16,-26-26-16,0 0 16,-26 26-16,0-25 15,26-1 1,0 0 15,26 26-15,0 0-16,0 0 15,0 0 1,0 0-16,0 0 16,0 26-16,-26 0 15,0-1 1,26 1-16,-26 0 0,0 0 15,0 0-15,0 0 16,0 0-16,0 0 16</inkml:trace>
+  <inkml:trace contextRef="#ctx0" brushRef="#br0" timeOffset="631">2002 1247 0,'0'-26'31,"0"52"0,0 0-15,0 0-16,0 0 16,0 0-1,0 0-15,0-1 0,0 1 16,0 0-16,0 0 16,0 0-1,0-52 16,0 0-15,0 0 0,0 0-16,0 1 15,0-1-15,0 0 0,0 0 16,0-26-16,0 26 16,0 0-16,0 0 0,26 26 15,-26-26-15,0 0 0,26 26 16,0 0 15,0 0-15,0 0-16,0 0 15,-26 26-15,26-26 0,-1 26 16,-25 0 0,-25 0-1,-1 0 1,0 0-16,0-26 15,26 26-15,-26-26 0,0 26 16,0-26-16,0 0 16,0 0-16</inkml:trace>
+  <inkml:trace contextRef="#ctx0" brushRef="#br0" timeOffset="1603">1795 1713 0,'0'-25'31,"26"25"-31,-26-26 16,0 0-1,0 52 48,0 0-48,0-1-15,0 1 16,0 0-16,0 0 16,0 0-16,0 0 15,0 0-15,0 0 16,0 0-16,0 0 16,-26 0-16,26 0 15,0-1 1,26-25-1,0-25 17,0 25-32,-1-26 15,1 26 1,0-26-16,0 26 0,0 0 16,0 0-16,0 0 0,0-26 15,26 26-15,-26 0 16,0 0-16,25 0 0,-25 0 15,26 0-15,-26 0 16,26 0-16,-26 0 0,0 0 16,0 0-16,25 0 0,-25 0 15,0 0 1,0 0 0,-52 0 15</inkml:trace>
+  <inkml:trace contextRef="#ctx0" brushRef="#br0" timeOffset="33636">162 107 0,'-26'0'47,"0"0"-32,0 25 1,0-25-16,26 26 16,-26 0-16,26 0 15,-26 0-15,26 0 16,0 26-16,0-26 0,26 0 15,-26 0-15,26 0 16,0-1-16,0 1 0,0-26 16,0 26-16,0 0 15,0-26-15,0 0 0,26 0 16,-27 0-16,1 0 0,0 0 16,0 0-16,0 0 15,0-26-15,0 26 0,0-26 16,-26 0-16,26 26 15,-26-25-15,0-1 0,0 0 16,-26 0-16,26 0 0,0 0 16,-26 0-16,0 0 15,26 0-15,-26 0 0,0 0 16,0 0-16,0 26 16,0-25-1,1 25-15,-1 0 0,0 0 16,0 0-1,0 0-15,0 25 16,26 1 15,26-26-31</inkml:trace>
+  <inkml:trace contextRef="#ctx0" brushRef="#br0" timeOffset="34313">732 132 0,'-26'26'63,"26"0"-48,0 0-15,0 0 0,0 26 16,0-26-16,26 0 16,-26 0-16,0 26 0,26-27 15,-26 1 1,26 0-16,-26 0 0,0 0 15,0 0 1,0-52 15,0 0-15,0 0 0,0 0-16,0 0 15,0 1-15,-26-1 0,26 0 16,-26-26-16,26 26 0,-26-26 15,26 0-15,0 26 16,-26-25-16,26 25 0,0 0 16,26 0-16,-26 0 15,26 26-15,0 0 16,0 0-16,0 0 16,0 0-16,0 0 15,0 0-15,0 26 0,-1-26 16,1 26-16,0 0 15,-26 0-15,0-1 16,0 1-16,-26 0 0,0 0 16,26 0-16,-25 0 15,-1-26-15,26 26 0,-26 0 16,0 0-16,0-26 16,0 0-1</inkml:trace>
+  <inkml:trace contextRef="#ctx0" brushRef="#br0" timeOffset="35152">421 806 0,'26'0'0,"-26"-26"15,0 0 1,26 26-16,0-25 31,0 50-15,-26 1-1,0 0 1,0 0-16,0 0 16,0 0-16,0 26 0,0-26 15,0 0-15,0 0 16,0 0-16,0 25 0,0-25 15,26-26-15,-26 26 16,0 0-16,0 0 0,0 0 16,0 0-1,0 0 1,0 0-16,0 0 31,0 0-15,26-26-16,0 0 15,-1 0 1,1 0-16,0 0 16,0 0-16,0 0 15,0 0-15,0 0 0,26 0 16,-26-26-16,0 26 16,0 0-16,25 0 0,-25 0 15,0 0-15,0-26 0,0 26 16,0 0-16,0 0 15,-52 0 64</inkml:trace>
+  <inkml:trace contextRef="#ctx0" brushRef="#br0" timeOffset="36917">577 1351 0,'0'26'94,"0"-1"-78,0 1-1,0 0 1,0 0-16,0 0 16,0 0-16,0 0 15,26 0-15,-26 0 16,0 0-16,0 0 0,0 0 16,0-1-16,0 1 0,0 0 15,0 0-15,0 0 16,0 0-16,0 0 0,0 0 15,0 0-15,0 0 0,0 0 16,0 25-16,0-25 16,0 26-16,0-26 0,0 0 15,0 26-15,0-26 16,0 0-16,0 26 0,0 25 16,0-51-16,0 0 15,0 26-15,0-26 16,0 0-16,0 26 0,0-26 15,0 0-15,0 25 16,0-25-16,0 0 0,0 0 16,0 0-16,0 0 0,25 0 15,-25 0-15,0 0 16,0 0-16,0 0 0,0-1 16,0 1-1,0 0-15,0 0 16,0 0-1,26-26-15,-26 26 16,0 0-16,0 0 16,26 0-1,-26 0 1,0 0 0,26-26-1,-26 26 1,0-1 15,26-25 0,-26 26-31,26-26 16,-26-26 31,26 26-32,0 0-15,0 0 16,0-25 0,0 25-16,0 0 15,-1 0-15,1 0 16,0 0-16,0 0 16,0 0-16,0 0 15,0 0-15,0 0 0,26 0 16,-26 0-16,0 0 15,-1 0-15,1-26 16,0 26 47,0 0-32,-26 26 31</inkml:trace>
+  <inkml:trace contextRef="#ctx0" brushRef="#br0" timeOffset="38951">1743 3346 0,'0'-26'31,"26"26"1,-26-26-1,-26 26 0,0 0-15,0 0-1,0 0 1,26 26 0,-26-26-16,0 26 15,26 0-15,-26 0 16,26 0-16,0 0 16,0 0-16,0 0 15,0 0-15,26-26 16,-26 26-16,26-26 0,0 26 15,0-26-15,0 0 16,0 0-16,0 0 0,0 0 16,0 0-16,0 0 15,0-26-15,-1 0 16,1 26-16,-26-26 0,0 0 16,0 0-16,0 0 15,0 0-15,0 0 0,-26 0 16,26 0-1,0 0-15,-25 1 0,-1 25 16,26-26-16,-26 26 0,0 0 16,0 0-16,0 0 15,0 0-15,0 0 16,0 0-16,26 26 16,-26-26-16</inkml:trace>
+  <inkml:trace contextRef="#ctx0" brushRef="#br0" timeOffset="39682">2313 3191 0,'-26'-26'47,"0"26"-47,0 0 15,0 0 1,1 0-16,-1 26 16,0-26-16,0 0 15,0 0-15,0 0 0,0 26 16,0-26-16,0 0 31,26 26-31,26-26 31,0 26-15,0-1 15,-26 1-15,26 0-16,-26 0 15,0 0 1,0 0 0,0 0-1,26 0 1,-26 0 0,0 0-1,26-26 1,-26 26-1,26-26-15,0 0 16,-1 0-16,1-26 16,0 26-1,0 0-15,0 0 16,0 0 0,0 0-16</inkml:trace>
+  <inkml:trace contextRef="#ctx0" brushRef="#br0" timeOffset="39935">2106 3346 0,'-26'0'0,"52"0"32,0 0-32,0 0 15,0 0 1,-1 0-16,1 0 0,0 0 16,0-26-16,0 26 15</inkml:trace>
+</inkml:ink>
+</file>
+
+<file path=ppt/ink/ink40.xml><?xml version="1.0" encoding="utf-8"?>
+<inkml:ink xmlns:inkml="http://www.w3.org/2003/InkML">
+  <inkml:definitions>
+    <inkml:context xml:id="ctx0">
+      <inkml:inkSource xml:id="inkSrc0">
+        <inkml:traceFormat>
+          <inkml:channel name="X" type="integer" max="1920" units="cm"/>
+          <inkml:channel name="Y" type="integer" max="1080" units="cm"/>
+          <inkml:channel name="T" type="integer" max="2.14748E9" units="dev"/>
+        </inkml:traceFormat>
+        <inkml:channelProperties>
+          <inkml:channelProperty channel="X" name="resolution" value="55.81395" units="1/cm"/>
+          <inkml:channelProperty channel="Y" name="resolution" value="55.6701" units="1/cm"/>
+          <inkml:channelProperty channel="T" name="resolution" value="1" units="1/dev"/>
+        </inkml:channelProperties>
+      </inkml:inkSource>
+      <inkml:timestamp xml:id="ts0" timeString="2020-12-14T06:18:17.317"/>
+    </inkml:context>
+    <inkml:brush xml:id="br0">
+      <inkml:brushProperty name="width" value="0.05" units="cm"/>
+      <inkml:brushProperty name="height" value="0.05" units="cm"/>
+      <inkml:brushProperty name="fitToCurve" value="1"/>
+    </inkml:brush>
+  </inkml:definitions>
+  <inkml:trace contextRef="#ctx0" brushRef="#br0">27 363 0,'0'-26'0,"-26"26"31,26-26-31,0 0 47,26 26-32,0 0-15,0-26 16,0 26-16,0 0 16,0 0-16,0 0 0,0 0 15,0 0-15,0 0 0,0 0 16,0 0-1,-52 0 1,0 0 0</inkml:trace>
+  <inkml:trace contextRef="#ctx0" brushRef="#br0" timeOffset="574">546 52 0,'26'0'31,"-26"26"-15,0-1 0,0 1-1,26 0 1,-26 0-16,0 0 16,0 0-16,26 0 0,-26 0 15,0 0-15,0 0 16,25 0-16,-25 0 0,0-1 15,26-25 1,-26 26-16,26-26 16,-26-26-1,26 1 1,-26-1-16,26 26 0,-26-26 16,26 0-16,-26 0 15,26 0-15,-26 0 0,0 0 16,26 0-16,-26 0 15,0 0-15,26 0 16,-26 1 0,26 25-1,0 0 32</inkml:trace>
+  <inkml:trace contextRef="#ctx0" brushRef="#br0" timeOffset="1175">1038 207 0,'26'0'110,"-26"-26"-110,26 26 0,0 0 15,-26-26 1,26 26-16,-26-26 16,26 26-16,-26-26 15,26 1-15,-26-1 16,0 0 0,0 0-1,-26 26 1,0 0-1,0 0-15,0 26 16,0-26-16,0 26 0,0 0 16,0-26-16,26 25 15,0 1-15,0 0 16,26 0-16,-26 0 16,26-26-16,0 26 15,0 0-15,0-26 0,26 26 16,-26-26-16,0 26 0,0-26 15,-1 0-15,1 0 16,0 0 0,0-26-1,-26 0 1,26 0 0</inkml:trace>
+</inkml:ink>
+</file>
+
+<file path=ppt/ink/ink41.xml><?xml version="1.0" encoding="utf-8"?>
+<inkml:ink xmlns:inkml="http://www.w3.org/2003/InkML">
+  <inkml:definitions>
+    <inkml:context xml:id="ctx0">
+      <inkml:inkSource xml:id="inkSrc0">
+        <inkml:traceFormat>
+          <inkml:channel name="X" type="integer" max="1920" units="cm"/>
+          <inkml:channel name="Y" type="integer" max="1080" units="cm"/>
+          <inkml:channel name="T" type="integer" max="2.14748E9" units="dev"/>
+        </inkml:traceFormat>
+        <inkml:channelProperties>
+          <inkml:channelProperty channel="X" name="resolution" value="55.81395" units="1/cm"/>
+          <inkml:channelProperty channel="Y" name="resolution" value="55.6701" units="1/cm"/>
+          <inkml:channelProperty channel="T" name="resolution" value="1" units="1/dev"/>
+        </inkml:channelProperties>
+      </inkml:inkSource>
+      <inkml:timestamp xml:id="ts0" timeString="2020-12-14T06:18:40.405"/>
+    </inkml:context>
+    <inkml:brush xml:id="br0">
+      <inkml:brushProperty name="width" value="0.05" units="cm"/>
+      <inkml:brushProperty name="height" value="0.05" units="cm"/>
+      <inkml:brushProperty name="fitToCurve" value="1"/>
+    </inkml:brush>
+  </inkml:definitions>
+  <inkml:trace contextRef="#ctx0" brushRef="#br0">6 544 0,'0'-26'0,"26"26"0,-26-26 15,26 26-15,-52 0 32,26 26-17,-26-26-15,26 26 16,0 0 0,0 0-1,0 0 1,0 0-1,0 0-15,26 0 32,0-26-17,0 0-15,0-26 0,0 0 16,26 0-16,0-26 16,25 0-16,27-25 0,26-1 15,25 0-15,1-26 16,25 1-16,26 25 0</inkml:trace>
+</inkml:ink>
+</file>
+
+<file path=ppt/ink/ink42.xml><?xml version="1.0" encoding="utf-8"?>
+<inkml:ink xmlns:inkml="http://www.w3.org/2003/InkML">
+  <inkml:definitions>
+    <inkml:context xml:id="ctx0">
+      <inkml:inkSource xml:id="inkSrc0">
+        <inkml:traceFormat>
+          <inkml:channel name="X" type="integer" max="1920" units="cm"/>
+          <inkml:channel name="Y" type="integer" max="1080" units="cm"/>
+          <inkml:channel name="T" type="integer" max="2.14748E9" units="dev"/>
+        </inkml:traceFormat>
+        <inkml:channelProperties>
+          <inkml:channelProperty channel="X" name="resolution" value="55.81395" units="1/cm"/>
+          <inkml:channelProperty channel="Y" name="resolution" value="55.6701" units="1/cm"/>
+          <inkml:channelProperty channel="T" name="resolution" value="1" units="1/dev"/>
+        </inkml:channelProperties>
+      </inkml:inkSource>
+      <inkml:timestamp xml:id="ts0" timeString="2020-12-14T06:18:42.588"/>
+    </inkml:context>
+    <inkml:brush xml:id="br0">
+      <inkml:brushProperty name="width" value="0.05" units="cm"/>
+      <inkml:brushProperty name="height" value="0.05" units="cm"/>
+      <inkml:brushProperty name="fitToCurve" value="1"/>
+    </inkml:brush>
+  </inkml:definitions>
+  <inkml:trace contextRef="#ctx0" brushRef="#br0">104 184 0,'26'0'16,"-1"-26"-16,1 26 16,0-26-16,0 26 0,-26-25 15,0 50 1,-26-25 0,0 26-16,0 0 15,1 0-15,-1 0 16,0 0-16,0 0 15,26 0-15,26 0 16,0 0 0,0-26-16,-1 26 15,27-26-15,-26 26 0,0-26 16,0 25-16,0-25 0,0 0 16,0 26-16,-26 0 15,0 0-15,-26 0 16,0-26-16,-26 26 15,26 0-15,-26 0 0,26-26 16,-25 26-16,25-26 0,0 0 16,0 0-16,0 0 15,26-26-15</inkml:trace>
+  <inkml:trace contextRef="#ctx0" brushRef="#br0" timeOffset="150">52 210 0,'0'-26'15,"26"0"-15,0 26 0,-26-26 16,26 26-16,25-25 0,-25 25 16,0-26-16,26 26 15,0-26-15,0 26 0,0 0 16,-1 0-16,-25 0 16</inkml:trace>
+  <inkml:trace contextRef="#ctx0" brushRef="#br0" timeOffset="480">881 573 0,'-26'0'16,"0"0"0,26 26-1,0 0-15,0 0 16,0 26-16,26-26 15,-26 0-15,0-1 16,0 1-16,0 0 0,26 0 16</inkml:trace>
+  <inkml:trace contextRef="#ctx0" brushRef="#br0" timeOffset="833">933 495 0,'0'-52'0,"0"1"0,0 25 16,0-26-16,0 26 0,0-26 15,26 26-15,0 0 16,0 0-16,26 0 0,-26 1 16,-1 25-16,1 0 15,0 0-15,0 25 16,-26 1-16,0 0 15,-26 26-15,0 0 0,0-26 16,1 26-16,-27 0 0,26-1 16,0 1-16,0-26 15,0 26-15,26-26 0,0 0 16,0 0-16,26 0 16,0-26-16,26 0 15,-26 0-15,25 0 0,27 0 16,-26 0-16,0-26 15,0 26-15,0-26 0</inkml:trace>
+  <inkml:trace contextRef="#ctx0" brushRef="#br0" timeOffset="1157">1840 495 0,'0'-26'16,"0"52"30,0 0-46,0 0 16,0 0-16,0 0 16,0 26-16,0-26 0,0 0 15,0 26-15,0-27 16,0 1-16,0 0 0,0 0 16,26-26-16</inkml:trace>
+  <inkml:trace contextRef="#ctx0" brushRef="#br0" timeOffset="1435">2203 132 0,'0'-25'0,"0"-1"15,0 0-15,0 0 16,26 26-16,-26-26 16,26 26-16,-26 26 15,26 0-15,-26 0 16,26 0-16,0 25 0,-26 1 16,26 0-16,-26 26 15,0-26-15,0 25 0,0 1 16</inkml:trace>
+</inkml:ink>
+</file>
+
+<file path=ppt/ink/ink43.xml><?xml version="1.0" encoding="utf-8"?>
+<inkml:ink xmlns:inkml="http://www.w3.org/2003/InkML">
+  <inkml:definitions>
+    <inkml:context xml:id="ctx0">
+      <inkml:inkSource xml:id="inkSrc0">
+        <inkml:traceFormat>
+          <inkml:channel name="X" type="integer" max="1920" units="cm"/>
+          <inkml:channel name="Y" type="integer" max="1080" units="cm"/>
+          <inkml:channel name="T" type="integer" max="2.14748E9" units="dev"/>
+        </inkml:traceFormat>
+        <inkml:channelProperties>
+          <inkml:channelProperty channel="X" name="resolution" value="55.81395" units="1/cm"/>
+          <inkml:channelProperty channel="Y" name="resolution" value="55.6701" units="1/cm"/>
+          <inkml:channelProperty channel="T" name="resolution" value="1" units="1/dev"/>
+        </inkml:channelProperties>
+      </inkml:inkSource>
+      <inkml:timestamp xml:id="ts0" timeString="2020-12-14T06:18:59.693"/>
+    </inkml:context>
+    <inkml:brush xml:id="br0">
+      <inkml:brushProperty name="width" value="0.05" units="cm"/>
+      <inkml:brushProperty name="height" value="0.05" units="cm"/>
+      <inkml:brushProperty name="fitToCurve" value="1"/>
+    </inkml:brush>
+  </inkml:definitions>
+  <inkml:trace contextRef="#ctx0" brushRef="#br0">0 340 0,'26'0'0,"-26"-26"16,25 26-1,1-26-15,0 26 16,26-25-16,0 25 0,0-26 16,0 0-16,-1 26 15,27-26-15,-26 0 0,0 26 16,-26-26-16,26 26 0,-26 0 15,-1 0-15,-25-26 16,-25 26-16,-1 0 16</inkml:trace>
+  <inkml:trace contextRef="#ctx0" brushRef="#br0" timeOffset="288">259 55 0,'0'-26'16,"26"26"15,0-26-15,0 26-16,-1 0 15,1 0-15,26 0 0,-26 26 16,0 0-16,26 0 0,-26 0 16,-26 0-16,26 0 15,-26 26-15,-26 0 0,-26 25 16,-26 1-16</inkml:trace>
+</inkml:ink>
+</file>
+
+<file path=ppt/ink/ink44.xml><?xml version="1.0" encoding="utf-8"?>
+<inkml:ink xmlns:inkml="http://www.w3.org/2003/InkML">
+  <inkml:definitions>
+    <inkml:context xml:id="ctx0">
+      <inkml:inkSource xml:id="inkSrc0">
+        <inkml:traceFormat>
+          <inkml:channel name="X" type="integer" max="1920" units="cm"/>
+          <inkml:channel name="Y" type="integer" max="1080" units="cm"/>
+          <inkml:channel name="T" type="integer" max="2.14748E9" units="dev"/>
+        </inkml:traceFormat>
+        <inkml:channelProperties>
+          <inkml:channelProperty channel="X" name="resolution" value="55.81395" units="1/cm"/>
+          <inkml:channelProperty channel="Y" name="resolution" value="55.6701" units="1/cm"/>
+          <inkml:channelProperty channel="T" name="resolution" value="1" units="1/dev"/>
+        </inkml:channelProperties>
+      </inkml:inkSource>
+      <inkml:timestamp xml:id="ts0" timeString="2020-12-14T06:18:58.715"/>
+    </inkml:context>
+    <inkml:brush xml:id="br0">
+      <inkml:brushProperty name="width" value="0.05" units="cm"/>
+      <inkml:brushProperty name="height" value="0.05" units="cm"/>
+      <inkml:brushProperty name="fitToCurve" value="1"/>
+    </inkml:brush>
+  </inkml:definitions>
+  <inkml:trace contextRef="#ctx0" brushRef="#br0">26 373 0,'-26'0'0,"52"0"47,0-26-47,0 26 0,-1-26 15,27 26-15,-26-25 16,0 25-16,26-26 0,-26 0 15,0 26-15,26-26 0,-26 26 16,-1-26 0,1 26-16,0 0 15</inkml:trace>
+  <inkml:trace contextRef="#ctx0" brushRef="#br0" timeOffset="379">259 36 0,'0'-26'0,"-26"26"16,52 0 15,0 0-16,0 0 1,0 0-16,26 0 0,-27 0 16,1 0-16,0 0 0,0 0 15,0 0-15,0 0 16,0 26-16,-26 0 16,0 0-1,0 0-15,0 0 0,-26 0 16,26 0-16,-26 0 0,26 0 15,-26 0-15,26 0 16,-26-1-16,26 1 0,-26 0 16,26 0-16,0 26 15,-26-26-15,26 0 0</inkml:trace>
+</inkml:ink>
+</file>
+
+<file path=ppt/ink/ink45.xml><?xml version="1.0" encoding="utf-8"?>
+<inkml:ink xmlns:inkml="http://www.w3.org/2003/InkML">
+  <inkml:definitions>
+    <inkml:context xml:id="ctx0">
+      <inkml:inkSource xml:id="inkSrc0">
+        <inkml:traceFormat>
+          <inkml:channel name="X" type="integer" max="1920" units="cm"/>
+          <inkml:channel name="Y" type="integer" max="1080" units="cm"/>
+          <inkml:channel name="T" type="integer" max="2.14748E9" units="dev"/>
+        </inkml:traceFormat>
+        <inkml:channelProperties>
+          <inkml:channelProperty channel="X" name="resolution" value="55.81395" units="1/cm"/>
+          <inkml:channelProperty channel="Y" name="resolution" value="55.6701" units="1/cm"/>
+          <inkml:channelProperty channel="T" name="resolution" value="1" units="1/dev"/>
+        </inkml:channelProperties>
+      </inkml:inkSource>
+      <inkml:timestamp xml:id="ts0" timeString="2020-12-14T06:18:57.821"/>
+    </inkml:context>
+    <inkml:brush xml:id="br0">
+      <inkml:brushProperty name="width" value="0.05" units="cm"/>
+      <inkml:brushProperty name="height" value="0.05" units="cm"/>
+      <inkml:brushProperty name="fitToCurve" value="1"/>
+    </inkml:brush>
+  </inkml:definitions>
+  <inkml:trace contextRef="#ctx0" brushRef="#br0">0 260 0,'25'0'16,"1"0"0,0 0-1,0-26-15,0 26 16,26 0 0,-26 0-16,0-26 0,26 26 15,-26 0-15,-1 0 0,1 0 16,0-26-16,0 26 15</inkml:trace>
+  <inkml:trace contextRef="#ctx0" brushRef="#br0" timeOffset="374">259 1 0,'-26'0'16,"52"0"31,0 0-32,0 0-15,-1 0 16,1 0-16,0 0 0,0 0 16,0 0-16,0 0 0,0 0 15,0 0-15,0 0 16,0 26-16,0-26 0,-26 25 16,0 1-1,-26 0-15,0 0 16,0 0-16,0 0 0,0 0 15,0 0-15,0 0 16,26 0-16,-26-26 0,26 26 16</inkml:trace>
 </inkml:ink>
 </file>
 
@@ -7827,7 +8969,7 @@
           <inkml:channelProperty channel="T" name="resolution" value="1" units="1/dev"/>
         </inkml:channelProperties>
       </inkml:inkSource>
-      <inkml:timestamp xml:id="ts0" timeString="2020-09-26T02:34:59.429"/>
+      <inkml:timestamp xml:id="ts0" timeString="2020-12-14T06:02:08.922"/>
     </inkml:context>
     <inkml:brush xml:id="br0">
       <inkml:brushProperty name="width" value="0.05" units="cm"/>
@@ -7835,10 +8977,8 @@
       <inkml:brushProperty name="fitToCurve" value="1"/>
     </inkml:brush>
   </inkml:definitions>
-  <inkml:trace contextRef="#ctx0" brushRef="#br0">24 25 0,'0'-25'156,"24"25"-156,-24 25 47,-24-1-47,24 25 16,0-25-16,0 1 15,-24 24-15,24-1 0,0-23 16,0 24-16,24-25 15,-24 1-15,0-1 0,24 25 16,-24-25-16,25-24 0,-25 25 16,24-1-16,1-24 15,-25 25-15,24-25 0,0 0 16</inkml:trace>
-  <inkml:trace contextRef="#ctx0" brushRef="#br0" timeOffset="572">317 196 0,'0'-25'0,"0"1"15,24 24-15,-24-25 32,0 50 15,0-1-47,0 1 15,0-1 1,0 0-16,0 1 0,0-1 15,0 1 1,0-1-16,25-24 16,-25 25-16,24-25 0,1 0 15,-1 0 1,1 0-16,-25-25 16,0 1-16,24 24 15,-24-25-15,0 1 16,0-1-16,24 1 15,-24 0-15,0-1 16,0 50 15,0-1-15,0 0-16,0 1 0,0 24 16,0-25-16,0 1 15,0-1-15,0 25 0,25-25 16,-25 1-16,0-1 15,24-24-15,-24 25 0</inkml:trace>
-  <inkml:trace contextRef="#ctx0" brushRef="#br0" timeOffset="1512">805 244 0,'-24'25'78,"24"-1"-78,-24 1 16,24-1 0,0 1-16,0-1 15,24-24-15,-24 24 0,24-24 16,-24 25 0,25-25-16,-1 0 0,1 0 15,-1 0 1,1 0-16,-25-25 0,24 25 15,0-24-15,-24 0 0,25-1 16,-25 1-16,0-1 16,0 1-16,-25 24 15,1-25-15,0 1 16,-1 24-16,1 0 16,-1-24-1,50 24 16,-1 0-31,1 0 16,-1 0-16,0 0 0,1 0 16,24 0-16,-25 0 15,1 0-15,-1 0 0,0 0 16,1 0-16,-1 0 0,1 0 16,-1 0-1,1 0-15,-1 0 0,0 0 16,-48 0-1,0 0 1,-1 24-16,25 0 16,-24-24-16,-1 25 15,25-1-15,-24 1 0,24-1 16,0 1-16,0-1 0,24-24 16,-24 24-16,25 1 15,-1-25-15,1 0 0,-1 0 16,0 0-16,1-25 15,-1 25-15,1-24 0,-1 0 16,-24-1 0,0 1-16,0-1 15,0 1 1,0-1-16,-24 25 0,-1-24 16,1 0-1,-1-1-15,1 25 16,0 0-1,-1 0 1,25 25 0,0-1-1,25-24-15,-1 0 0,0 0 16</inkml:trace>
-  <inkml:trace contextRef="#ctx0" brushRef="#br0" timeOffset="1801">1489 0 0,'25'25'47,"-1"-1"-47,1 1 15,-1-1 1,25 25-16,-25-25 0,1 25 16,-25 0-16,0 0 15,0 0-15,0-1 0,-49 1 16,0-24-16</inkml:trace>
+  <inkml:trace contextRef="#ctx0" brushRef="#br0">27 26 0,'0'-26'32,"0"52"-1,-26-26-31,26 26 15,0-1 1,0 1-16,0 0 16,0 0-16,26 0 0,-26 0 15,26 0-15,-26 0 16,26 0-16,-26 0 0,0 26 16,26-27-16,-26 1 0,26 0 15,-26 0-15,0 26 16,26-26-16,-26 0 0,0 0 15,0 0-15,26-26 16,-26 26-16,0 0 0,0 0 16,26-26-1,-26 25-15,26-25 16,0 0-16,-1 0 16,1 0-1,0 26-15,0-26 16,26 0-16,-26 0 15,0 0-15,26 0 0,-26 0 16,25 0-16,-25 0 0,26-26 16,0 26-16,-26 0 15,0 0-15,26 0 0,-26 0 16,0 0-16,-26 26 16,0 0-1,0 0 16,-26-26-31</inkml:trace>
+  <inkml:trace contextRef="#ctx0" brushRef="#br0" timeOffset="1709">157 725 0,'-26'0'16,"26"26"15,0 0-31,26-26 15,-26 26-15,0 0 16,0 0-16,26 0 0,-26 0 16,0 26-16,0-26 15,0 25-15,26 1 0,-26-26 16,0 26-16,0-26 0,26 26 16,-26 0-16,0-26 15,0-1-15,0 27 0,0-26 16,26 0-16,-26 26 15,0-26-15,0 0 0,0 26 16,0-26-16,0 25 0,-26-25 16,26 26-16,0-26 15,0 26-15,0-26 0,-26 26 16,26-26-16,0 25 0,0-25 16,0 26-16,0-26 15,0 0-15,0 26 0,0-26 16,0 26-16,0-26 15,0 25-15,0-25 0,0 0 16,0 26-16,0-26 0,0 0 16,-26 26-16,26-26 15,0 25-15,0-25 0,0 26 16,0-26-16,0 26 16,0-26-16,0 26 0,0-26 15,0 0-15,0 25 0,0-25 16,0 0-16,0 0 15,0 26-15,0-26 0,0 0 16,0 26-16,0-26 16,0 0-16,0 25 0,0-25 15,0 26-15,0-26 0,0 0 16,0 26-16,0-26 16,0 0-16,0 25 0,26-25 15,-26 0-15,0 0 16,0 0-16,0 0 0,0 0 15,0 0-15,0 0 0,0 0 16,0 0-16,0 0 16,0-1-16,0 1 0,0 0 15,0 0 1,0 0-16,0 0 0,0 0 16,0 0-16,0 0 15,0 0-15,0 0 16,0 0-16,0-1 15,0 1-15,0 0 16,0 0-16,0 0 0,0 0 16,0 0-16,0 0 15,0 0-15,0 0 16,0 0-16,0 0 16,0 0-16,0-1 15,0 1-15,0 0 16,26-26 31,0 0-32,-1 0 1,1 0 0,0 0-1,0 0-15,-26 26 16,26-26-16,0 0 15,0 0-15,0 0 0,0 0 16,0 0-16,0 0 0,25 0 16,-25 0-16,0 0 15,0-26-15,0 26 0,0 0 16,0 0-16,0 0 0,0 0 16,0 0-1,0 0-15,0 0 16,-1 0-1,1 0-15,0 0 16,0 0 0,-26 26-16,26-26 15,0 0 17,0 0-17,0 0-15,0 0 16,0 0-1,-52 26 48</inkml:trace>
 </inkml:ink>
 </file>
 
@@ -7858,7 +8998,7 @@
           <inkml:channelProperty channel="T" name="resolution" value="1" units="1/dev"/>
         </inkml:channelProperties>
       </inkml:inkSource>
-      <inkml:timestamp xml:id="ts0" timeString="2020-09-26T02:35:07.144"/>
+      <inkml:timestamp xml:id="ts0" timeString="2020-12-14T06:02:24.329"/>
     </inkml:context>
     <inkml:brush xml:id="br0">
       <inkml:brushProperty name="width" value="0.05" units="cm"/>
@@ -7866,8 +9006,100 @@
       <inkml:brushProperty name="fitToCurve" value="1"/>
     </inkml:brush>
   </inkml:definitions>
-  <inkml:trace contextRef="#ctx0" brushRef="#br0">0 57 0,'0'-25'16,"24"25"77,0 0-77,1 0-16,-1 0 16,1 0-16,-1-24 15,1 24-15,-1 0 0,0 0 16,1 0-16,-1 0 16,1 0-16,-1 0 15,1 0 1,-25 24 31,0 1-47,0-1 15,0 1-15,0 23 0,0-23 16,0 24-16,0-1 16,0 1-16,24 0 0,-24-24 15,0 23-15,0 1 16,0-24-16,24-1 0,-24 1 15,0-1-15,0 0 16,25-24-16</inkml:trace>
-  <inkml:trace contextRef="#ctx0" brushRef="#br0" timeOffset="1070">195 374 0,'24'0'47,"1"0"-31,-1-24-16,1 24 15,24-25-15,-25 25 16,0 0-16,1-24 0,-1 24 15,25-25-15,-24 25 16,-1-24-16,0 24 0,1 0 16,-1 0-16,1 0 15,-1 0-15,0 0 16,1 0-16,-1 0 16,-24-24-16,25 24 15,-25-25 1,24 25 15,-48 0-15,-1 25-1,1-1 1,-1 0 0,1-24-16,24 25 0,-24-1 15,24 1-15,-25-1 16,25 1-1,25-1 1,-1-24 0,0 0-16,1 0 0,-1 0 15,1 0-15,-1 0 16,1 0-16,-1 0 0,0 0 16,-24-24-16,25 24 0,-1 0 15,-24-25 1,-24 25-16,-1-24 15,1-1-15,0 25 0,-1-24 16,1-1-16,-1 25 16,1-24-16,-1 24 0,1-24 15,24-1-15,24 25 47,1 0-31,-1 0-16,1 0 15,-1 0-15,1 0 0,-1 0 16,0 0-16,1 0 16,-1 0-16,1 0 0,-1 0 15,1 0 1,-1 0-16,0 25 31,-24-1-15,0 0 15,0 1-31,0-1 16,0 1-16,0-1 0,0 1 15,25-1-15,-25 0 16,0 1-16,24-25 0,1 24 16,-1 1-1,1-25-15,-1 0 0,0 0 16,1-25-1,-25 1 1,0-1-16,0 1 0,0 0 16,0-1-16,0 1 0,0-1 15,-25 1-15,1-1 16,0 1-16,-25 24 0,24-24 16,-24 24-16,25 0 15,-25 0-15</inkml:trace>
+  <inkml:trace contextRef="#ctx0" brushRef="#br0">0 553 0,'0'26'16,"26"0"-1,-26 0 1,0 0-16,26 0 0,-26 0 16,0 26-16,26-26 0,-26 25 15,26-25-15,-26 26 16,26-26-16,-26 26 0,0 0 15,26-26-15,-26 0 16,0 25-16,26-25 0,-26 0 16,0 0-16</inkml:trace>
+  <inkml:trace contextRef="#ctx0" brushRef="#br0" timeOffset="468">104 968 0,'0'-26'15,"26"0"1,0 0-16,0 26 16,0-26-16,-1 26 15,1 0-15,0-26 0,0 26 16,0-25-16,0 25 15,0-26-15,-26 0 16,26 0-16,-26 0 0,0 0 16,-26-26-1,26 26-15,-26 0 0,26 0 16,-26 26-16,26-26 16,0 0-16,-26 26 0,26-25 15,0 50 1,0 1-1,26 0-15,-26 0 16,26 0-16,0 26 0,-26-26 16,26 0-16,0 26 15,0-26-15,-26 0 0,26-1 16,0 27-16,-1-26 16,-25 0-16,26 0 0,-26 0 15,0 0-15,26 0 0,-26 0 16</inkml:trace>
+  <inkml:trace contextRef="#ctx0" brushRef="#br0" timeOffset="714">726 709 0,'-26'-26'0,"26"52"32,0 0-17,26-26-15,-26 26 0,26 0 16,-26 0-16,0-1 16,26 1-16,-26 0 0,26-26 15,-26 26-15,26 0 16,-26 0-16,0 0 15,25-26-15</inkml:trace>
+  <inkml:trace contextRef="#ctx0" brushRef="#br0" timeOffset="876">596 527 0,'26'0'16</inkml:trace>
+  <inkml:trace contextRef="#ctx0" brushRef="#br0" timeOffset="1338">1011 761 0,'0'26'16,"26"-26"31,0 0-32,0 0-15,0 0 16,0-26-16,-1 26 16,-25-26-16,26 26 15,-26-26-15,0 0 16,0 0 0,-26 0-1,1 26-15,-1-26 16,0 26-16,0 0 15,0 26-15,0-26 16,0 26-16,26 0 16,-26 0-16,26 0 15,0 0-15,26-26 0,-26 26 16,26 0-16,0-1 16,0 1-16,0 0 0,0-26 15,0 26-15,-1-26 16,1 26-16,0-26 0,26 0 15,-26 0-15</inkml:trace>
+  <inkml:trace contextRef="#ctx0" brushRef="#br0" timeOffset="1734">1296 553 0,'26'0'16,"-26"26"-1,26-26-15,-26 26 16,26-26-16,-26 26 0,26 0 16,0 0-16,-26 0 0,26 0 15,-26 0-15,26-26 16,-26 26-16,25 0 0,-25-1 31,0-50-15,-25 25-16,25-26 15,-26 0-15,0 0 16,26 0-16,0 0 16,-26-26-16,26 26 15,0 0-15,0 0 0,26 0 16,-26 0-16,26 1 0,0 25 15,-1 0 1,1 0-16</inkml:trace>
+  <inkml:trace contextRef="#ctx0" brushRef="#br0" timeOffset="2280">1840 579 0,'26'0'16,"-26"-26"-1,0 0 1,0 0 0,-26 26-1,0-25-15,1-1 16,-1 26-16,0 0 15,0-26-15,0 26 0,0 0 16,0 26-16,26 0 16,-26-26-16,26 25 0,0 1 15,-26 0-15,26 0 0,0 0 16,0 0 0,26 0-16,-26 0 0,26-26 15,0 26 1,0-26-16,0 0 15,0 0-15,0 0 16,0-26-16,-1 0 16,1 0-1,-26 0-15,0 0 16,0 0-16,0 0 0,0 0 16,0 1-16,0-1 15,0 52 16,0-1-31,0 1 16,26 0-16,-26 0 16,0 0-16,26 0 0,0 0 15,0 0 1</inkml:trace>
+  <inkml:trace contextRef="#ctx0" brushRef="#br0" timeOffset="2640">1944 450 0,'0'-26'16,"-26"0"-16,26 0 16,26 26-1,0 26-15,0 0 16,0 0-16,0-26 0,0 26 15,0-1-15,-26 1 16,25 0-16,1-26 0,0 26 16,-26 0-16,26-26 15,-52 0 1,0 0 0,26-26-1,-26 0-15,26 0 16,0 0-16,0 1 15,-25-1-15,25 0 0,0 0 16,25 0-16,1 0 16,0 0-16,0 26 15</inkml:trace>
+  <inkml:trace contextRef="#ctx0" brushRef="#br0" timeOffset="3487">2566 372 0,'0'-26'32,"-26"26"-17,26-26-15,-26 26 16,0 0-16,0-26 0,0 26 15,1 0-15,-1 0 0,0 0 16,0 0 0,0 0-16,26 26 0,-26-26 15,26 26-15,0 0 16,0 0-16,0 0 0,0 0 16,26 0-16,0-1 15,0-25-15,0 26 16,0-26-16,-1 0 0,1 26 15,26-26-15,-26 0 16,0 0-16,26-26 0,-26 26 16,0-26-16,0 26 0,-26-25 15,26-1-15,-26 0 16,0 0-16,0 0 16,0 0-16,-26-26 0,0 26 15,0 0-15,0-26 16,0 27-16,0-1 0,0-26 15,0 26-15,0 0 16,26 0-16,-26 26 16,52 0-1,-26 26 1,26-26-16,-26 26 0,26-26 16,-26 26-16,26 0 15,0 0-15,0 0 0,-26 25 16,26-25-16,0 0 0,0 0 15,0 0-15,-26 0 16,26 0-16,-1 0 0,-25 0 16,26 0-16,-26 0 15,26-26-15,-26-26 47,0 0-31,0 0-1,26 0-15,-26 0 0,0 0 16,0 0-16,26 0 0,-26 0 16,26 0-16,0 26 15,0 0 1,0 26 0,-26 0-16,0 0 0,26 0 15,0 0-15,-26 0 16,0 0-16,26 0 15,-26 0-15,25-26 16,-25 26 0</inkml:trace>
+  <inkml:trace contextRef="#ctx0" brushRef="#br0" timeOffset="4134">3136 190 0,'-26'-25'0,"0"25"31,26 25-15,26 1 0,-26 0-16,26-26 15,0 26 1,0-26-16,0 0 0,0 26 15,0-26-15,0 0 0,0 0 16,0 0-16,0-26 16,-1 26-16,1-26 0,0 0 15,-26 0 1,-26 26-16,0-25 16,1-1-16,-1 0 15,0 0-15,0 26 16,0-26-16,26 52 31,0 0-31,0 0 16,26 0-16,0-1 15,0 27-15,0-26 0,-1 0 16,1 0-16,0 26 0,26-26 16,-26 0-16,0 26 15,0-27-15,0 1 0,0 26 16,0-26-16,0 0 0,-26 0 15,25 0-15,-25 0 16,0 0-16,-25-26 0,-1 26 16,0-26-16,0 0 15,0 0-15,0 0 0,-26 0 16,26 0-16,0-26 0,0 0 16,0 0-16,1 0 15,25-26-15,0 26 0,-26-26 16,26 1-16,0 25 15,26-26-15,-26 26 0,25 0 16,-25 0-16,26 0 0,0 26 16,0 0-16,0 0 15</inkml:trace>
+</inkml:ink>
+</file>
+
+<file path=ppt/ink/ink7.xml><?xml version="1.0" encoding="utf-8"?>
+<inkml:ink xmlns:inkml="http://www.w3.org/2003/InkML">
+  <inkml:definitions>
+    <inkml:context xml:id="ctx0">
+      <inkml:inkSource xml:id="inkSrc0">
+        <inkml:traceFormat>
+          <inkml:channel name="X" type="integer" max="1920" units="cm"/>
+          <inkml:channel name="Y" type="integer" max="1080" units="cm"/>
+          <inkml:channel name="T" type="integer" max="2.14748E9" units="dev"/>
+        </inkml:traceFormat>
+        <inkml:channelProperties>
+          <inkml:channelProperty channel="X" name="resolution" value="55.81395" units="1/cm"/>
+          <inkml:channelProperty channel="Y" name="resolution" value="55.6701" units="1/cm"/>
+          <inkml:channelProperty channel="T" name="resolution" value="1" units="1/dev"/>
+        </inkml:channelProperties>
+      </inkml:inkSource>
+      <inkml:timestamp xml:id="ts0" timeString="2020-12-14T06:02:51.629"/>
+    </inkml:context>
+    <inkml:brush xml:id="br0">
+      <inkml:brushProperty name="width" value="0.05" units="cm"/>
+      <inkml:brushProperty name="height" value="0.05" units="cm"/>
+      <inkml:brushProperty name="fitToCurve" value="1"/>
+    </inkml:brush>
+  </inkml:definitions>
+  <inkml:trace contextRef="#ctx0" brushRef="#br0">0 26 0,'26'0'32,"-26"-26"-32,26 26 15,0 0-15,0 0 16,26 0-16,26 0 0,-1 0 16,27 0-16,0 0 15</inkml:trace>
+</inkml:ink>
+</file>
+
+<file path=ppt/ink/ink8.xml><?xml version="1.0" encoding="utf-8"?>
+<inkml:ink xmlns:inkml="http://www.w3.org/2003/InkML">
+  <inkml:definitions>
+    <inkml:context xml:id="ctx0">
+      <inkml:inkSource xml:id="inkSrc0">
+        <inkml:traceFormat>
+          <inkml:channel name="X" type="integer" max="1920" units="cm"/>
+          <inkml:channel name="Y" type="integer" max="1080" units="cm"/>
+          <inkml:channel name="T" type="integer" max="2.14748E9" units="dev"/>
+        </inkml:traceFormat>
+        <inkml:channelProperties>
+          <inkml:channelProperty channel="X" name="resolution" value="55.81395" units="1/cm"/>
+          <inkml:channelProperty channel="Y" name="resolution" value="55.6701" units="1/cm"/>
+          <inkml:channelProperty channel="T" name="resolution" value="1" units="1/dev"/>
+        </inkml:channelProperties>
+      </inkml:inkSource>
+      <inkml:timestamp xml:id="ts0" timeString="2020-12-14T06:02:52.168"/>
+    </inkml:context>
+    <inkml:brush xml:id="br0">
+      <inkml:brushProperty name="width" value="0.05" units="cm"/>
+      <inkml:brushProperty name="height" value="0.05" units="cm"/>
+      <inkml:brushProperty name="fitToCurve" value="1"/>
+    </inkml:brush>
+  </inkml:definitions>
+  <inkml:trace contextRef="#ctx0" brushRef="#br0">0 129 0,'0'-26'0,"26"26"0,0-26 32,0 26-32,25-25 0,1 25 15,0-26-15,26 26 16,-26 0-16,25-26 0,1 26 15,-26 0-15</inkml:trace>
+</inkml:ink>
+</file>
+
+<file path=ppt/ink/ink9.xml><?xml version="1.0" encoding="utf-8"?>
+<inkml:ink xmlns:inkml="http://www.w3.org/2003/InkML">
+  <inkml:definitions>
+    <inkml:context xml:id="ctx0">
+      <inkml:inkSource xml:id="inkSrc0">
+        <inkml:traceFormat>
+          <inkml:channel name="X" type="integer" max="1920" units="cm"/>
+          <inkml:channel name="Y" type="integer" max="1080" units="cm"/>
+          <inkml:channel name="T" type="integer" max="2.14748E9" units="dev"/>
+        </inkml:traceFormat>
+        <inkml:channelProperties>
+          <inkml:channelProperty channel="X" name="resolution" value="55.81395" units="1/cm"/>
+          <inkml:channelProperty channel="Y" name="resolution" value="55.6701" units="1/cm"/>
+          <inkml:channelProperty channel="T" name="resolution" value="1" units="1/dev"/>
+        </inkml:channelProperties>
+      </inkml:inkSource>
+      <inkml:timestamp xml:id="ts0" timeString="2020-12-14T06:02:52.695"/>
+    </inkml:context>
+    <inkml:brush xml:id="br0">
+      <inkml:brushProperty name="width" value="0.05" units="cm"/>
+      <inkml:brushProperty name="height" value="0.05" units="cm"/>
+      <inkml:brushProperty name="fitToCurve" value="1"/>
+    </inkml:brush>
+  </inkml:definitions>
+  <inkml:trace contextRef="#ctx0" brushRef="#br0">32 233 0,'0'-26'16,"-26"26"-16,26-26 15,0 0-15,26 0 16,-1 0-1,27 1-15,0 25 0,0-26 16,26 0-16,0 0 16,-1 26-16</inkml:trace>
 </inkml:ink>
 </file>
 
@@ -7953,7 +9185,7 @@
           <a:p>
             <a:fld id="{4AF2A06D-4991-4208-8C88-4E8BAD69A8B8}" type="datetimeFigureOut">
               <a:rPr lang="en-US" smtClean="0"/>
-              <a:t>12/8/2020</a:t>
+              <a:t>12/14/2020</a:t>
             </a:fld>
             <a:endParaRPr lang="en-US"/>
           </a:p>
@@ -8577,7 +9809,7 @@
           <a:p>
             <a:fld id="{E26E0DA5-0C76-4851-AA82-0B75261F9EB4}" type="datetimeFigureOut">
               <a:rPr lang="en-US" smtClean="0"/>
-              <a:t>12/8/2020</a:t>
+              <a:t>12/14/2020</a:t>
             </a:fld>
             <a:endParaRPr lang="en-US"/>
           </a:p>
@@ -8745,7 +9977,7 @@
           <a:p>
             <a:fld id="{E26E0DA5-0C76-4851-AA82-0B75261F9EB4}" type="datetimeFigureOut">
               <a:rPr lang="en-US" smtClean="0"/>
-              <a:t>12/8/2020</a:t>
+              <a:t>12/14/2020</a:t>
             </a:fld>
             <a:endParaRPr lang="en-US"/>
           </a:p>
@@ -8923,7 +10155,7 @@
           <a:p>
             <a:fld id="{E26E0DA5-0C76-4851-AA82-0B75261F9EB4}" type="datetimeFigureOut">
               <a:rPr lang="en-US" smtClean="0"/>
-              <a:t>12/8/2020</a:t>
+              <a:t>12/14/2020</a:t>
             </a:fld>
             <a:endParaRPr lang="en-US"/>
           </a:p>
@@ -9250,7 +10482,7 @@
             <a:fld id="{9578D6DB-6798-42D2-B9AD-FC6F1C72FC30}" type="datetimeFigureOut">
               <a:rPr lang="en-US" smtClean="0"/>
               <a:pPr/>
-              <a:t>12/8/2020</a:t>
+              <a:t>12/14/2020</a:t>
             </a:fld>
             <a:endParaRPr lang="en-US"/>
           </a:p>
@@ -9492,7 +10724,7 @@
             <a:fld id="{425404F2-BE9A-4460-8815-8F645183555F}" type="datetimeFigureOut">
               <a:rPr lang="en-US" smtClean="0"/>
               <a:pPr/>
-              <a:t>12/8/2020</a:t>
+              <a:t>12/14/2020</a:t>
             </a:fld>
             <a:endParaRPr lang="en-US"/>
           </a:p>
@@ -9620,7 +10852,7 @@
             <a:fld id="{425404F2-BE9A-4460-8815-8F645183555F}" type="datetimeFigureOut">
               <a:rPr lang="en-US" smtClean="0"/>
               <a:pPr/>
-              <a:t>12/8/2020</a:t>
+              <a:t>12/14/2020</a:t>
             </a:fld>
             <a:endParaRPr lang="en-US"/>
           </a:p>
@@ -9870,7 +11102,7 @@
             <a:fld id="{425404F2-BE9A-4460-8815-8F645183555F}" type="datetimeFigureOut">
               <a:rPr lang="en-US" smtClean="0"/>
               <a:pPr/>
-              <a:t>12/8/2020</a:t>
+              <a:t>12/14/2020</a:t>
             </a:fld>
             <a:endParaRPr lang="en-US"/>
           </a:p>
@@ -10040,7 +11272,7 @@
             <a:fld id="{425404F2-BE9A-4460-8815-8F645183555F}" type="datetimeFigureOut">
               <a:rPr lang="en-US" smtClean="0"/>
               <a:pPr/>
-              <a:t>12/8/2020</a:t>
+              <a:t>12/14/2020</a:t>
             </a:fld>
             <a:endParaRPr lang="en-US"/>
           </a:p>
@@ -10327,7 +11559,7 @@
             <a:fld id="{425404F2-BE9A-4460-8815-8F645183555F}" type="datetimeFigureOut">
               <a:rPr lang="en-US" smtClean="0"/>
               <a:pPr/>
-              <a:t>12/8/2020</a:t>
+              <a:t>12/14/2020</a:t>
             </a:fld>
             <a:endParaRPr lang="en-US"/>
           </a:p>
@@ -10748,7 +11980,7 @@
             <a:fld id="{425404F2-BE9A-4460-8815-8F645183555F}" type="datetimeFigureOut">
               <a:rPr lang="en-US" smtClean="0"/>
               <a:pPr/>
-              <a:t>12/8/2020</a:t>
+              <a:t>12/14/2020</a:t>
             </a:fld>
             <a:endParaRPr lang="en-US"/>
           </a:p>
@@ -10873,7 +12105,7 @@
             <a:fld id="{425404F2-BE9A-4460-8815-8F645183555F}" type="datetimeFigureOut">
               <a:rPr lang="en-US" smtClean="0"/>
               <a:pPr/>
-              <a:t>12/8/2020</a:t>
+              <a:t>12/14/2020</a:t>
             </a:fld>
             <a:endParaRPr lang="en-US"/>
           </a:p>
@@ -11099,7 +12331,7 @@
           <a:p>
             <a:fld id="{E26E0DA5-0C76-4851-AA82-0B75261F9EB4}" type="datetimeFigureOut">
               <a:rPr lang="en-US" smtClean="0"/>
-              <a:t>12/8/2020</a:t>
+              <a:t>12/14/2020</a:t>
             </a:fld>
             <a:endParaRPr lang="en-US"/>
           </a:p>
@@ -11223,7 +12455,7 @@
             <a:fld id="{425404F2-BE9A-4460-8815-8F645183555F}" type="datetimeFigureOut">
               <a:rPr lang="en-US" smtClean="0"/>
               <a:pPr/>
-              <a:t>12/8/2020</a:t>
+              <a:t>12/14/2020</a:t>
             </a:fld>
             <a:endParaRPr lang="en-US"/>
           </a:p>
@@ -11770,7 +13002,7 @@
             <a:fld id="{425404F2-BE9A-4460-8815-8F645183555F}" type="datetimeFigureOut">
               <a:rPr lang="en-US" smtClean="0"/>
               <a:pPr/>
-              <a:t>12/8/2020</a:t>
+              <a:t>12/14/2020</a:t>
             </a:fld>
             <a:endParaRPr lang="en-US"/>
           </a:p>
@@ -11918,7 +13150,7 @@
             <a:fld id="{425404F2-BE9A-4460-8815-8F645183555F}" type="datetimeFigureOut">
               <a:rPr lang="en-US" smtClean="0"/>
               <a:pPr/>
-              <a:t>12/8/2020</a:t>
+              <a:t>12/14/2020</a:t>
             </a:fld>
             <a:endParaRPr lang="en-US"/>
           </a:p>
@@ -12151,7 +13383,7 @@
             <a:fld id="{425404F2-BE9A-4460-8815-8F645183555F}" type="datetimeFigureOut">
               <a:rPr lang="en-US" smtClean="0"/>
               <a:pPr/>
-              <a:t>12/8/2020</a:t>
+              <a:t>12/14/2020</a:t>
             </a:fld>
             <a:endParaRPr lang="en-US"/>
           </a:p>
@@ -12389,7 +13621,7 @@
             <a:fld id="{425404F2-BE9A-4460-8815-8F645183555F}" type="datetimeFigureOut">
               <a:rPr lang="en-US" smtClean="0"/>
               <a:pPr/>
-              <a:t>12/8/2020</a:t>
+              <a:t>12/14/2020</a:t>
             </a:fld>
             <a:endParaRPr lang="en-US"/>
           </a:p>
@@ -12571,7 +13803,7 @@
             <a:fld id="{425404F2-BE9A-4460-8815-8F645183555F}" type="datetimeFigureOut">
               <a:rPr lang="en-US" smtClean="0"/>
               <a:pPr/>
-              <a:t>12/8/2020</a:t>
+              <a:t>12/14/2020</a:t>
             </a:fld>
             <a:endParaRPr lang="en-US"/>
           </a:p>
@@ -12848,7 +14080,7 @@
             <a:fld id="{425404F2-BE9A-4460-8815-8F645183555F}" type="datetimeFigureOut">
               <a:rPr lang="en-US" smtClean="0"/>
               <a:pPr/>
-              <a:t>12/8/2020</a:t>
+              <a:t>12/14/2020</a:t>
             </a:fld>
             <a:endParaRPr lang="en-US"/>
           </a:p>
@@ -13102,7 +14334,7 @@
             <a:fld id="{425404F2-BE9A-4460-8815-8F645183555F}" type="datetimeFigureOut">
               <a:rPr lang="en-US" smtClean="0"/>
               <a:pPr/>
-              <a:t>12/8/2020</a:t>
+              <a:t>12/14/2020</a:t>
             </a:fld>
             <a:endParaRPr lang="en-US"/>
           </a:p>
@@ -13272,7 +14504,7 @@
             <a:fld id="{425404F2-BE9A-4460-8815-8F645183555F}" type="datetimeFigureOut">
               <a:rPr lang="en-US" smtClean="0"/>
               <a:pPr/>
-              <a:t>12/8/2020</a:t>
+              <a:t>12/14/2020</a:t>
             </a:fld>
             <a:endParaRPr lang="en-US"/>
           </a:p>
@@ -13452,7 +14684,7 @@
             <a:fld id="{425404F2-BE9A-4460-8815-8F645183555F}" type="datetimeFigureOut">
               <a:rPr lang="en-US" smtClean="0"/>
               <a:pPr/>
-              <a:t>12/8/2020</a:t>
+              <a:t>12/14/2020</a:t>
             </a:fld>
             <a:endParaRPr lang="en-US"/>
           </a:p>
@@ -13698,7 +14930,7 @@
           <a:p>
             <a:fld id="{E26E0DA5-0C76-4851-AA82-0B75261F9EB4}" type="datetimeFigureOut">
               <a:rPr lang="en-US" smtClean="0"/>
-              <a:t>12/8/2020</a:t>
+              <a:t>12/14/2020</a:t>
             </a:fld>
             <a:endParaRPr lang="en-US"/>
           </a:p>
@@ -13927,7 +15159,7 @@
           <a:p>
             <a:fld id="{E26E0DA5-0C76-4851-AA82-0B75261F9EB4}" type="datetimeFigureOut">
               <a:rPr lang="en-US" smtClean="0"/>
-              <a:t>12/8/2020</a:t>
+              <a:t>12/14/2020</a:t>
             </a:fld>
             <a:endParaRPr lang="en-US"/>
           </a:p>
@@ -14291,7 +15523,7 @@
           <a:p>
             <a:fld id="{E26E0DA5-0C76-4851-AA82-0B75261F9EB4}" type="datetimeFigureOut">
               <a:rPr lang="en-US" smtClean="0"/>
-              <a:t>12/8/2020</a:t>
+              <a:t>12/14/2020</a:t>
             </a:fld>
             <a:endParaRPr lang="en-US"/>
           </a:p>
@@ -14408,7 +15640,7 @@
           <a:p>
             <a:fld id="{E26E0DA5-0C76-4851-AA82-0B75261F9EB4}" type="datetimeFigureOut">
               <a:rPr lang="en-US" smtClean="0"/>
-              <a:t>12/8/2020</a:t>
+              <a:t>12/14/2020</a:t>
             </a:fld>
             <a:endParaRPr lang="en-US"/>
           </a:p>
@@ -14503,7 +15735,7 @@
           <a:p>
             <a:fld id="{E26E0DA5-0C76-4851-AA82-0B75261F9EB4}" type="datetimeFigureOut">
               <a:rPr lang="en-US" smtClean="0"/>
-              <a:t>12/8/2020</a:t>
+              <a:t>12/14/2020</a:t>
             </a:fld>
             <a:endParaRPr lang="en-US"/>
           </a:p>
@@ -14778,7 +16010,7 @@
           <a:p>
             <a:fld id="{E26E0DA5-0C76-4851-AA82-0B75261F9EB4}" type="datetimeFigureOut">
               <a:rPr lang="en-US" smtClean="0"/>
-              <a:t>12/8/2020</a:t>
+              <a:t>12/14/2020</a:t>
             </a:fld>
             <a:endParaRPr lang="en-US"/>
           </a:p>
@@ -15030,7 +16262,7 @@
           <a:p>
             <a:fld id="{E26E0DA5-0C76-4851-AA82-0B75261F9EB4}" type="datetimeFigureOut">
               <a:rPr lang="en-US" smtClean="0"/>
-              <a:t>12/8/2020</a:t>
+              <a:t>12/14/2020</a:t>
             </a:fld>
             <a:endParaRPr lang="en-US"/>
           </a:p>
@@ -15241,7 +16473,7 @@
           <a:p>
             <a:fld id="{E26E0DA5-0C76-4851-AA82-0B75261F9EB4}" type="datetimeFigureOut">
               <a:rPr lang="en-US" smtClean="0"/>
-              <a:t>12/8/2020</a:t>
+              <a:t>12/14/2020</a:t>
             </a:fld>
             <a:endParaRPr lang="en-US"/>
           </a:p>
@@ -15798,7 +17030,7 @@
             <a:fld id="{425404F2-BE9A-4460-8815-8F645183555F}" type="datetimeFigureOut">
               <a:rPr lang="en-US" smtClean="0"/>
               <a:pPr/>
-              <a:t>12/8/2020</a:t>
+              <a:t>12/14/2020</a:t>
             </a:fld>
             <a:endParaRPr lang="en-US"/>
           </a:p>
@@ -22560,10 +23792,10 @@
         <mc:Choice xmlns:p14="http://schemas.microsoft.com/office/powerpoint/2010/main" Requires="p14">
           <p:contentPart p14:bwMode="auto" r:id="rId4">
             <p14:nvContentPartPr>
-              <p14:cNvPr id="42" name="Ink 41">
+              <p14:cNvPr id="25" name="Ink 24">
                 <a:extLst>
                   <a:ext uri="{FF2B5EF4-FFF2-40B4-BE49-F238E27FC236}">
-                    <a16:creationId xmlns:a16="http://schemas.microsoft.com/office/drawing/2014/main" id="{B919EDCA-4DE4-4264-B93B-30836E61BD81}"/>
+                    <a16:creationId xmlns:a16="http://schemas.microsoft.com/office/drawing/2014/main" id="{0ED5B117-8530-4731-A934-CBF8254864E6}"/>
                   </a:ext>
                 </a:extLst>
               </p14:cNvPr>
@@ -22571,18 +23803,18 @@
               <p14:nvPr/>
             </p14:nvContentPartPr>
             <p14:xfrm>
-              <a:off x="11211711" y="5600243"/>
-              <a:ext cx="679320" cy="161640"/>
+              <a:off x="8368891" y="5485673"/>
+              <a:ext cx="1400760" cy="495720"/>
             </p14:xfrm>
           </p:contentPart>
         </mc:Choice>
         <mc:Fallback>
           <p:pic>
             <p:nvPicPr>
-              <p:cNvPr id="42" name="Ink 41">
+              <p:cNvPr id="25" name="Ink 24">
                 <a:extLst>
                   <a:ext uri="{FF2B5EF4-FFF2-40B4-BE49-F238E27FC236}">
-                    <a16:creationId xmlns:a16="http://schemas.microsoft.com/office/drawing/2014/main" id="{B919EDCA-4DE4-4264-B93B-30836E61BD81}"/>
+                    <a16:creationId xmlns:a16="http://schemas.microsoft.com/office/drawing/2014/main" id="{0ED5B117-8530-4731-A934-CBF8254864E6}"/>
                   </a:ext>
                 </a:extLst>
               </p:cNvPr>
@@ -22597,8 +23829,8 @@
             </p:blipFill>
             <p:spPr>
               <a:xfrm>
-                <a:off x="11202711" y="5591243"/>
-                <a:ext cx="696960" cy="179280"/>
+                <a:off x="8359891" y="5476673"/>
+                <a:ext cx="1418400" cy="513360"/>
               </a:xfrm>
               <a:prstGeom prst="rect">
                 <a:avLst/>
@@ -22611,10 +23843,10 @@
         <mc:Choice xmlns:p14="http://schemas.microsoft.com/office/powerpoint/2010/main" Requires="p14">
           <p:contentPart p14:bwMode="auto" r:id="rId6">
             <p14:nvContentPartPr>
-              <p14:cNvPr id="58" name="Ink 57">
+              <p14:cNvPr id="31" name="Ink 30">
                 <a:extLst>
                   <a:ext uri="{FF2B5EF4-FFF2-40B4-BE49-F238E27FC236}">
-                    <a16:creationId xmlns:a16="http://schemas.microsoft.com/office/drawing/2014/main" id="{B6F3A477-499B-45C7-97DA-EA4A3AFC960F}"/>
+                    <a16:creationId xmlns:a16="http://schemas.microsoft.com/office/drawing/2014/main" id="{6520BA61-1306-4C0D-9134-A4192959F5B0}"/>
                   </a:ext>
                 </a:extLst>
               </p14:cNvPr>
@@ -22622,18 +23854,18 @@
               <p14:nvPr/>
             </p14:nvContentPartPr>
             <p14:xfrm>
-              <a:off x="8949831" y="5624003"/>
-              <a:ext cx="3124080" cy="680400"/>
+              <a:off x="9134251" y="5812913"/>
+              <a:ext cx="600480" cy="180000"/>
             </p14:xfrm>
           </p:contentPart>
         </mc:Choice>
         <mc:Fallback>
           <p:pic>
             <p:nvPicPr>
-              <p:cNvPr id="58" name="Ink 57">
+              <p:cNvPr id="31" name="Ink 30">
                 <a:extLst>
                   <a:ext uri="{FF2B5EF4-FFF2-40B4-BE49-F238E27FC236}">
-                    <a16:creationId xmlns:a16="http://schemas.microsoft.com/office/drawing/2014/main" id="{B6F3A477-499B-45C7-97DA-EA4A3AFC960F}"/>
+                    <a16:creationId xmlns:a16="http://schemas.microsoft.com/office/drawing/2014/main" id="{6520BA61-1306-4C0D-9134-A4192959F5B0}"/>
                   </a:ext>
                 </a:extLst>
               </p:cNvPr>
@@ -22648,8 +23880,8 @@
             </p:blipFill>
             <p:spPr>
               <a:xfrm>
-                <a:off x="8940831" y="5615003"/>
-                <a:ext cx="3141720" cy="698040"/>
+                <a:off x="9125251" y="5803913"/>
+                <a:ext cx="618120" cy="197640"/>
               </a:xfrm>
               <a:prstGeom prst="rect">
                 <a:avLst/>
@@ -22662,10 +23894,10 @@
         <mc:Choice xmlns:p14="http://schemas.microsoft.com/office/powerpoint/2010/main" Requires="p14">
           <p:contentPart p14:bwMode="auto" r:id="rId8">
             <p14:nvContentPartPr>
-              <p14:cNvPr id="88" name="Ink 87">
+              <p14:cNvPr id="34" name="Ink 33">
                 <a:extLst>
                   <a:ext uri="{FF2B5EF4-FFF2-40B4-BE49-F238E27FC236}">
-                    <a16:creationId xmlns:a16="http://schemas.microsoft.com/office/drawing/2014/main" id="{E487A820-E14A-4CB9-A949-A21D12E2287D}"/>
+                    <a16:creationId xmlns:a16="http://schemas.microsoft.com/office/drawing/2014/main" id="{E86173D7-E78F-439B-BC85-BF86220E9FE8}"/>
                   </a:ext>
                 </a:extLst>
               </p14:cNvPr>
@@ -22673,18 +23905,18 @@
               <p14:nvPr/>
             </p14:nvContentPartPr>
             <p14:xfrm>
-              <a:off x="6910791" y="4730123"/>
-              <a:ext cx="3967200" cy="1802160"/>
+              <a:off x="8649331" y="5280833"/>
+              <a:ext cx="226080" cy="140760"/>
             </p14:xfrm>
           </p:contentPart>
         </mc:Choice>
         <mc:Fallback>
           <p:pic>
             <p:nvPicPr>
-              <p:cNvPr id="88" name="Ink 87">
+              <p:cNvPr id="34" name="Ink 33">
                 <a:extLst>
                   <a:ext uri="{FF2B5EF4-FFF2-40B4-BE49-F238E27FC236}">
-                    <a16:creationId xmlns:a16="http://schemas.microsoft.com/office/drawing/2014/main" id="{E487A820-E14A-4CB9-A949-A21D12E2287D}"/>
+                    <a16:creationId xmlns:a16="http://schemas.microsoft.com/office/drawing/2014/main" id="{E86173D7-E78F-439B-BC85-BF86220E9FE8}"/>
                   </a:ext>
                 </a:extLst>
               </p:cNvPr>
@@ -22699,8 +23931,8 @@
             </p:blipFill>
             <p:spPr>
               <a:xfrm>
-                <a:off x="6901791" y="4721123"/>
-                <a:ext cx="3984840" cy="1819800"/>
+                <a:off x="8640331" y="5271833"/>
+                <a:ext cx="243720" cy="158400"/>
               </a:xfrm>
               <a:prstGeom prst="rect">
                 <a:avLst/>
@@ -22713,10 +23945,10 @@
         <mc:Choice xmlns:p14="http://schemas.microsoft.com/office/powerpoint/2010/main" Requires="p14">
           <p:contentPart p14:bwMode="auto" r:id="rId10">
             <p14:nvContentPartPr>
-              <p14:cNvPr id="89" name="Ink 88">
+              <p14:cNvPr id="48" name="Ink 47">
                 <a:extLst>
                   <a:ext uri="{FF2B5EF4-FFF2-40B4-BE49-F238E27FC236}">
-                    <a16:creationId xmlns:a16="http://schemas.microsoft.com/office/drawing/2014/main" id="{FAD52738-4E48-406D-9DC1-1D405815114B}"/>
+                    <a16:creationId xmlns:a16="http://schemas.microsoft.com/office/drawing/2014/main" id="{CEB7C193-7055-467F-ADE8-EE76389C83AA}"/>
                   </a:ext>
                 </a:extLst>
               </p14:cNvPr>
@@ -22724,18 +23956,18 @@
               <p14:nvPr/>
             </p14:nvContentPartPr>
             <p14:xfrm>
-              <a:off x="9022551" y="6390803"/>
-              <a:ext cx="132120" cy="19080"/>
+              <a:off x="7732771" y="4934873"/>
+              <a:ext cx="939240" cy="1290960"/>
             </p14:xfrm>
           </p:contentPart>
         </mc:Choice>
         <mc:Fallback>
           <p:pic>
             <p:nvPicPr>
-              <p:cNvPr id="89" name="Ink 88">
+              <p:cNvPr id="48" name="Ink 47">
                 <a:extLst>
                   <a:ext uri="{FF2B5EF4-FFF2-40B4-BE49-F238E27FC236}">
-                    <a16:creationId xmlns:a16="http://schemas.microsoft.com/office/drawing/2014/main" id="{FAD52738-4E48-406D-9DC1-1D405815114B}"/>
+                    <a16:creationId xmlns:a16="http://schemas.microsoft.com/office/drawing/2014/main" id="{CEB7C193-7055-467F-ADE8-EE76389C83AA}"/>
                   </a:ext>
                 </a:extLst>
               </p:cNvPr>
@@ -22750,8 +23982,8 @@
             </p:blipFill>
             <p:spPr>
               <a:xfrm>
-                <a:off x="9013551" y="6381803"/>
-                <a:ext cx="149760" cy="36720"/>
+                <a:off x="7723771" y="4925873"/>
+                <a:ext cx="956880" cy="1308600"/>
               </a:xfrm>
               <a:prstGeom prst="rect">
                 <a:avLst/>
@@ -22764,10 +23996,10 @@
         <mc:Choice xmlns:p14="http://schemas.microsoft.com/office/powerpoint/2010/main" Requires="p14">
           <p:contentPart p14:bwMode="auto" r:id="rId12">
             <p14:nvContentPartPr>
-              <p14:cNvPr id="95" name="Ink 94">
+              <p14:cNvPr id="51" name="Ink 50">
                 <a:extLst>
                   <a:ext uri="{FF2B5EF4-FFF2-40B4-BE49-F238E27FC236}">
-                    <a16:creationId xmlns:a16="http://schemas.microsoft.com/office/drawing/2014/main" id="{6542E748-1D85-484A-9C1B-ECF5BCA90123}"/>
+                    <a16:creationId xmlns:a16="http://schemas.microsoft.com/office/drawing/2014/main" id="{69B2AEAF-20B1-44CE-B6B6-C04CBD5A1B30}"/>
                   </a:ext>
                 </a:extLst>
               </p14:cNvPr>
@@ -22775,18 +24007,18 @@
               <p14:nvPr/>
             </p14:nvContentPartPr>
             <p14:xfrm>
-              <a:off x="9347991" y="6347963"/>
-              <a:ext cx="610200" cy="194400"/>
+              <a:off x="7398691" y="4721393"/>
+              <a:ext cx="402120" cy="1670400"/>
             </p14:xfrm>
           </p:contentPart>
         </mc:Choice>
         <mc:Fallback>
           <p:pic>
             <p:nvPicPr>
-              <p:cNvPr id="95" name="Ink 94">
+              <p:cNvPr id="51" name="Ink 50">
                 <a:extLst>
                   <a:ext uri="{FF2B5EF4-FFF2-40B4-BE49-F238E27FC236}">
-                    <a16:creationId xmlns:a16="http://schemas.microsoft.com/office/drawing/2014/main" id="{6542E748-1D85-484A-9C1B-ECF5BCA90123}"/>
+                    <a16:creationId xmlns:a16="http://schemas.microsoft.com/office/drawing/2014/main" id="{69B2AEAF-20B1-44CE-B6B6-C04CBD5A1B30}"/>
                   </a:ext>
                 </a:extLst>
               </p:cNvPr>
@@ -22801,8 +24033,8 @@
             </p:blipFill>
             <p:spPr>
               <a:xfrm>
-                <a:off x="9338991" y="6338963"/>
-                <a:ext cx="627840" cy="212040"/>
+                <a:off x="7389691" y="4712393"/>
+                <a:ext cx="419760" cy="1688040"/>
               </a:xfrm>
               <a:prstGeom prst="rect">
                 <a:avLst/>
@@ -22815,10 +24047,10 @@
         <mc:Choice xmlns:p14="http://schemas.microsoft.com/office/powerpoint/2010/main" Requires="p14">
           <p:contentPart p14:bwMode="auto" r:id="rId14">
             <p14:nvContentPartPr>
-              <p14:cNvPr id="98" name="Ink 97">
+              <p14:cNvPr id="63" name="Ink 62">
                 <a:extLst>
                   <a:ext uri="{FF2B5EF4-FFF2-40B4-BE49-F238E27FC236}">
-                    <a16:creationId xmlns:a16="http://schemas.microsoft.com/office/drawing/2014/main" id="{2DC1CE4F-4A75-445F-B83E-046723CC4D36}"/>
+                    <a16:creationId xmlns:a16="http://schemas.microsoft.com/office/drawing/2014/main" id="{5D5C892E-3F71-4A92-B507-F5EFF69B5771}"/>
                   </a:ext>
                 </a:extLst>
               </p14:cNvPr>
@@ -22826,18 +24058,18 @@
               <p14:nvPr/>
             </p14:nvContentPartPr>
             <p14:xfrm>
-              <a:off x="9558951" y="4736243"/>
-              <a:ext cx="440640" cy="222840"/>
+              <a:off x="6391411" y="4680713"/>
+              <a:ext cx="1335600" cy="442080"/>
             </p14:xfrm>
           </p:contentPart>
         </mc:Choice>
         <mc:Fallback>
           <p:pic>
             <p:nvPicPr>
-              <p:cNvPr id="98" name="Ink 97">
+              <p:cNvPr id="63" name="Ink 62">
                 <a:extLst>
                   <a:ext uri="{FF2B5EF4-FFF2-40B4-BE49-F238E27FC236}">
-                    <a16:creationId xmlns:a16="http://schemas.microsoft.com/office/drawing/2014/main" id="{2DC1CE4F-4A75-445F-B83E-046723CC4D36}"/>
+                    <a16:creationId xmlns:a16="http://schemas.microsoft.com/office/drawing/2014/main" id="{5D5C892E-3F71-4A92-B507-F5EFF69B5771}"/>
                   </a:ext>
                 </a:extLst>
               </p:cNvPr>
@@ -22852,8 +24084,1334 @@
             </p:blipFill>
             <p:spPr>
               <a:xfrm>
-                <a:off x="9549951" y="4727243"/>
-                <a:ext cx="458280" cy="240480"/>
+                <a:off x="6382411" y="4671713"/>
+                <a:ext cx="1353240" cy="459720"/>
+              </a:xfrm>
+              <a:prstGeom prst="rect">
+                <a:avLst/>
+              </a:prstGeom>
+            </p:spPr>
+          </p:pic>
+        </mc:Fallback>
+      </mc:AlternateContent>
+      <mc:AlternateContent xmlns:mc="http://schemas.openxmlformats.org/markup-compatibility/2006">
+        <mc:Choice xmlns:p14="http://schemas.microsoft.com/office/powerpoint/2010/main" Requires="p14">
+          <p:contentPart p14:bwMode="auto" r:id="rId16">
+            <p14:nvContentPartPr>
+              <p14:cNvPr id="68" name="Ink 67">
+                <a:extLst>
+                  <a:ext uri="{FF2B5EF4-FFF2-40B4-BE49-F238E27FC236}">
+                    <a16:creationId xmlns:a16="http://schemas.microsoft.com/office/drawing/2014/main" id="{0CB3EB12-BC50-430C-B760-7C17D514EFFD}"/>
+                  </a:ext>
+                </a:extLst>
+              </p14:cNvPr>
+              <p14:cNvContentPartPr/>
+              <p14:nvPr/>
+            </p14:nvContentPartPr>
+            <p14:xfrm>
+              <a:off x="6699211" y="1502273"/>
+              <a:ext cx="187200" cy="9720"/>
+            </p14:xfrm>
+          </p:contentPart>
+        </mc:Choice>
+        <mc:Fallback>
+          <p:pic>
+            <p:nvPicPr>
+              <p:cNvPr id="68" name="Ink 67">
+                <a:extLst>
+                  <a:ext uri="{FF2B5EF4-FFF2-40B4-BE49-F238E27FC236}">
+                    <a16:creationId xmlns:a16="http://schemas.microsoft.com/office/drawing/2014/main" id="{0CB3EB12-BC50-430C-B760-7C17D514EFFD}"/>
+                  </a:ext>
+                </a:extLst>
+              </p:cNvPr>
+              <p:cNvPicPr/>
+              <p:nvPr/>
+            </p:nvPicPr>
+            <p:blipFill>
+              <a:blip r:embed="rId17"/>
+              <a:stretch>
+                <a:fillRect/>
+              </a:stretch>
+            </p:blipFill>
+            <p:spPr>
+              <a:xfrm>
+                <a:off x="6690211" y="1493273"/>
+                <a:ext cx="204840" cy="27360"/>
+              </a:xfrm>
+              <a:prstGeom prst="rect">
+                <a:avLst/>
+              </a:prstGeom>
+            </p:spPr>
+          </p:pic>
+        </mc:Fallback>
+      </mc:AlternateContent>
+      <mc:AlternateContent xmlns:mc="http://schemas.openxmlformats.org/markup-compatibility/2006">
+        <mc:Choice xmlns:p14="http://schemas.microsoft.com/office/powerpoint/2010/main" Requires="p14">
+          <p:contentPart p14:bwMode="auto" r:id="rId18">
+            <p14:nvContentPartPr>
+              <p14:cNvPr id="69" name="Ink 68">
+                <a:extLst>
+                  <a:ext uri="{FF2B5EF4-FFF2-40B4-BE49-F238E27FC236}">
+                    <a16:creationId xmlns:a16="http://schemas.microsoft.com/office/drawing/2014/main" id="{141F362D-078E-4BC0-908B-66E6614DADC2}"/>
+                  </a:ext>
+                </a:extLst>
+              </p14:cNvPr>
+              <p14:cNvContentPartPr/>
+              <p14:nvPr/>
+            </p14:nvContentPartPr>
+            <p14:xfrm>
+              <a:off x="7567171" y="1754273"/>
+              <a:ext cx="205560" cy="46800"/>
+            </p14:xfrm>
+          </p:contentPart>
+        </mc:Choice>
+        <mc:Fallback>
+          <p:pic>
+            <p:nvPicPr>
+              <p:cNvPr id="69" name="Ink 68">
+                <a:extLst>
+                  <a:ext uri="{FF2B5EF4-FFF2-40B4-BE49-F238E27FC236}">
+                    <a16:creationId xmlns:a16="http://schemas.microsoft.com/office/drawing/2014/main" id="{141F362D-078E-4BC0-908B-66E6614DADC2}"/>
+                  </a:ext>
+                </a:extLst>
+              </p:cNvPr>
+              <p:cNvPicPr/>
+              <p:nvPr/>
+            </p:nvPicPr>
+            <p:blipFill>
+              <a:blip r:embed="rId19"/>
+              <a:stretch>
+                <a:fillRect/>
+              </a:stretch>
+            </p:blipFill>
+            <p:spPr>
+              <a:xfrm>
+                <a:off x="7558171" y="1745273"/>
+                <a:ext cx="223200" cy="64440"/>
+              </a:xfrm>
+              <a:prstGeom prst="rect">
+                <a:avLst/>
+              </a:prstGeom>
+            </p:spPr>
+          </p:pic>
+        </mc:Fallback>
+      </mc:AlternateContent>
+      <mc:AlternateContent xmlns:mc="http://schemas.openxmlformats.org/markup-compatibility/2006">
+        <mc:Choice xmlns:p14="http://schemas.microsoft.com/office/powerpoint/2010/main" Requires="p14">
+          <p:contentPart p14:bwMode="auto" r:id="rId20">
+            <p14:nvContentPartPr>
+              <p14:cNvPr id="70" name="Ink 69">
+                <a:extLst>
+                  <a:ext uri="{FF2B5EF4-FFF2-40B4-BE49-F238E27FC236}">
+                    <a16:creationId xmlns:a16="http://schemas.microsoft.com/office/drawing/2014/main" id="{82F87BD7-4AB2-4EB7-BDF2-1BB8F6B79EEB}"/>
+                  </a:ext>
+                </a:extLst>
+              </p14:cNvPr>
+              <p14:cNvContentPartPr/>
+              <p14:nvPr/>
+            </p14:nvContentPartPr>
+            <p14:xfrm>
+              <a:off x="7705051" y="2080793"/>
+              <a:ext cx="160920" cy="84240"/>
+            </p14:xfrm>
+          </p:contentPart>
+        </mc:Choice>
+        <mc:Fallback>
+          <p:pic>
+            <p:nvPicPr>
+              <p:cNvPr id="70" name="Ink 69">
+                <a:extLst>
+                  <a:ext uri="{FF2B5EF4-FFF2-40B4-BE49-F238E27FC236}">
+                    <a16:creationId xmlns:a16="http://schemas.microsoft.com/office/drawing/2014/main" id="{82F87BD7-4AB2-4EB7-BDF2-1BB8F6B79EEB}"/>
+                  </a:ext>
+                </a:extLst>
+              </p:cNvPr>
+              <p:cNvPicPr/>
+              <p:nvPr/>
+            </p:nvPicPr>
+            <p:blipFill>
+              <a:blip r:embed="rId21"/>
+              <a:stretch>
+                <a:fillRect/>
+              </a:stretch>
+            </p:blipFill>
+            <p:spPr>
+              <a:xfrm>
+                <a:off x="7696051" y="2071793"/>
+                <a:ext cx="178560" cy="101880"/>
+              </a:xfrm>
+              <a:prstGeom prst="rect">
+                <a:avLst/>
+              </a:prstGeom>
+            </p:spPr>
+          </p:pic>
+        </mc:Fallback>
+      </mc:AlternateContent>
+      <mc:AlternateContent xmlns:mc="http://schemas.openxmlformats.org/markup-compatibility/2006">
+        <mc:Choice xmlns:p14="http://schemas.microsoft.com/office/powerpoint/2010/main" Requires="p14">
+          <p:contentPart p14:bwMode="auto" r:id="rId22">
+            <p14:nvContentPartPr>
+              <p14:cNvPr id="71" name="Ink 70">
+                <a:extLst>
+                  <a:ext uri="{FF2B5EF4-FFF2-40B4-BE49-F238E27FC236}">
+                    <a16:creationId xmlns:a16="http://schemas.microsoft.com/office/drawing/2014/main" id="{4E6EB08F-7638-4579-856A-5E21B6D514F2}"/>
+                  </a:ext>
+                </a:extLst>
+              </p14:cNvPr>
+              <p14:cNvContentPartPr/>
+              <p14:nvPr/>
+            </p14:nvContentPartPr>
+            <p14:xfrm>
+              <a:off x="8388331" y="2293553"/>
+              <a:ext cx="149400" cy="48960"/>
+            </p14:xfrm>
+          </p:contentPart>
+        </mc:Choice>
+        <mc:Fallback>
+          <p:pic>
+            <p:nvPicPr>
+              <p:cNvPr id="71" name="Ink 70">
+                <a:extLst>
+                  <a:ext uri="{FF2B5EF4-FFF2-40B4-BE49-F238E27FC236}">
+                    <a16:creationId xmlns:a16="http://schemas.microsoft.com/office/drawing/2014/main" id="{4E6EB08F-7638-4579-856A-5E21B6D514F2}"/>
+                  </a:ext>
+                </a:extLst>
+              </p:cNvPr>
+              <p:cNvPicPr/>
+              <p:nvPr/>
+            </p:nvPicPr>
+            <p:blipFill>
+              <a:blip r:embed="rId23"/>
+              <a:stretch>
+                <a:fillRect/>
+              </a:stretch>
+            </p:blipFill>
+            <p:spPr>
+              <a:xfrm>
+                <a:off x="8379331" y="2284553"/>
+                <a:ext cx="167040" cy="66600"/>
+              </a:xfrm>
+              <a:prstGeom prst="rect">
+                <a:avLst/>
+              </a:prstGeom>
+            </p:spPr>
+          </p:pic>
+        </mc:Fallback>
+      </mc:AlternateContent>
+      <mc:AlternateContent xmlns:mc="http://schemas.openxmlformats.org/markup-compatibility/2006">
+        <mc:Choice xmlns:p14="http://schemas.microsoft.com/office/powerpoint/2010/main" Requires="p14">
+          <p:contentPart p14:bwMode="auto" r:id="rId24">
+            <p14:nvContentPartPr>
+              <p14:cNvPr id="72" name="Ink 71">
+                <a:extLst>
+                  <a:ext uri="{FF2B5EF4-FFF2-40B4-BE49-F238E27FC236}">
+                    <a16:creationId xmlns:a16="http://schemas.microsoft.com/office/drawing/2014/main" id="{7FDD9E10-E1C5-4D1F-835E-63B50041F2E4}"/>
+                  </a:ext>
+                </a:extLst>
+              </p14:cNvPr>
+              <p14:cNvContentPartPr/>
+              <p14:nvPr/>
+            </p14:nvContentPartPr>
+            <p14:xfrm>
+              <a:off x="8108251" y="2593793"/>
+              <a:ext cx="102960" cy="56520"/>
+            </p14:xfrm>
+          </p:contentPart>
+        </mc:Choice>
+        <mc:Fallback>
+          <p:pic>
+            <p:nvPicPr>
+              <p:cNvPr id="72" name="Ink 71">
+                <a:extLst>
+                  <a:ext uri="{FF2B5EF4-FFF2-40B4-BE49-F238E27FC236}">
+                    <a16:creationId xmlns:a16="http://schemas.microsoft.com/office/drawing/2014/main" id="{7FDD9E10-E1C5-4D1F-835E-63B50041F2E4}"/>
+                  </a:ext>
+                </a:extLst>
+              </p:cNvPr>
+              <p:cNvPicPr/>
+              <p:nvPr/>
+            </p:nvPicPr>
+            <p:blipFill>
+              <a:blip r:embed="rId25"/>
+              <a:stretch>
+                <a:fillRect/>
+              </a:stretch>
+            </p:blipFill>
+            <p:spPr>
+              <a:xfrm>
+                <a:off x="8099251" y="2584793"/>
+                <a:ext cx="120600" cy="74160"/>
+              </a:xfrm>
+              <a:prstGeom prst="rect">
+                <a:avLst/>
+              </a:prstGeom>
+            </p:spPr>
+          </p:pic>
+        </mc:Fallback>
+      </mc:AlternateContent>
+      <mc:AlternateContent xmlns:mc="http://schemas.openxmlformats.org/markup-compatibility/2006">
+        <mc:Choice xmlns:p14="http://schemas.microsoft.com/office/powerpoint/2010/main" Requires="p14">
+          <p:contentPart p14:bwMode="auto" r:id="rId26">
+            <p14:nvContentPartPr>
+              <p14:cNvPr id="73" name="Ink 72">
+                <a:extLst>
+                  <a:ext uri="{FF2B5EF4-FFF2-40B4-BE49-F238E27FC236}">
+                    <a16:creationId xmlns:a16="http://schemas.microsoft.com/office/drawing/2014/main" id="{77B2CD85-869F-4847-B252-807E2527D337}"/>
+                  </a:ext>
+                </a:extLst>
+              </p14:cNvPr>
+              <p14:cNvContentPartPr/>
+              <p14:nvPr/>
+            </p14:nvContentPartPr>
+            <p14:xfrm>
+              <a:off x="8192131" y="2901953"/>
+              <a:ext cx="112320" cy="18720"/>
+            </p14:xfrm>
+          </p:contentPart>
+        </mc:Choice>
+        <mc:Fallback>
+          <p:pic>
+            <p:nvPicPr>
+              <p:cNvPr id="73" name="Ink 72">
+                <a:extLst>
+                  <a:ext uri="{FF2B5EF4-FFF2-40B4-BE49-F238E27FC236}">
+                    <a16:creationId xmlns:a16="http://schemas.microsoft.com/office/drawing/2014/main" id="{77B2CD85-869F-4847-B252-807E2527D337}"/>
+                  </a:ext>
+                </a:extLst>
+              </p:cNvPr>
+              <p:cNvPicPr/>
+              <p:nvPr/>
+            </p:nvPicPr>
+            <p:blipFill>
+              <a:blip r:embed="rId27"/>
+              <a:stretch>
+                <a:fillRect/>
+              </a:stretch>
+            </p:blipFill>
+            <p:spPr>
+              <a:xfrm>
+                <a:off x="8183131" y="2892953"/>
+                <a:ext cx="129960" cy="36360"/>
+              </a:xfrm>
+              <a:prstGeom prst="rect">
+                <a:avLst/>
+              </a:prstGeom>
+            </p:spPr>
+          </p:pic>
+        </mc:Fallback>
+      </mc:AlternateContent>
+      <mc:AlternateContent xmlns:mc="http://schemas.openxmlformats.org/markup-compatibility/2006">
+        <mc:Choice xmlns:p14="http://schemas.microsoft.com/office/powerpoint/2010/main" Requires="p14">
+          <p:contentPart p14:bwMode="auto" r:id="rId28">
+            <p14:nvContentPartPr>
+              <p14:cNvPr id="74" name="Ink 73">
+                <a:extLst>
+                  <a:ext uri="{FF2B5EF4-FFF2-40B4-BE49-F238E27FC236}">
+                    <a16:creationId xmlns:a16="http://schemas.microsoft.com/office/drawing/2014/main" id="{F26BE2AA-8B2A-4AA0-9DE7-30A630800EAA}"/>
+                  </a:ext>
+                </a:extLst>
+              </p14:cNvPr>
+              <p14:cNvContentPartPr/>
+              <p14:nvPr/>
+            </p14:nvContentPartPr>
+            <p14:xfrm>
+              <a:off x="8192131" y="3209753"/>
+              <a:ext cx="84600" cy="37800"/>
+            </p14:xfrm>
+          </p:contentPart>
+        </mc:Choice>
+        <mc:Fallback>
+          <p:pic>
+            <p:nvPicPr>
+              <p:cNvPr id="74" name="Ink 73">
+                <a:extLst>
+                  <a:ext uri="{FF2B5EF4-FFF2-40B4-BE49-F238E27FC236}">
+                    <a16:creationId xmlns:a16="http://schemas.microsoft.com/office/drawing/2014/main" id="{F26BE2AA-8B2A-4AA0-9DE7-30A630800EAA}"/>
+                  </a:ext>
+                </a:extLst>
+              </p:cNvPr>
+              <p:cNvPicPr/>
+              <p:nvPr/>
+            </p:nvPicPr>
+            <p:blipFill>
+              <a:blip r:embed="rId29"/>
+              <a:stretch>
+                <a:fillRect/>
+              </a:stretch>
+            </p:blipFill>
+            <p:spPr>
+              <a:xfrm>
+                <a:off x="8183131" y="3200753"/>
+                <a:ext cx="102240" cy="55440"/>
+              </a:xfrm>
+              <a:prstGeom prst="rect">
+                <a:avLst/>
+              </a:prstGeom>
+            </p:spPr>
+          </p:pic>
+        </mc:Fallback>
+      </mc:AlternateContent>
+      <mc:AlternateContent xmlns:mc="http://schemas.openxmlformats.org/markup-compatibility/2006">
+        <mc:Choice xmlns:p14="http://schemas.microsoft.com/office/powerpoint/2010/main" Requires="p14">
+          <p:contentPart p14:bwMode="auto" r:id="rId30">
+            <p14:nvContentPartPr>
+              <p14:cNvPr id="75" name="Ink 74">
+                <a:extLst>
+                  <a:ext uri="{FF2B5EF4-FFF2-40B4-BE49-F238E27FC236}">
+                    <a16:creationId xmlns:a16="http://schemas.microsoft.com/office/drawing/2014/main" id="{0F2FE638-C712-461E-BE1B-FC47A3697DCF}"/>
+                  </a:ext>
+                </a:extLst>
+              </p14:cNvPr>
+              <p14:cNvContentPartPr/>
+              <p14:nvPr/>
+            </p14:nvContentPartPr>
+            <p14:xfrm>
+              <a:off x="8024371" y="3443033"/>
+              <a:ext cx="84240" cy="9720"/>
+            </p14:xfrm>
+          </p:contentPart>
+        </mc:Choice>
+        <mc:Fallback>
+          <p:pic>
+            <p:nvPicPr>
+              <p:cNvPr id="75" name="Ink 74">
+                <a:extLst>
+                  <a:ext uri="{FF2B5EF4-FFF2-40B4-BE49-F238E27FC236}">
+                    <a16:creationId xmlns:a16="http://schemas.microsoft.com/office/drawing/2014/main" id="{0F2FE638-C712-461E-BE1B-FC47A3697DCF}"/>
+                  </a:ext>
+                </a:extLst>
+              </p:cNvPr>
+              <p:cNvPicPr/>
+              <p:nvPr/>
+            </p:nvPicPr>
+            <p:blipFill>
+              <a:blip r:embed="rId31"/>
+              <a:stretch>
+                <a:fillRect/>
+              </a:stretch>
+            </p:blipFill>
+            <p:spPr>
+              <a:xfrm>
+                <a:off x="8015371" y="3434033"/>
+                <a:ext cx="101880" cy="27360"/>
+              </a:xfrm>
+              <a:prstGeom prst="rect">
+                <a:avLst/>
+              </a:prstGeom>
+            </p:spPr>
+          </p:pic>
+        </mc:Fallback>
+      </mc:AlternateContent>
+      <mc:AlternateContent xmlns:mc="http://schemas.openxmlformats.org/markup-compatibility/2006">
+        <mc:Choice xmlns:p14="http://schemas.microsoft.com/office/powerpoint/2010/main" Requires="p14">
+          <p:contentPart p14:bwMode="auto" r:id="rId32">
+            <p14:nvContentPartPr>
+              <p14:cNvPr id="76" name="Ink 75">
+                <a:extLst>
+                  <a:ext uri="{FF2B5EF4-FFF2-40B4-BE49-F238E27FC236}">
+                    <a16:creationId xmlns:a16="http://schemas.microsoft.com/office/drawing/2014/main" id="{86A14AC6-ED3D-4582-8BA9-D49CB504EBF7}"/>
+                  </a:ext>
+                </a:extLst>
+              </p14:cNvPr>
+              <p14:cNvContentPartPr/>
+              <p14:nvPr/>
+            </p14:nvContentPartPr>
+            <p14:xfrm>
+              <a:off x="9274651" y="3666953"/>
+              <a:ext cx="102960" cy="47160"/>
+            </p14:xfrm>
+          </p:contentPart>
+        </mc:Choice>
+        <mc:Fallback>
+          <p:pic>
+            <p:nvPicPr>
+              <p:cNvPr id="76" name="Ink 75">
+                <a:extLst>
+                  <a:ext uri="{FF2B5EF4-FFF2-40B4-BE49-F238E27FC236}">
+                    <a16:creationId xmlns:a16="http://schemas.microsoft.com/office/drawing/2014/main" id="{86A14AC6-ED3D-4582-8BA9-D49CB504EBF7}"/>
+                  </a:ext>
+                </a:extLst>
+              </p:cNvPr>
+              <p:cNvPicPr/>
+              <p:nvPr/>
+            </p:nvPicPr>
+            <p:blipFill>
+              <a:blip r:embed="rId33"/>
+              <a:stretch>
+                <a:fillRect/>
+              </a:stretch>
+            </p:blipFill>
+            <p:spPr>
+              <a:xfrm>
+                <a:off x="9265651" y="3657953"/>
+                <a:ext cx="120600" cy="64800"/>
+              </a:xfrm>
+              <a:prstGeom prst="rect">
+                <a:avLst/>
+              </a:prstGeom>
+            </p:spPr>
+          </p:pic>
+        </mc:Fallback>
+      </mc:AlternateContent>
+      <mc:AlternateContent xmlns:mc="http://schemas.openxmlformats.org/markup-compatibility/2006">
+        <mc:Choice xmlns:p14="http://schemas.microsoft.com/office/powerpoint/2010/main" Requires="p14">
+          <p:contentPart p14:bwMode="auto" r:id="rId34">
+            <p14:nvContentPartPr>
+              <p14:cNvPr id="77" name="Ink 76">
+                <a:extLst>
+                  <a:ext uri="{FF2B5EF4-FFF2-40B4-BE49-F238E27FC236}">
+                    <a16:creationId xmlns:a16="http://schemas.microsoft.com/office/drawing/2014/main" id="{A01B864D-4E15-4153-A735-F9C9E55A2E1F}"/>
+                  </a:ext>
+                </a:extLst>
+              </p14:cNvPr>
+              <p14:cNvContentPartPr/>
+              <p14:nvPr/>
+            </p14:nvContentPartPr>
+            <p14:xfrm>
+              <a:off x="8453491" y="3900233"/>
+              <a:ext cx="102960" cy="37800"/>
+            </p14:xfrm>
+          </p:contentPart>
+        </mc:Choice>
+        <mc:Fallback>
+          <p:pic>
+            <p:nvPicPr>
+              <p:cNvPr id="77" name="Ink 76">
+                <a:extLst>
+                  <a:ext uri="{FF2B5EF4-FFF2-40B4-BE49-F238E27FC236}">
+                    <a16:creationId xmlns:a16="http://schemas.microsoft.com/office/drawing/2014/main" id="{A01B864D-4E15-4153-A735-F9C9E55A2E1F}"/>
+                  </a:ext>
+                </a:extLst>
+              </p:cNvPr>
+              <p:cNvPicPr/>
+              <p:nvPr/>
+            </p:nvPicPr>
+            <p:blipFill>
+              <a:blip r:embed="rId35"/>
+              <a:stretch>
+                <a:fillRect/>
+              </a:stretch>
+            </p:blipFill>
+            <p:spPr>
+              <a:xfrm>
+                <a:off x="8444491" y="3891233"/>
+                <a:ext cx="120600" cy="55440"/>
+              </a:xfrm>
+              <a:prstGeom prst="rect">
+                <a:avLst/>
+              </a:prstGeom>
+            </p:spPr>
+          </p:pic>
+        </mc:Fallback>
+      </mc:AlternateContent>
+      <mc:AlternateContent xmlns:mc="http://schemas.openxmlformats.org/markup-compatibility/2006">
+        <mc:Choice xmlns:p14="http://schemas.microsoft.com/office/powerpoint/2010/main" Requires="p14">
+          <p:contentPart p14:bwMode="auto" r:id="rId36">
+            <p14:nvContentPartPr>
+              <p14:cNvPr id="78" name="Ink 77">
+                <a:extLst>
+                  <a:ext uri="{FF2B5EF4-FFF2-40B4-BE49-F238E27FC236}">
+                    <a16:creationId xmlns:a16="http://schemas.microsoft.com/office/drawing/2014/main" id="{B62A2A66-43D6-414A-817D-BB0189D2CA52}"/>
+                  </a:ext>
+                </a:extLst>
+              </p14:cNvPr>
+              <p14:cNvContentPartPr/>
+              <p14:nvPr/>
+            </p14:nvContentPartPr>
+            <p14:xfrm>
+              <a:off x="8210851" y="4198673"/>
+              <a:ext cx="102960" cy="56520"/>
+            </p14:xfrm>
+          </p:contentPart>
+        </mc:Choice>
+        <mc:Fallback>
+          <p:pic>
+            <p:nvPicPr>
+              <p:cNvPr id="78" name="Ink 77">
+                <a:extLst>
+                  <a:ext uri="{FF2B5EF4-FFF2-40B4-BE49-F238E27FC236}">
+                    <a16:creationId xmlns:a16="http://schemas.microsoft.com/office/drawing/2014/main" id="{B62A2A66-43D6-414A-817D-BB0189D2CA52}"/>
+                  </a:ext>
+                </a:extLst>
+              </p:cNvPr>
+              <p:cNvPicPr/>
+              <p:nvPr/>
+            </p:nvPicPr>
+            <p:blipFill>
+              <a:blip r:embed="rId37"/>
+              <a:stretch>
+                <a:fillRect/>
+              </a:stretch>
+            </p:blipFill>
+            <p:spPr>
+              <a:xfrm>
+                <a:off x="8201851" y="4189673"/>
+                <a:ext cx="120600" cy="74160"/>
+              </a:xfrm>
+              <a:prstGeom prst="rect">
+                <a:avLst/>
+              </a:prstGeom>
+            </p:spPr>
+          </p:pic>
+        </mc:Fallback>
+      </mc:AlternateContent>
+      <mc:AlternateContent xmlns:mc="http://schemas.openxmlformats.org/markup-compatibility/2006">
+        <mc:Choice xmlns:p14="http://schemas.microsoft.com/office/powerpoint/2010/main" Requires="p14">
+          <p:contentPart p14:bwMode="auto" r:id="rId38">
+            <p14:nvContentPartPr>
+              <p14:cNvPr id="83" name="Ink 82">
+                <a:extLst>
+                  <a:ext uri="{FF2B5EF4-FFF2-40B4-BE49-F238E27FC236}">
+                    <a16:creationId xmlns:a16="http://schemas.microsoft.com/office/drawing/2014/main" id="{43D9D3D8-B1DE-4EF7-9E03-05685CBF1255}"/>
+                  </a:ext>
+                </a:extLst>
+              </p14:cNvPr>
+              <p14:cNvContentPartPr/>
+              <p14:nvPr/>
+            </p14:nvContentPartPr>
+            <p14:xfrm>
+              <a:off x="5467651" y="2471753"/>
+              <a:ext cx="271080" cy="225000"/>
+            </p14:xfrm>
+          </p:contentPart>
+        </mc:Choice>
+        <mc:Fallback>
+          <p:pic>
+            <p:nvPicPr>
+              <p:cNvPr id="83" name="Ink 82">
+                <a:extLst>
+                  <a:ext uri="{FF2B5EF4-FFF2-40B4-BE49-F238E27FC236}">
+                    <a16:creationId xmlns:a16="http://schemas.microsoft.com/office/drawing/2014/main" id="{43D9D3D8-B1DE-4EF7-9E03-05685CBF1255}"/>
+                  </a:ext>
+                </a:extLst>
+              </p:cNvPr>
+              <p:cNvPicPr/>
+              <p:nvPr/>
+            </p:nvPicPr>
+            <p:blipFill>
+              <a:blip r:embed="rId39"/>
+              <a:stretch>
+                <a:fillRect/>
+              </a:stretch>
+            </p:blipFill>
+            <p:spPr>
+              <a:xfrm>
+                <a:off x="5458651" y="2462753"/>
+                <a:ext cx="288720" cy="242640"/>
+              </a:xfrm>
+              <a:prstGeom prst="rect">
+                <a:avLst/>
+              </a:prstGeom>
+            </p:spPr>
+          </p:pic>
+        </mc:Fallback>
+      </mc:AlternateContent>
+      <mc:AlternateContent xmlns:mc="http://schemas.openxmlformats.org/markup-compatibility/2006">
+        <mc:Choice xmlns:p14="http://schemas.microsoft.com/office/powerpoint/2010/main" Requires="p14">
+          <p:contentPart p14:bwMode="auto" r:id="rId40">
+            <p14:nvContentPartPr>
+              <p14:cNvPr id="96" name="Ink 95">
+                <a:extLst>
+                  <a:ext uri="{FF2B5EF4-FFF2-40B4-BE49-F238E27FC236}">
+                    <a16:creationId xmlns:a16="http://schemas.microsoft.com/office/drawing/2014/main" id="{6EB10A36-0884-4D85-9327-FCB09201FCC1}"/>
+                  </a:ext>
+                </a:extLst>
+              </p14:cNvPr>
+              <p14:cNvContentPartPr/>
+              <p14:nvPr/>
+            </p14:nvContentPartPr>
+            <p14:xfrm>
+              <a:off x="4422571" y="1502273"/>
+              <a:ext cx="1465560" cy="2762280"/>
+            </p14:xfrm>
+          </p:contentPart>
+        </mc:Choice>
+        <mc:Fallback>
+          <p:pic>
+            <p:nvPicPr>
+              <p:cNvPr id="96" name="Ink 95">
+                <a:extLst>
+                  <a:ext uri="{FF2B5EF4-FFF2-40B4-BE49-F238E27FC236}">
+                    <a16:creationId xmlns:a16="http://schemas.microsoft.com/office/drawing/2014/main" id="{6EB10A36-0884-4D85-9327-FCB09201FCC1}"/>
+                  </a:ext>
+                </a:extLst>
+              </p:cNvPr>
+              <p:cNvPicPr/>
+              <p:nvPr/>
+            </p:nvPicPr>
+            <p:blipFill>
+              <a:blip r:embed="rId41"/>
+              <a:stretch>
+                <a:fillRect/>
+              </a:stretch>
+            </p:blipFill>
+            <p:spPr>
+              <a:xfrm>
+                <a:off x="4413571" y="1493273"/>
+                <a:ext cx="1483200" cy="2779920"/>
+              </a:xfrm>
+              <a:prstGeom prst="rect">
+                <a:avLst/>
+              </a:prstGeom>
+            </p:spPr>
+          </p:pic>
+        </mc:Fallback>
+      </mc:AlternateContent>
+      <mc:AlternateContent xmlns:mc="http://schemas.openxmlformats.org/markup-compatibility/2006">
+        <mc:Choice xmlns:p14="http://schemas.microsoft.com/office/powerpoint/2010/main" Requires="p14">
+          <p:contentPart p14:bwMode="auto" r:id="rId42">
+            <p14:nvContentPartPr>
+              <p14:cNvPr id="100" name="Ink 99">
+                <a:extLst>
+                  <a:ext uri="{FF2B5EF4-FFF2-40B4-BE49-F238E27FC236}">
+                    <a16:creationId xmlns:a16="http://schemas.microsoft.com/office/drawing/2014/main" id="{2F469D56-167B-494F-A2B2-7292DCE8A76F}"/>
+                  </a:ext>
+                </a:extLst>
+              </p14:cNvPr>
+              <p14:cNvContentPartPr/>
+              <p14:nvPr/>
+            </p14:nvContentPartPr>
+            <p14:xfrm>
+              <a:off x="4917211" y="3137393"/>
+              <a:ext cx="131760" cy="100800"/>
+            </p14:xfrm>
+          </p:contentPart>
+        </mc:Choice>
+        <mc:Fallback>
+          <p:pic>
+            <p:nvPicPr>
+              <p:cNvPr id="100" name="Ink 99">
+                <a:extLst>
+                  <a:ext uri="{FF2B5EF4-FFF2-40B4-BE49-F238E27FC236}">
+                    <a16:creationId xmlns:a16="http://schemas.microsoft.com/office/drawing/2014/main" id="{2F469D56-167B-494F-A2B2-7292DCE8A76F}"/>
+                  </a:ext>
+                </a:extLst>
+              </p:cNvPr>
+              <p:cNvPicPr/>
+              <p:nvPr/>
+            </p:nvPicPr>
+            <p:blipFill>
+              <a:blip r:embed="rId43"/>
+              <a:stretch>
+                <a:fillRect/>
+              </a:stretch>
+            </p:blipFill>
+            <p:spPr>
+              <a:xfrm>
+                <a:off x="4908211" y="3128393"/>
+                <a:ext cx="149400" cy="118440"/>
+              </a:xfrm>
+              <a:prstGeom prst="rect">
+                <a:avLst/>
+              </a:prstGeom>
+            </p:spPr>
+          </p:pic>
+        </mc:Fallback>
+      </mc:AlternateContent>
+      <mc:AlternateContent xmlns:mc="http://schemas.openxmlformats.org/markup-compatibility/2006">
+        <mc:Choice xmlns:p14="http://schemas.microsoft.com/office/powerpoint/2010/main" Requires="p14">
+          <p:contentPart p14:bwMode="auto" r:id="rId44">
+            <p14:nvContentPartPr>
+              <p14:cNvPr id="124" name="Ink 123">
+                <a:extLst>
+                  <a:ext uri="{FF2B5EF4-FFF2-40B4-BE49-F238E27FC236}">
+                    <a16:creationId xmlns:a16="http://schemas.microsoft.com/office/drawing/2014/main" id="{F26AD4BC-22D7-47E1-8FC2-6C8C06965364}"/>
+                  </a:ext>
+                </a:extLst>
+              </p14:cNvPr>
+              <p14:cNvContentPartPr/>
+              <p14:nvPr/>
+            </p14:nvContentPartPr>
+            <p14:xfrm>
+              <a:off x="9395611" y="4021193"/>
+              <a:ext cx="1848240" cy="821880"/>
+            </p14:xfrm>
+          </p:contentPart>
+        </mc:Choice>
+        <mc:Fallback>
+          <p:pic>
+            <p:nvPicPr>
+              <p:cNvPr id="124" name="Ink 123">
+                <a:extLst>
+                  <a:ext uri="{FF2B5EF4-FFF2-40B4-BE49-F238E27FC236}">
+                    <a16:creationId xmlns:a16="http://schemas.microsoft.com/office/drawing/2014/main" id="{F26AD4BC-22D7-47E1-8FC2-6C8C06965364}"/>
+                  </a:ext>
+                </a:extLst>
+              </p:cNvPr>
+              <p:cNvPicPr/>
+              <p:nvPr/>
+            </p:nvPicPr>
+            <p:blipFill>
+              <a:blip r:embed="rId45"/>
+              <a:stretch>
+                <a:fillRect/>
+              </a:stretch>
+            </p:blipFill>
+            <p:spPr>
+              <a:xfrm>
+                <a:off x="9386611" y="4012193"/>
+                <a:ext cx="1865880" cy="839520"/>
+              </a:xfrm>
+              <a:prstGeom prst="rect">
+                <a:avLst/>
+              </a:prstGeom>
+            </p:spPr>
+          </p:pic>
+        </mc:Fallback>
+      </mc:AlternateContent>
+      <mc:AlternateContent xmlns:mc="http://schemas.openxmlformats.org/markup-compatibility/2006">
+        <mc:Choice xmlns:p14="http://schemas.microsoft.com/office/powerpoint/2010/main" Requires="p14">
+          <p:contentPart p14:bwMode="auto" r:id="rId46">
+            <p14:nvContentPartPr>
+              <p14:cNvPr id="138" name="Ink 137">
+                <a:extLst>
+                  <a:ext uri="{FF2B5EF4-FFF2-40B4-BE49-F238E27FC236}">
+                    <a16:creationId xmlns:a16="http://schemas.microsoft.com/office/drawing/2014/main" id="{6BFD5089-BD7A-460B-A2CD-D7405271A2B4}"/>
+                  </a:ext>
+                </a:extLst>
+              </p14:cNvPr>
+              <p14:cNvContentPartPr/>
+              <p14:nvPr/>
+            </p14:nvContentPartPr>
+            <p14:xfrm>
+              <a:off x="9974491" y="905033"/>
+              <a:ext cx="867960" cy="1778760"/>
+            </p14:xfrm>
+          </p:contentPart>
+        </mc:Choice>
+        <mc:Fallback>
+          <p:pic>
+            <p:nvPicPr>
+              <p:cNvPr id="138" name="Ink 137">
+                <a:extLst>
+                  <a:ext uri="{FF2B5EF4-FFF2-40B4-BE49-F238E27FC236}">
+                    <a16:creationId xmlns:a16="http://schemas.microsoft.com/office/drawing/2014/main" id="{6BFD5089-BD7A-460B-A2CD-D7405271A2B4}"/>
+                  </a:ext>
+                </a:extLst>
+              </p:cNvPr>
+              <p:cNvPicPr/>
+              <p:nvPr/>
+            </p:nvPicPr>
+            <p:blipFill>
+              <a:blip r:embed="rId47"/>
+              <a:stretch>
+                <a:fillRect/>
+              </a:stretch>
+            </p:blipFill>
+            <p:spPr>
+              <a:xfrm>
+                <a:off x="9965491" y="896033"/>
+                <a:ext cx="885600" cy="1796400"/>
+              </a:xfrm>
+              <a:prstGeom prst="rect">
+                <a:avLst/>
+              </a:prstGeom>
+            </p:spPr>
+          </p:pic>
+        </mc:Fallback>
+      </mc:AlternateContent>
+      <mc:AlternateContent xmlns:mc="http://schemas.openxmlformats.org/markup-compatibility/2006">
+        <mc:Choice xmlns:p14="http://schemas.microsoft.com/office/powerpoint/2010/main" Requires="p14">
+          <p:contentPart p14:bwMode="auto" r:id="rId48">
+            <p14:nvContentPartPr>
+              <p14:cNvPr id="140" name="Ink 139">
+                <a:extLst>
+                  <a:ext uri="{FF2B5EF4-FFF2-40B4-BE49-F238E27FC236}">
+                    <a16:creationId xmlns:a16="http://schemas.microsoft.com/office/drawing/2014/main" id="{707508CC-D8C2-42E5-BFD8-1DD2C8923ED1}"/>
+                  </a:ext>
+                </a:extLst>
+              </p14:cNvPr>
+              <p14:cNvContentPartPr/>
+              <p14:nvPr/>
+            </p14:nvContentPartPr>
+            <p14:xfrm>
+              <a:off x="4861411" y="6158153"/>
+              <a:ext cx="130680" cy="37800"/>
+            </p14:xfrm>
+          </p:contentPart>
+        </mc:Choice>
+        <mc:Fallback>
+          <p:pic>
+            <p:nvPicPr>
+              <p:cNvPr id="140" name="Ink 139">
+                <a:extLst>
+                  <a:ext uri="{FF2B5EF4-FFF2-40B4-BE49-F238E27FC236}">
+                    <a16:creationId xmlns:a16="http://schemas.microsoft.com/office/drawing/2014/main" id="{707508CC-D8C2-42E5-BFD8-1DD2C8923ED1}"/>
+                  </a:ext>
+                </a:extLst>
+              </p:cNvPr>
+              <p:cNvPicPr/>
+              <p:nvPr/>
+            </p:nvPicPr>
+            <p:blipFill>
+              <a:blip r:embed="rId49"/>
+              <a:stretch>
+                <a:fillRect/>
+              </a:stretch>
+            </p:blipFill>
+            <p:spPr>
+              <a:xfrm>
+                <a:off x="4852411" y="6149153"/>
+                <a:ext cx="148320" cy="55440"/>
+              </a:xfrm>
+              <a:prstGeom prst="rect">
+                <a:avLst/>
+              </a:prstGeom>
+            </p:spPr>
+          </p:pic>
+        </mc:Fallback>
+      </mc:AlternateContent>
+      <mc:AlternateContent xmlns:mc="http://schemas.openxmlformats.org/markup-compatibility/2006">
+        <mc:Choice xmlns:p14="http://schemas.microsoft.com/office/powerpoint/2010/main" Requires="p14">
+          <p:contentPart p14:bwMode="auto" r:id="rId50">
+            <p14:nvContentPartPr>
+              <p14:cNvPr id="166" name="Ink 165">
+                <a:extLst>
+                  <a:ext uri="{FF2B5EF4-FFF2-40B4-BE49-F238E27FC236}">
+                    <a16:creationId xmlns:a16="http://schemas.microsoft.com/office/drawing/2014/main" id="{E5587AB7-123A-4770-B886-E71A093B5F87}"/>
+                  </a:ext>
+                </a:extLst>
+              </p14:cNvPr>
+              <p14:cNvContentPartPr/>
+              <p14:nvPr/>
+            </p14:nvContentPartPr>
+            <p14:xfrm>
+              <a:off x="6266131" y="5409713"/>
+              <a:ext cx="706320" cy="245160"/>
+            </p14:xfrm>
+          </p:contentPart>
+        </mc:Choice>
+        <mc:Fallback>
+          <p:pic>
+            <p:nvPicPr>
+              <p:cNvPr id="166" name="Ink 165">
+                <a:extLst>
+                  <a:ext uri="{FF2B5EF4-FFF2-40B4-BE49-F238E27FC236}">
+                    <a16:creationId xmlns:a16="http://schemas.microsoft.com/office/drawing/2014/main" id="{E5587AB7-123A-4770-B886-E71A093B5F87}"/>
+                  </a:ext>
+                </a:extLst>
+              </p:cNvPr>
+              <p:cNvPicPr/>
+              <p:nvPr/>
+            </p:nvPicPr>
+            <p:blipFill>
+              <a:blip r:embed="rId51"/>
+              <a:stretch>
+                <a:fillRect/>
+              </a:stretch>
+            </p:blipFill>
+            <p:spPr>
+              <a:xfrm>
+                <a:off x="6257131" y="5400713"/>
+                <a:ext cx="723960" cy="262800"/>
+              </a:xfrm>
+              <a:prstGeom prst="rect">
+                <a:avLst/>
+              </a:prstGeom>
+            </p:spPr>
+          </p:pic>
+        </mc:Fallback>
+      </mc:AlternateContent>
+      <mc:AlternateContent xmlns:mc="http://schemas.openxmlformats.org/markup-compatibility/2006">
+        <mc:Choice xmlns:p14="http://schemas.microsoft.com/office/powerpoint/2010/main" Requires="p14">
+          <p:contentPart p14:bwMode="auto" r:id="rId52">
+            <p14:nvContentPartPr>
+              <p14:cNvPr id="172" name="Ink 171">
+                <a:extLst>
+                  <a:ext uri="{FF2B5EF4-FFF2-40B4-BE49-F238E27FC236}">
+                    <a16:creationId xmlns:a16="http://schemas.microsoft.com/office/drawing/2014/main" id="{213E3127-78B3-4A9A-BD30-8F9EDD29E689}"/>
+                  </a:ext>
+                </a:extLst>
+              </p14:cNvPr>
+              <p14:cNvContentPartPr/>
+              <p14:nvPr/>
+            </p14:nvContentPartPr>
+            <p14:xfrm>
+              <a:off x="6409771" y="5812913"/>
+              <a:ext cx="598320" cy="243000"/>
+            </p14:xfrm>
+          </p:contentPart>
+        </mc:Choice>
+        <mc:Fallback>
+          <p:pic>
+            <p:nvPicPr>
+              <p:cNvPr id="172" name="Ink 171">
+                <a:extLst>
+                  <a:ext uri="{FF2B5EF4-FFF2-40B4-BE49-F238E27FC236}">
+                    <a16:creationId xmlns:a16="http://schemas.microsoft.com/office/drawing/2014/main" id="{213E3127-78B3-4A9A-BD30-8F9EDD29E689}"/>
+                  </a:ext>
+                </a:extLst>
+              </p:cNvPr>
+              <p:cNvPicPr/>
+              <p:nvPr/>
+            </p:nvPicPr>
+            <p:blipFill>
+              <a:blip r:embed="rId53"/>
+              <a:stretch>
+                <a:fillRect/>
+              </a:stretch>
+            </p:blipFill>
+            <p:spPr>
+              <a:xfrm>
+                <a:off x="6400771" y="5803913"/>
+                <a:ext cx="615960" cy="260640"/>
+              </a:xfrm>
+              <a:prstGeom prst="rect">
+                <a:avLst/>
+              </a:prstGeom>
+            </p:spPr>
+          </p:pic>
+        </mc:Fallback>
+      </mc:AlternateContent>
+      <mc:AlternateContent xmlns:mc="http://schemas.openxmlformats.org/markup-compatibility/2006">
+        <mc:Choice xmlns:p14="http://schemas.microsoft.com/office/powerpoint/2010/main" Requires="p14">
+          <p:contentPart p14:bwMode="auto" r:id="rId54">
+            <p14:nvContentPartPr>
+              <p14:cNvPr id="215" name="Ink 214">
+                <a:extLst>
+                  <a:ext uri="{FF2B5EF4-FFF2-40B4-BE49-F238E27FC236}">
+                    <a16:creationId xmlns:a16="http://schemas.microsoft.com/office/drawing/2014/main" id="{35395F0B-D2E7-40C8-9D87-98827022CEF4}"/>
+                  </a:ext>
+                </a:extLst>
+              </p14:cNvPr>
+              <p14:cNvContentPartPr/>
+              <p14:nvPr/>
+            </p14:nvContentPartPr>
+            <p14:xfrm>
+              <a:off x="1437091" y="5729033"/>
+              <a:ext cx="1782360" cy="1055520"/>
+            </p14:xfrm>
+          </p:contentPart>
+        </mc:Choice>
+        <mc:Fallback>
+          <p:pic>
+            <p:nvPicPr>
+              <p:cNvPr id="215" name="Ink 214">
+                <a:extLst>
+                  <a:ext uri="{FF2B5EF4-FFF2-40B4-BE49-F238E27FC236}">
+                    <a16:creationId xmlns:a16="http://schemas.microsoft.com/office/drawing/2014/main" id="{35395F0B-D2E7-40C8-9D87-98827022CEF4}"/>
+                  </a:ext>
+                </a:extLst>
+              </p:cNvPr>
+              <p:cNvPicPr/>
+              <p:nvPr/>
+            </p:nvPicPr>
+            <p:blipFill>
+              <a:blip r:embed="rId55"/>
+              <a:stretch>
+                <a:fillRect/>
+              </a:stretch>
+            </p:blipFill>
+            <p:spPr>
+              <a:xfrm>
+                <a:off x="1428091" y="5720033"/>
+                <a:ext cx="1800000" cy="1073160"/>
+              </a:xfrm>
+              <a:prstGeom prst="rect">
+                <a:avLst/>
+              </a:prstGeom>
+            </p:spPr>
+          </p:pic>
+        </mc:Fallback>
+      </mc:AlternateContent>
+      <mc:AlternateContent xmlns:mc="http://schemas.openxmlformats.org/markup-compatibility/2006">
+        <mc:Choice xmlns:p14="http://schemas.microsoft.com/office/powerpoint/2010/main" Requires="p14">
+          <p:contentPart p14:bwMode="auto" r:id="rId56">
+            <p14:nvContentPartPr>
+              <p14:cNvPr id="221" name="Ink 220">
+                <a:extLst>
+                  <a:ext uri="{FF2B5EF4-FFF2-40B4-BE49-F238E27FC236}">
+                    <a16:creationId xmlns:a16="http://schemas.microsoft.com/office/drawing/2014/main" id="{D875F6B1-EDCA-4B6F-957E-148E20A241FC}"/>
+                  </a:ext>
+                </a:extLst>
+              </p14:cNvPr>
+              <p14:cNvContentPartPr/>
+              <p14:nvPr/>
+            </p14:nvContentPartPr>
+            <p14:xfrm>
+              <a:off x="6512731" y="5271833"/>
+              <a:ext cx="149760" cy="168480"/>
+            </p14:xfrm>
+          </p:contentPart>
+        </mc:Choice>
+        <mc:Fallback>
+          <p:pic>
+            <p:nvPicPr>
+              <p:cNvPr id="221" name="Ink 220">
+                <a:extLst>
+                  <a:ext uri="{FF2B5EF4-FFF2-40B4-BE49-F238E27FC236}">
+                    <a16:creationId xmlns:a16="http://schemas.microsoft.com/office/drawing/2014/main" id="{D875F6B1-EDCA-4B6F-957E-148E20A241FC}"/>
+                  </a:ext>
+                </a:extLst>
+              </p:cNvPr>
+              <p:cNvPicPr/>
+              <p:nvPr/>
+            </p:nvPicPr>
+            <p:blipFill>
+              <a:blip r:embed="rId57"/>
+              <a:stretch>
+                <a:fillRect/>
+              </a:stretch>
+            </p:blipFill>
+            <p:spPr>
+              <a:xfrm>
+                <a:off x="6503731" y="5262833"/>
+                <a:ext cx="167400" cy="186120"/>
+              </a:xfrm>
+              <a:prstGeom prst="rect">
+                <a:avLst/>
+              </a:prstGeom>
+            </p:spPr>
+          </p:pic>
+        </mc:Fallback>
+      </mc:AlternateContent>
+      <mc:AlternateContent xmlns:mc="http://schemas.openxmlformats.org/markup-compatibility/2006">
+        <mc:Choice xmlns:p14="http://schemas.microsoft.com/office/powerpoint/2010/main" Requires="p14">
+          <p:contentPart p14:bwMode="auto" r:id="rId58">
+            <p14:nvContentPartPr>
+              <p14:cNvPr id="224" name="Ink 223">
+                <a:extLst>
+                  <a:ext uri="{FF2B5EF4-FFF2-40B4-BE49-F238E27FC236}">
+                    <a16:creationId xmlns:a16="http://schemas.microsoft.com/office/drawing/2014/main" id="{7B526830-4B6C-4468-B85D-2D85B61C1734}"/>
+                  </a:ext>
+                </a:extLst>
+              </p14:cNvPr>
+              <p14:cNvContentPartPr/>
+              <p14:nvPr/>
+            </p14:nvContentPartPr>
+            <p14:xfrm>
+              <a:off x="5617051" y="6306473"/>
+              <a:ext cx="159120" cy="57240"/>
+            </p14:xfrm>
+          </p:contentPart>
+        </mc:Choice>
+        <mc:Fallback>
+          <p:pic>
+            <p:nvPicPr>
+              <p:cNvPr id="224" name="Ink 223">
+                <a:extLst>
+                  <a:ext uri="{FF2B5EF4-FFF2-40B4-BE49-F238E27FC236}">
+                    <a16:creationId xmlns:a16="http://schemas.microsoft.com/office/drawing/2014/main" id="{7B526830-4B6C-4468-B85D-2D85B61C1734}"/>
+                  </a:ext>
+                </a:extLst>
+              </p:cNvPr>
+              <p:cNvPicPr/>
+              <p:nvPr/>
+            </p:nvPicPr>
+            <p:blipFill>
+              <a:blip r:embed="rId59"/>
+              <a:stretch>
+                <a:fillRect/>
+              </a:stretch>
+            </p:blipFill>
+            <p:spPr>
+              <a:xfrm>
+                <a:off x="5608051" y="6297473"/>
+                <a:ext cx="176760" cy="74880"/>
+              </a:xfrm>
+              <a:prstGeom prst="rect">
+                <a:avLst/>
+              </a:prstGeom>
+            </p:spPr>
+          </p:pic>
+        </mc:Fallback>
+      </mc:AlternateContent>
+      <mc:AlternateContent xmlns:mc="http://schemas.openxmlformats.org/markup-compatibility/2006">
+        <mc:Choice xmlns:p14="http://schemas.microsoft.com/office/powerpoint/2010/main" Requires="p14">
+          <p:contentPart p14:bwMode="auto" r:id="rId60">
+            <p14:nvContentPartPr>
+              <p14:cNvPr id="250" name="Ink 249">
+                <a:extLst>
+                  <a:ext uri="{FF2B5EF4-FFF2-40B4-BE49-F238E27FC236}">
+                    <a16:creationId xmlns:a16="http://schemas.microsoft.com/office/drawing/2014/main" id="{2302F013-FCD1-48E5-887D-17061B6D1446}"/>
+                  </a:ext>
+                </a:extLst>
+              </p14:cNvPr>
+              <p14:cNvContentPartPr/>
+              <p14:nvPr/>
+            </p14:nvContentPartPr>
+            <p14:xfrm>
+              <a:off x="3244291" y="5934233"/>
+              <a:ext cx="1151280" cy="858960"/>
+            </p14:xfrm>
+          </p:contentPart>
+        </mc:Choice>
+        <mc:Fallback>
+          <p:pic>
+            <p:nvPicPr>
+              <p:cNvPr id="250" name="Ink 249">
+                <a:extLst>
+                  <a:ext uri="{FF2B5EF4-FFF2-40B4-BE49-F238E27FC236}">
+                    <a16:creationId xmlns:a16="http://schemas.microsoft.com/office/drawing/2014/main" id="{2302F013-FCD1-48E5-887D-17061B6D1446}"/>
+                  </a:ext>
+                </a:extLst>
+              </p:cNvPr>
+              <p:cNvPicPr/>
+              <p:nvPr/>
+            </p:nvPicPr>
+            <p:blipFill>
+              <a:blip r:embed="rId61"/>
+              <a:stretch>
+                <a:fillRect/>
+              </a:stretch>
+            </p:blipFill>
+            <p:spPr>
+              <a:xfrm>
+                <a:off x="3235291" y="5925233"/>
+                <a:ext cx="1168920" cy="876600"/>
+              </a:xfrm>
+              <a:prstGeom prst="rect">
+                <a:avLst/>
+              </a:prstGeom>
+            </p:spPr>
+          </p:pic>
+        </mc:Fallback>
+      </mc:AlternateContent>
+      <mc:AlternateContent xmlns:mc="http://schemas.openxmlformats.org/markup-compatibility/2006">
+        <mc:Choice xmlns:p14="http://schemas.microsoft.com/office/powerpoint/2010/main" Requires="p14">
+          <p:contentPart p14:bwMode="auto" r:id="rId62">
+            <p14:nvContentPartPr>
+              <p14:cNvPr id="256" name="Ink 255">
+                <a:extLst>
+                  <a:ext uri="{FF2B5EF4-FFF2-40B4-BE49-F238E27FC236}">
+                    <a16:creationId xmlns:a16="http://schemas.microsoft.com/office/drawing/2014/main" id="{C4FAA0CA-2F7E-496D-94AC-55762091DF0A}"/>
+                  </a:ext>
+                </a:extLst>
+              </p14:cNvPr>
+              <p14:cNvContentPartPr/>
+              <p14:nvPr/>
+            </p14:nvContentPartPr>
+            <p14:xfrm>
+              <a:off x="2995171" y="5709593"/>
+              <a:ext cx="1458000" cy="865440"/>
+            </p14:xfrm>
+          </p:contentPart>
+        </mc:Choice>
+        <mc:Fallback>
+          <p:pic>
+            <p:nvPicPr>
+              <p:cNvPr id="256" name="Ink 255">
+                <a:extLst>
+                  <a:ext uri="{FF2B5EF4-FFF2-40B4-BE49-F238E27FC236}">
+                    <a16:creationId xmlns:a16="http://schemas.microsoft.com/office/drawing/2014/main" id="{C4FAA0CA-2F7E-496D-94AC-55762091DF0A}"/>
+                  </a:ext>
+                </a:extLst>
+              </p:cNvPr>
+              <p:cNvPicPr/>
+              <p:nvPr/>
+            </p:nvPicPr>
+            <p:blipFill>
+              <a:blip r:embed="rId63"/>
+              <a:stretch>
+                <a:fillRect/>
+              </a:stretch>
+            </p:blipFill>
+            <p:spPr>
+              <a:xfrm>
+                <a:off x="2986171" y="5700593"/>
+                <a:ext cx="1475640" cy="883080"/>
+              </a:xfrm>
+              <a:prstGeom prst="rect">
+                <a:avLst/>
+              </a:prstGeom>
+            </p:spPr>
+          </p:pic>
+        </mc:Fallback>
+      </mc:AlternateContent>
+      <mc:AlternateContent xmlns:mc="http://schemas.openxmlformats.org/markup-compatibility/2006">
+        <mc:Choice xmlns:p14="http://schemas.microsoft.com/office/powerpoint/2010/main" Requires="p14">
+          <p:contentPart p14:bwMode="auto" r:id="rId64">
+            <p14:nvContentPartPr>
+              <p14:cNvPr id="270" name="Ink 269">
+                <a:extLst>
+                  <a:ext uri="{FF2B5EF4-FFF2-40B4-BE49-F238E27FC236}">
+                    <a16:creationId xmlns:a16="http://schemas.microsoft.com/office/drawing/2014/main" id="{6AC15584-C492-44C1-9614-CD03FBA84DA6}"/>
+                  </a:ext>
+                </a:extLst>
+              </p14:cNvPr>
+              <p14:cNvContentPartPr/>
+              <p14:nvPr/>
+            </p14:nvContentPartPr>
+            <p14:xfrm>
+              <a:off x="4180291" y="5533193"/>
+              <a:ext cx="2155680" cy="942480"/>
+            </p14:xfrm>
+          </p:contentPart>
+        </mc:Choice>
+        <mc:Fallback>
+          <p:pic>
+            <p:nvPicPr>
+              <p:cNvPr id="270" name="Ink 269">
+                <a:extLst>
+                  <a:ext uri="{FF2B5EF4-FFF2-40B4-BE49-F238E27FC236}">
+                    <a16:creationId xmlns:a16="http://schemas.microsoft.com/office/drawing/2014/main" id="{6AC15584-C492-44C1-9614-CD03FBA84DA6}"/>
+                  </a:ext>
+                </a:extLst>
+              </p:cNvPr>
+              <p:cNvPicPr/>
+              <p:nvPr/>
+            </p:nvPicPr>
+            <p:blipFill>
+              <a:blip r:embed="rId65"/>
+              <a:stretch>
+                <a:fillRect/>
+              </a:stretch>
+            </p:blipFill>
+            <p:spPr>
+              <a:xfrm>
+                <a:off x="4171291" y="5524193"/>
+                <a:ext cx="2173320" cy="960120"/>
+              </a:xfrm>
+              <a:prstGeom prst="rect">
+                <a:avLst/>
+              </a:prstGeom>
+            </p:spPr>
+          </p:pic>
+        </mc:Fallback>
+      </mc:AlternateContent>
+      <mc:AlternateContent xmlns:mc="http://schemas.openxmlformats.org/markup-compatibility/2006">
+        <mc:Choice xmlns:p14="http://schemas.microsoft.com/office/powerpoint/2010/main" Requires="p14">
+          <p:contentPart p14:bwMode="auto" r:id="rId66">
+            <p14:nvContentPartPr>
+              <p14:cNvPr id="279" name="Ink 278">
+                <a:extLst>
+                  <a:ext uri="{FF2B5EF4-FFF2-40B4-BE49-F238E27FC236}">
+                    <a16:creationId xmlns:a16="http://schemas.microsoft.com/office/drawing/2014/main" id="{CD3A0E2C-3958-4597-A78D-5478FA6597AA}"/>
+                  </a:ext>
+                </a:extLst>
+              </p14:cNvPr>
+              <p14:cNvContentPartPr/>
+              <p14:nvPr/>
+            </p14:nvContentPartPr>
+            <p14:xfrm>
+              <a:off x="6371611" y="5622833"/>
+              <a:ext cx="860760" cy="866880"/>
+            </p14:xfrm>
+          </p:contentPart>
+        </mc:Choice>
+        <mc:Fallback>
+          <p:pic>
+            <p:nvPicPr>
+              <p:cNvPr id="279" name="Ink 278">
+                <a:extLst>
+                  <a:ext uri="{FF2B5EF4-FFF2-40B4-BE49-F238E27FC236}">
+                    <a16:creationId xmlns:a16="http://schemas.microsoft.com/office/drawing/2014/main" id="{CD3A0E2C-3958-4597-A78D-5478FA6597AA}"/>
+                  </a:ext>
+                </a:extLst>
+              </p:cNvPr>
+              <p:cNvPicPr/>
+              <p:nvPr/>
+            </p:nvPicPr>
+            <p:blipFill>
+              <a:blip r:embed="rId67"/>
+              <a:stretch>
+                <a:fillRect/>
+              </a:stretch>
+            </p:blipFill>
+            <p:spPr>
+              <a:xfrm>
+                <a:off x="6362611" y="5613833"/>
+                <a:ext cx="878400" cy="884520"/>
               </a:xfrm>
               <a:prstGeom prst="rect">
                 <a:avLst/>
@@ -23570,6 +26128,669 @@
           </a:p>
         </p:txBody>
       </p:sp>
+      <mc:AlternateContent xmlns:mc="http://schemas.openxmlformats.org/markup-compatibility/2006">
+        <mc:Choice xmlns:p14="http://schemas.microsoft.com/office/powerpoint/2010/main" Requires="p14">
+          <p:contentPart p14:bwMode="auto" r:id="rId3">
+            <p14:nvContentPartPr>
+              <p14:cNvPr id="14" name="Ink 13">
+                <a:extLst>
+                  <a:ext uri="{FF2B5EF4-FFF2-40B4-BE49-F238E27FC236}">
+                    <a16:creationId xmlns:a16="http://schemas.microsoft.com/office/drawing/2014/main" id="{84D8D62B-F29A-4CAB-96D5-9137E73BC904}"/>
+                  </a:ext>
+                </a:extLst>
+              </p14:cNvPr>
+              <p14:cNvContentPartPr/>
+              <p14:nvPr/>
+            </p14:nvContentPartPr>
+            <p14:xfrm>
+              <a:off x="5831611" y="3712673"/>
+              <a:ext cx="1773360" cy="337320"/>
+            </p14:xfrm>
+          </p:contentPart>
+        </mc:Choice>
+        <mc:Fallback>
+          <p:pic>
+            <p:nvPicPr>
+              <p:cNvPr id="14" name="Ink 13">
+                <a:extLst>
+                  <a:ext uri="{FF2B5EF4-FFF2-40B4-BE49-F238E27FC236}">
+                    <a16:creationId xmlns:a16="http://schemas.microsoft.com/office/drawing/2014/main" id="{84D8D62B-F29A-4CAB-96D5-9137E73BC904}"/>
+                  </a:ext>
+                </a:extLst>
+              </p:cNvPr>
+              <p:cNvPicPr/>
+              <p:nvPr/>
+            </p:nvPicPr>
+            <p:blipFill>
+              <a:blip r:embed="rId4"/>
+              <a:stretch>
+                <a:fillRect/>
+              </a:stretch>
+            </p:blipFill>
+            <p:spPr>
+              <a:xfrm>
+                <a:off x="5822611" y="3703673"/>
+                <a:ext cx="1791000" cy="354960"/>
+              </a:xfrm>
+              <a:prstGeom prst="rect">
+                <a:avLst/>
+              </a:prstGeom>
+            </p:spPr>
+          </p:pic>
+        </mc:Fallback>
+      </mc:AlternateContent>
+      <mc:AlternateContent xmlns:mc="http://schemas.openxmlformats.org/markup-compatibility/2006">
+        <mc:Choice xmlns:p14="http://schemas.microsoft.com/office/powerpoint/2010/main" Requires="p14">
+          <p:contentPart p14:bwMode="auto" r:id="rId5">
+            <p14:nvContentPartPr>
+              <p14:cNvPr id="21" name="Ink 20">
+                <a:extLst>
+                  <a:ext uri="{FF2B5EF4-FFF2-40B4-BE49-F238E27FC236}">
+                    <a16:creationId xmlns:a16="http://schemas.microsoft.com/office/drawing/2014/main" id="{8305159F-5746-48BB-90F4-8F70E370191F}"/>
+                  </a:ext>
+                </a:extLst>
+              </p14:cNvPr>
+              <p14:cNvContentPartPr/>
+              <p14:nvPr/>
+            </p14:nvContentPartPr>
+            <p14:xfrm>
+              <a:off x="7882891" y="3657593"/>
+              <a:ext cx="869760" cy="339120"/>
+            </p14:xfrm>
+          </p:contentPart>
+        </mc:Choice>
+        <mc:Fallback>
+          <p:pic>
+            <p:nvPicPr>
+              <p:cNvPr id="21" name="Ink 20">
+                <a:extLst>
+                  <a:ext uri="{FF2B5EF4-FFF2-40B4-BE49-F238E27FC236}">
+                    <a16:creationId xmlns:a16="http://schemas.microsoft.com/office/drawing/2014/main" id="{8305159F-5746-48BB-90F4-8F70E370191F}"/>
+                  </a:ext>
+                </a:extLst>
+              </p:cNvPr>
+              <p:cNvPicPr/>
+              <p:nvPr/>
+            </p:nvPicPr>
+            <p:blipFill>
+              <a:blip r:embed="rId6"/>
+              <a:stretch>
+                <a:fillRect/>
+              </a:stretch>
+            </p:blipFill>
+            <p:spPr>
+              <a:xfrm>
+                <a:off x="7873891" y="3648593"/>
+                <a:ext cx="887400" cy="356760"/>
+              </a:xfrm>
+              <a:prstGeom prst="rect">
+                <a:avLst/>
+              </a:prstGeom>
+            </p:spPr>
+          </p:pic>
+        </mc:Fallback>
+      </mc:AlternateContent>
+      <mc:AlternateContent xmlns:mc="http://schemas.openxmlformats.org/markup-compatibility/2006">
+        <mc:Choice xmlns:p14="http://schemas.microsoft.com/office/powerpoint/2010/main" Requires="p14">
+          <p:contentPart p14:bwMode="auto" r:id="rId7">
+            <p14:nvContentPartPr>
+              <p14:cNvPr id="28" name="Ink 27">
+                <a:extLst>
+                  <a:ext uri="{FF2B5EF4-FFF2-40B4-BE49-F238E27FC236}">
+                    <a16:creationId xmlns:a16="http://schemas.microsoft.com/office/drawing/2014/main" id="{5F63F902-78CA-48E9-BF92-6BBAAB2333E9}"/>
+                  </a:ext>
+                </a:extLst>
+              </p14:cNvPr>
+              <p14:cNvContentPartPr/>
+              <p14:nvPr/>
+            </p14:nvContentPartPr>
+            <p14:xfrm>
+              <a:off x="8938771" y="3583073"/>
+              <a:ext cx="830880" cy="382680"/>
+            </p14:xfrm>
+          </p:contentPart>
+        </mc:Choice>
+        <mc:Fallback>
+          <p:pic>
+            <p:nvPicPr>
+              <p:cNvPr id="28" name="Ink 27">
+                <a:extLst>
+                  <a:ext uri="{FF2B5EF4-FFF2-40B4-BE49-F238E27FC236}">
+                    <a16:creationId xmlns:a16="http://schemas.microsoft.com/office/drawing/2014/main" id="{5F63F902-78CA-48E9-BF92-6BBAAB2333E9}"/>
+                  </a:ext>
+                </a:extLst>
+              </p:cNvPr>
+              <p:cNvPicPr/>
+              <p:nvPr/>
+            </p:nvPicPr>
+            <p:blipFill>
+              <a:blip r:embed="rId8"/>
+              <a:stretch>
+                <a:fillRect/>
+              </a:stretch>
+            </p:blipFill>
+            <p:spPr>
+              <a:xfrm>
+                <a:off x="8929771" y="3574073"/>
+                <a:ext cx="848520" cy="400320"/>
+              </a:xfrm>
+              <a:prstGeom prst="rect">
+                <a:avLst/>
+              </a:prstGeom>
+            </p:spPr>
+          </p:pic>
+        </mc:Fallback>
+      </mc:AlternateContent>
+      <mc:AlternateContent xmlns:mc="http://schemas.openxmlformats.org/markup-compatibility/2006">
+        <mc:Choice xmlns:p14="http://schemas.microsoft.com/office/powerpoint/2010/main" Requires="p14">
+          <p:contentPart p14:bwMode="auto" r:id="rId9">
+            <p14:nvContentPartPr>
+              <p14:cNvPr id="31" name="Ink 30">
+                <a:extLst>
+                  <a:ext uri="{FF2B5EF4-FFF2-40B4-BE49-F238E27FC236}">
+                    <a16:creationId xmlns:a16="http://schemas.microsoft.com/office/drawing/2014/main" id="{CE5A3739-3612-4A86-9DDA-13305D256AA4}"/>
+                  </a:ext>
+                </a:extLst>
+              </p14:cNvPr>
+              <p14:cNvContentPartPr/>
+              <p14:nvPr/>
+            </p14:nvContentPartPr>
+            <p14:xfrm>
+              <a:off x="5450011" y="3853433"/>
+              <a:ext cx="204840" cy="243000"/>
+            </p14:xfrm>
+          </p:contentPart>
+        </mc:Choice>
+        <mc:Fallback>
+          <p:pic>
+            <p:nvPicPr>
+              <p:cNvPr id="31" name="Ink 30">
+                <a:extLst>
+                  <a:ext uri="{FF2B5EF4-FFF2-40B4-BE49-F238E27FC236}">
+                    <a16:creationId xmlns:a16="http://schemas.microsoft.com/office/drawing/2014/main" id="{CE5A3739-3612-4A86-9DDA-13305D256AA4}"/>
+                  </a:ext>
+                </a:extLst>
+              </p:cNvPr>
+              <p:cNvPicPr/>
+              <p:nvPr/>
+            </p:nvPicPr>
+            <p:blipFill>
+              <a:blip r:embed="rId10"/>
+              <a:stretch>
+                <a:fillRect/>
+              </a:stretch>
+            </p:blipFill>
+            <p:spPr>
+              <a:xfrm>
+                <a:off x="5441011" y="3844433"/>
+                <a:ext cx="222480" cy="260640"/>
+              </a:xfrm>
+              <a:prstGeom prst="rect">
+                <a:avLst/>
+              </a:prstGeom>
+            </p:spPr>
+          </p:pic>
+        </mc:Fallback>
+      </mc:AlternateContent>
+      <mc:AlternateContent xmlns:mc="http://schemas.openxmlformats.org/markup-compatibility/2006">
+        <mc:Choice xmlns:p14="http://schemas.microsoft.com/office/powerpoint/2010/main" Requires="p14">
+          <p:contentPart p14:bwMode="auto" r:id="rId11">
+            <p14:nvContentPartPr>
+              <p14:cNvPr id="34" name="Ink 33">
+                <a:extLst>
+                  <a:ext uri="{FF2B5EF4-FFF2-40B4-BE49-F238E27FC236}">
+                    <a16:creationId xmlns:a16="http://schemas.microsoft.com/office/drawing/2014/main" id="{FAE893B8-F514-43CA-9376-651C0C741B59}"/>
+                  </a:ext>
+                </a:extLst>
+              </p14:cNvPr>
+              <p14:cNvContentPartPr/>
+              <p14:nvPr/>
+            </p14:nvContentPartPr>
+            <p14:xfrm>
+              <a:off x="8289691" y="3395153"/>
+              <a:ext cx="126720" cy="225360"/>
+            </p14:xfrm>
+          </p:contentPart>
+        </mc:Choice>
+        <mc:Fallback>
+          <p:pic>
+            <p:nvPicPr>
+              <p:cNvPr id="34" name="Ink 33">
+                <a:extLst>
+                  <a:ext uri="{FF2B5EF4-FFF2-40B4-BE49-F238E27FC236}">
+                    <a16:creationId xmlns:a16="http://schemas.microsoft.com/office/drawing/2014/main" id="{FAE893B8-F514-43CA-9376-651C0C741B59}"/>
+                  </a:ext>
+                </a:extLst>
+              </p:cNvPr>
+              <p:cNvPicPr/>
+              <p:nvPr/>
+            </p:nvPicPr>
+            <p:blipFill>
+              <a:blip r:embed="rId12"/>
+              <a:stretch>
+                <a:fillRect/>
+              </a:stretch>
+            </p:blipFill>
+            <p:spPr>
+              <a:xfrm>
+                <a:off x="8280691" y="3386153"/>
+                <a:ext cx="144360" cy="243000"/>
+              </a:xfrm>
+              <a:prstGeom prst="rect">
+                <a:avLst/>
+              </a:prstGeom>
+            </p:spPr>
+          </p:pic>
+        </mc:Fallback>
+      </mc:AlternateContent>
+      <mc:AlternateContent xmlns:mc="http://schemas.openxmlformats.org/markup-compatibility/2006">
+        <mc:Choice xmlns:p14="http://schemas.microsoft.com/office/powerpoint/2010/main" Requires="p14">
+          <p:contentPart p14:bwMode="auto" r:id="rId13">
+            <p14:nvContentPartPr>
+              <p14:cNvPr id="38" name="Ink 37">
+                <a:extLst>
+                  <a:ext uri="{FF2B5EF4-FFF2-40B4-BE49-F238E27FC236}">
+                    <a16:creationId xmlns:a16="http://schemas.microsoft.com/office/drawing/2014/main" id="{7C2357B2-EE29-48D7-AE21-00C36BE3E77F}"/>
+                  </a:ext>
+                </a:extLst>
+              </p14:cNvPr>
+              <p14:cNvContentPartPr/>
+              <p14:nvPr/>
+            </p14:nvContentPartPr>
+            <p14:xfrm>
+              <a:off x="5635771" y="3637793"/>
+              <a:ext cx="158760" cy="244080"/>
+            </p14:xfrm>
+          </p:contentPart>
+        </mc:Choice>
+        <mc:Fallback>
+          <p:pic>
+            <p:nvPicPr>
+              <p:cNvPr id="38" name="Ink 37">
+                <a:extLst>
+                  <a:ext uri="{FF2B5EF4-FFF2-40B4-BE49-F238E27FC236}">
+                    <a16:creationId xmlns:a16="http://schemas.microsoft.com/office/drawing/2014/main" id="{7C2357B2-EE29-48D7-AE21-00C36BE3E77F}"/>
+                  </a:ext>
+                </a:extLst>
+              </p:cNvPr>
+              <p:cNvPicPr/>
+              <p:nvPr/>
+            </p:nvPicPr>
+            <p:blipFill>
+              <a:blip r:embed="rId14"/>
+              <a:stretch>
+                <a:fillRect/>
+              </a:stretch>
+            </p:blipFill>
+            <p:spPr>
+              <a:xfrm>
+                <a:off x="5626771" y="3628793"/>
+                <a:ext cx="176400" cy="261720"/>
+              </a:xfrm>
+              <a:prstGeom prst="rect">
+                <a:avLst/>
+              </a:prstGeom>
+            </p:spPr>
+          </p:pic>
+        </mc:Fallback>
+      </mc:AlternateContent>
+      <mc:AlternateContent xmlns:mc="http://schemas.openxmlformats.org/markup-compatibility/2006">
+        <mc:Choice xmlns:p14="http://schemas.microsoft.com/office/powerpoint/2010/main" Requires="p14">
+          <p:contentPart p14:bwMode="auto" r:id="rId15">
+            <p14:nvContentPartPr>
+              <p14:cNvPr id="45" name="Ink 44">
+                <a:extLst>
+                  <a:ext uri="{FF2B5EF4-FFF2-40B4-BE49-F238E27FC236}">
+                    <a16:creationId xmlns:a16="http://schemas.microsoft.com/office/drawing/2014/main" id="{6BCADC86-585C-447B-9838-2FCDE8F308FA}"/>
+                  </a:ext>
+                </a:extLst>
+              </p14:cNvPr>
+              <p14:cNvContentPartPr/>
+              <p14:nvPr/>
+            </p14:nvContentPartPr>
+            <p14:xfrm>
+              <a:off x="7949851" y="4170953"/>
+              <a:ext cx="569520" cy="324360"/>
+            </p14:xfrm>
+          </p:contentPart>
+        </mc:Choice>
+        <mc:Fallback>
+          <p:pic>
+            <p:nvPicPr>
+              <p:cNvPr id="45" name="Ink 44">
+                <a:extLst>
+                  <a:ext uri="{FF2B5EF4-FFF2-40B4-BE49-F238E27FC236}">
+                    <a16:creationId xmlns:a16="http://schemas.microsoft.com/office/drawing/2014/main" id="{6BCADC86-585C-447B-9838-2FCDE8F308FA}"/>
+                  </a:ext>
+                </a:extLst>
+              </p:cNvPr>
+              <p:cNvPicPr/>
+              <p:nvPr/>
+            </p:nvPicPr>
+            <p:blipFill>
+              <a:blip r:embed="rId16"/>
+              <a:stretch>
+                <a:fillRect/>
+              </a:stretch>
+            </p:blipFill>
+            <p:spPr>
+              <a:xfrm>
+                <a:off x="7940851" y="4161953"/>
+                <a:ext cx="587160" cy="342000"/>
+              </a:xfrm>
+              <a:prstGeom prst="rect">
+                <a:avLst/>
+              </a:prstGeom>
+            </p:spPr>
+          </p:pic>
+        </mc:Fallback>
+      </mc:AlternateContent>
+      <mc:AlternateContent xmlns:mc="http://schemas.openxmlformats.org/markup-compatibility/2006">
+        <mc:Choice xmlns:p14="http://schemas.microsoft.com/office/powerpoint/2010/main" Requires="p14">
+          <p:contentPart p14:bwMode="auto" r:id="rId17">
+            <p14:nvContentPartPr>
+              <p14:cNvPr id="49" name="Ink 48">
+                <a:extLst>
+                  <a:ext uri="{FF2B5EF4-FFF2-40B4-BE49-F238E27FC236}">
+                    <a16:creationId xmlns:a16="http://schemas.microsoft.com/office/drawing/2014/main" id="{A1382582-15F1-4F8A-BAD4-E9503F176862}"/>
+                  </a:ext>
+                </a:extLst>
+              </p14:cNvPr>
+              <p14:cNvContentPartPr/>
+              <p14:nvPr/>
+            </p14:nvContentPartPr>
+            <p14:xfrm>
+              <a:off x="8639611" y="4142873"/>
+              <a:ext cx="495360" cy="159840"/>
+            </p14:xfrm>
+          </p:contentPart>
+        </mc:Choice>
+        <mc:Fallback>
+          <p:pic>
+            <p:nvPicPr>
+              <p:cNvPr id="49" name="Ink 48">
+                <a:extLst>
+                  <a:ext uri="{FF2B5EF4-FFF2-40B4-BE49-F238E27FC236}">
+                    <a16:creationId xmlns:a16="http://schemas.microsoft.com/office/drawing/2014/main" id="{A1382582-15F1-4F8A-BAD4-E9503F176862}"/>
+                  </a:ext>
+                </a:extLst>
+              </p:cNvPr>
+              <p:cNvPicPr/>
+              <p:nvPr/>
+            </p:nvPicPr>
+            <p:blipFill>
+              <a:blip r:embed="rId18"/>
+              <a:stretch>
+                <a:fillRect/>
+              </a:stretch>
+            </p:blipFill>
+            <p:spPr>
+              <a:xfrm>
+                <a:off x="8630611" y="4133873"/>
+                <a:ext cx="513000" cy="177480"/>
+              </a:xfrm>
+              <a:prstGeom prst="rect">
+                <a:avLst/>
+              </a:prstGeom>
+            </p:spPr>
+          </p:pic>
+        </mc:Fallback>
+      </mc:AlternateContent>
+      <mc:AlternateContent xmlns:mc="http://schemas.openxmlformats.org/markup-compatibility/2006">
+        <mc:Choice xmlns:p14="http://schemas.microsoft.com/office/powerpoint/2010/main" Requires="p14">
+          <p:contentPart p14:bwMode="auto" r:id="rId19">
+            <p14:nvContentPartPr>
+              <p14:cNvPr id="50" name="Ink 49">
+                <a:extLst>
+                  <a:ext uri="{FF2B5EF4-FFF2-40B4-BE49-F238E27FC236}">
+                    <a16:creationId xmlns:a16="http://schemas.microsoft.com/office/drawing/2014/main" id="{132D40B5-5304-4E5B-98B7-EBD659150D3D}"/>
+                  </a:ext>
+                </a:extLst>
+              </p14:cNvPr>
+              <p14:cNvContentPartPr/>
+              <p14:nvPr/>
+            </p14:nvContentPartPr>
+            <p14:xfrm>
+              <a:off x="3058171" y="4012193"/>
+              <a:ext cx="450360" cy="254160"/>
+            </p14:xfrm>
+          </p:contentPart>
+        </mc:Choice>
+        <mc:Fallback>
+          <p:pic>
+            <p:nvPicPr>
+              <p:cNvPr id="50" name="Ink 49">
+                <a:extLst>
+                  <a:ext uri="{FF2B5EF4-FFF2-40B4-BE49-F238E27FC236}">
+                    <a16:creationId xmlns:a16="http://schemas.microsoft.com/office/drawing/2014/main" id="{132D40B5-5304-4E5B-98B7-EBD659150D3D}"/>
+                  </a:ext>
+                </a:extLst>
+              </p:cNvPr>
+              <p:cNvPicPr/>
+              <p:nvPr/>
+            </p:nvPicPr>
+            <p:blipFill>
+              <a:blip r:embed="rId20"/>
+              <a:stretch>
+                <a:fillRect/>
+              </a:stretch>
+            </p:blipFill>
+            <p:spPr>
+              <a:xfrm>
+                <a:off x="3049171" y="4003193"/>
+                <a:ext cx="468000" cy="271800"/>
+              </a:xfrm>
+              <a:prstGeom prst="rect">
+                <a:avLst/>
+              </a:prstGeom>
+            </p:spPr>
+          </p:pic>
+        </mc:Fallback>
+      </mc:AlternateContent>
+      <mc:AlternateContent xmlns:mc="http://schemas.openxmlformats.org/markup-compatibility/2006">
+        <mc:Choice xmlns:p14="http://schemas.microsoft.com/office/powerpoint/2010/main" Requires="p14">
+          <p:contentPart p14:bwMode="auto" r:id="rId21">
+            <p14:nvContentPartPr>
+              <p14:cNvPr id="57" name="Ink 56">
+                <a:extLst>
+                  <a:ext uri="{FF2B5EF4-FFF2-40B4-BE49-F238E27FC236}">
+                    <a16:creationId xmlns:a16="http://schemas.microsoft.com/office/drawing/2014/main" id="{1F2503B0-8FBE-4E16-9E71-7268FD2E1BC3}"/>
+                  </a:ext>
+                </a:extLst>
+              </p14:cNvPr>
+              <p14:cNvContentPartPr/>
+              <p14:nvPr/>
+            </p14:nvContentPartPr>
+            <p14:xfrm>
+              <a:off x="4245451" y="4244393"/>
+              <a:ext cx="849960" cy="309240"/>
+            </p14:xfrm>
+          </p:contentPart>
+        </mc:Choice>
+        <mc:Fallback>
+          <p:pic>
+            <p:nvPicPr>
+              <p:cNvPr id="57" name="Ink 56">
+                <a:extLst>
+                  <a:ext uri="{FF2B5EF4-FFF2-40B4-BE49-F238E27FC236}">
+                    <a16:creationId xmlns:a16="http://schemas.microsoft.com/office/drawing/2014/main" id="{1F2503B0-8FBE-4E16-9E71-7268FD2E1BC3}"/>
+                  </a:ext>
+                </a:extLst>
+              </p:cNvPr>
+              <p:cNvPicPr/>
+              <p:nvPr/>
+            </p:nvPicPr>
+            <p:blipFill>
+              <a:blip r:embed="rId22"/>
+              <a:stretch>
+                <a:fillRect/>
+              </a:stretch>
+            </p:blipFill>
+            <p:spPr>
+              <a:xfrm>
+                <a:off x="4236451" y="4235393"/>
+                <a:ext cx="867600" cy="326880"/>
+              </a:xfrm>
+              <a:prstGeom prst="rect">
+                <a:avLst/>
+              </a:prstGeom>
+            </p:spPr>
+          </p:pic>
+        </mc:Fallback>
+      </mc:AlternateContent>
+      <mc:AlternateContent xmlns:mc="http://schemas.openxmlformats.org/markup-compatibility/2006">
+        <mc:Choice xmlns:p14="http://schemas.microsoft.com/office/powerpoint/2010/main" Requires="p14">
+          <p:contentPart p14:bwMode="auto" r:id="rId23">
+            <p14:nvContentPartPr>
+              <p14:cNvPr id="64" name="Ink 63">
+                <a:extLst>
+                  <a:ext uri="{FF2B5EF4-FFF2-40B4-BE49-F238E27FC236}">
+                    <a16:creationId xmlns:a16="http://schemas.microsoft.com/office/drawing/2014/main" id="{5F3A4450-D528-4110-A1B8-9580B4CFE5C7}"/>
+                  </a:ext>
+                </a:extLst>
+              </p14:cNvPr>
+              <p14:cNvContentPartPr/>
+              <p14:nvPr/>
+            </p14:nvContentPartPr>
+            <p14:xfrm>
+              <a:off x="56131" y="4188233"/>
+              <a:ext cx="243720" cy="150840"/>
+            </p14:xfrm>
+          </p:contentPart>
+        </mc:Choice>
+        <mc:Fallback>
+          <p:pic>
+            <p:nvPicPr>
+              <p:cNvPr id="64" name="Ink 63">
+                <a:extLst>
+                  <a:ext uri="{FF2B5EF4-FFF2-40B4-BE49-F238E27FC236}">
+                    <a16:creationId xmlns:a16="http://schemas.microsoft.com/office/drawing/2014/main" id="{5F3A4450-D528-4110-A1B8-9580B4CFE5C7}"/>
+                  </a:ext>
+                </a:extLst>
+              </p:cNvPr>
+              <p:cNvPicPr/>
+              <p:nvPr/>
+            </p:nvPicPr>
+            <p:blipFill>
+              <a:blip r:embed="rId24"/>
+              <a:stretch>
+                <a:fillRect/>
+              </a:stretch>
+            </p:blipFill>
+            <p:spPr>
+              <a:xfrm>
+                <a:off x="47131" y="4179233"/>
+                <a:ext cx="261360" cy="168480"/>
+              </a:xfrm>
+              <a:prstGeom prst="rect">
+                <a:avLst/>
+              </a:prstGeom>
+            </p:spPr>
+          </p:pic>
+        </mc:Fallback>
+      </mc:AlternateContent>
+      <mc:AlternateContent xmlns:mc="http://schemas.openxmlformats.org/markup-compatibility/2006">
+        <mc:Choice xmlns:p14="http://schemas.microsoft.com/office/powerpoint/2010/main" Requires="p14">
+          <p:contentPart p14:bwMode="auto" r:id="rId25">
+            <p14:nvContentPartPr>
+              <p14:cNvPr id="65" name="Ink 64">
+                <a:extLst>
+                  <a:ext uri="{FF2B5EF4-FFF2-40B4-BE49-F238E27FC236}">
+                    <a16:creationId xmlns:a16="http://schemas.microsoft.com/office/drawing/2014/main" id="{B9071B7E-80AC-4B2E-99CF-71358F013ACA}"/>
+                  </a:ext>
+                </a:extLst>
+              </p14:cNvPr>
+              <p14:cNvContentPartPr/>
+              <p14:nvPr/>
+            </p14:nvContentPartPr>
+            <p14:xfrm>
+              <a:off x="37411" y="3719153"/>
+              <a:ext cx="208080" cy="181440"/>
+            </p14:xfrm>
+          </p:contentPart>
+        </mc:Choice>
+        <mc:Fallback>
+          <p:pic>
+            <p:nvPicPr>
+              <p:cNvPr id="65" name="Ink 64">
+                <a:extLst>
+                  <a:ext uri="{FF2B5EF4-FFF2-40B4-BE49-F238E27FC236}">
+                    <a16:creationId xmlns:a16="http://schemas.microsoft.com/office/drawing/2014/main" id="{B9071B7E-80AC-4B2E-99CF-71358F013ACA}"/>
+                  </a:ext>
+                </a:extLst>
+              </p:cNvPr>
+              <p:cNvPicPr/>
+              <p:nvPr/>
+            </p:nvPicPr>
+            <p:blipFill>
+              <a:blip r:embed="rId26"/>
+              <a:stretch>
+                <a:fillRect/>
+              </a:stretch>
+            </p:blipFill>
+            <p:spPr>
+              <a:xfrm>
+                <a:off x="28411" y="3710153"/>
+                <a:ext cx="225720" cy="199080"/>
+              </a:xfrm>
+              <a:prstGeom prst="rect">
+                <a:avLst/>
+              </a:prstGeom>
+            </p:spPr>
+          </p:pic>
+        </mc:Fallback>
+      </mc:AlternateContent>
+      <mc:AlternateContent xmlns:mc="http://schemas.openxmlformats.org/markup-compatibility/2006">
+        <mc:Choice xmlns:p14="http://schemas.microsoft.com/office/powerpoint/2010/main" Requires="p14">
+          <p:contentPart p14:bwMode="auto" r:id="rId27">
+            <p14:nvContentPartPr>
+              <p14:cNvPr id="66" name="Ink 65">
+                <a:extLst>
+                  <a:ext uri="{FF2B5EF4-FFF2-40B4-BE49-F238E27FC236}">
+                    <a16:creationId xmlns:a16="http://schemas.microsoft.com/office/drawing/2014/main" id="{81BA2356-BE69-42E4-B64F-32B3E3699B71}"/>
+                  </a:ext>
+                </a:extLst>
+              </p14:cNvPr>
+              <p14:cNvContentPartPr/>
+              <p14:nvPr/>
+            </p14:nvContentPartPr>
+            <p14:xfrm>
+              <a:off x="65491" y="3470753"/>
+              <a:ext cx="214920" cy="112680"/>
+            </p14:xfrm>
+          </p:contentPart>
+        </mc:Choice>
+        <mc:Fallback>
+          <p:pic>
+            <p:nvPicPr>
+              <p:cNvPr id="66" name="Ink 65">
+                <a:extLst>
+                  <a:ext uri="{FF2B5EF4-FFF2-40B4-BE49-F238E27FC236}">
+                    <a16:creationId xmlns:a16="http://schemas.microsoft.com/office/drawing/2014/main" id="{81BA2356-BE69-42E4-B64F-32B3E3699B71}"/>
+                  </a:ext>
+                </a:extLst>
+              </p:cNvPr>
+              <p:cNvPicPr/>
+              <p:nvPr/>
+            </p:nvPicPr>
+            <p:blipFill>
+              <a:blip r:embed="rId28"/>
+              <a:stretch>
+                <a:fillRect/>
+              </a:stretch>
+            </p:blipFill>
+            <p:spPr>
+              <a:xfrm>
+                <a:off x="56491" y="3461753"/>
+                <a:ext cx="232560" cy="130320"/>
+              </a:xfrm>
+              <a:prstGeom prst="rect">
+                <a:avLst/>
+              </a:prstGeom>
+            </p:spPr>
+          </p:pic>
+        </mc:Fallback>
+      </mc:AlternateContent>
     </p:spTree>
     <p:extLst>
       <p:ext uri="{BB962C8B-B14F-4D97-AF65-F5344CB8AC3E}">
